--- a/CSE216-S19/slides/PPT/CSE216_Lec4.pptx
+++ b/CSE216-S19/slides/PPT/CSE216_Lec4.pptx
@@ -15774,8 +15774,8 @@
         </p:blipFill>
         <p:spPr bwMode="auto">
           <a:xfrm>
-            <a:off x="739775" y="3581400"/>
-            <a:ext cx="7345363" cy="2768600"/>
+            <a:off x="863600" y="3600623"/>
+            <a:ext cx="7193280" cy="2711277"/>
           </a:xfrm>
           <a:prstGeom prst="rect">
             <a:avLst/>

--- a/CSE216-S19/slides/PPT/CSE216_Lec4.pptx
+++ b/CSE216-S19/slides/PPT/CSE216_Lec4.pptx
@@ -1,11 +1,11 @@
 
 <file path=ppt/presentation.xml><?xml version="1.0" encoding="utf-8"?>
-<p:presentation xmlns:a="http://schemas.openxmlformats.org/drawingml/2006/main" xmlns:r="http://schemas.openxmlformats.org/officeDocument/2006/relationships" xmlns:p="http://schemas.openxmlformats.org/presentationml/2006/main" showSpecialPlsOnTitleSld="0" saveSubsetFonts="1" autoCompressPictures="0">
+<p:presentation xmlns:a="http://schemas.openxmlformats.org/drawingml/2006/main" xmlns:r="http://schemas.openxmlformats.org/officeDocument/2006/relationships" xmlns:p="http://schemas.openxmlformats.org/presentationml/2006/main" saveSubsetFonts="1" autoCompressPictures="0">
   <p:sldMasterIdLst>
     <p:sldMasterId id="2147483902" r:id="rId1"/>
   </p:sldMasterIdLst>
   <p:notesMasterIdLst>
-    <p:notesMasterId r:id="rId41"/>
+    <p:notesMasterId r:id="rId47"/>
   </p:notesMasterIdLst>
   <p:sldIdLst>
     <p:sldId id="256" r:id="rId2"/>
@@ -47,6 +47,12 @@
     <p:sldId id="288" r:id="rId38"/>
     <p:sldId id="294" r:id="rId39"/>
     <p:sldId id="296" r:id="rId40"/>
+    <p:sldId id="610" r:id="rId41"/>
+    <p:sldId id="611" r:id="rId42"/>
+    <p:sldId id="612" r:id="rId43"/>
+    <p:sldId id="613" r:id="rId44"/>
+    <p:sldId id="614" r:id="rId45"/>
+    <p:sldId id="615" r:id="rId46"/>
   </p:sldIdLst>
   <p:sldSz cx="9144000" cy="6858000" type="screen4x3"/>
   <p:notesSz cx="6858000" cy="9144000"/>
@@ -246,7 +252,7 @@
           <a:p>
             <a:fld id="{672A025E-C960-4AB6-8E8E-0EE6D13ED4ED}" type="datetimeFigureOut">
               <a:rPr lang="en-US" smtClean="0"/>
-              <a:t>3/14/2019</a:t>
+              <a:t>3/21/2019</a:t>
             </a:fld>
             <a:endParaRPr lang="en-US"/>
           </a:p>
@@ -2544,6 +2550,333 @@
 </p:notes>
 </file>
 
+<file path=ppt/notesSlides/notesSlide27.xml><?xml version="1.0" encoding="utf-8"?>
+<p:notes xmlns:a="http://schemas.openxmlformats.org/drawingml/2006/main" xmlns:r="http://schemas.openxmlformats.org/officeDocument/2006/relationships" xmlns:p="http://schemas.openxmlformats.org/presentationml/2006/main" showMasterSp="0" showMasterPhAnim="0">
+  <p:cSld>
+    <p:spTree>
+      <p:nvGrpSpPr>
+        <p:cNvPr id="1" name=""/>
+        <p:cNvGrpSpPr/>
+        <p:nvPr/>
+      </p:nvGrpSpPr>
+      <p:grpSpPr>
+        <a:xfrm>
+          <a:off x="0" y="0"/>
+          <a:ext cx="0" cy="0"/>
+          <a:chOff x="0" y="0"/>
+          <a:chExt cx="0" cy="0"/>
+        </a:xfrm>
+      </p:grpSpPr>
+      <p:sp>
+        <p:nvSpPr>
+          <p:cNvPr id="64514" name="Shape 160">
+            <a:extLst>
+              <a:ext uri="{FF2B5EF4-FFF2-40B4-BE49-F238E27FC236}">
+                <a16:creationId xmlns:a16="http://schemas.microsoft.com/office/drawing/2014/main" id="{7C12C168-CDB8-4E46-BDE1-5FB6F9CBEF13}"/>
+              </a:ext>
+            </a:extLst>
+          </p:cNvPr>
+          <p:cNvSpPr txBox="1">
+            <a:spLocks noGrp="1"/>
+          </p:cNvSpPr>
+          <p:nvPr>
+            <p:ph type="body" idx="1"/>
+          </p:nvPr>
+        </p:nvSpPr>
+        <p:spPr bwMode="auto">
+          <a:noFill/>
+          <a:extLst>
+            <a:ext uri="{909E8E84-426E-40DD-AFC4-6F175D3DCCD1}">
+              <a14:hiddenFill xmlns:a14="http://schemas.microsoft.com/office/drawing/2010/main">
+                <a:solidFill>
+                  <a:srgbClr val="FFFFFF"/>
+                </a:solidFill>
+              </a14:hiddenFill>
+            </a:ext>
+            <a:ext uri="{91240B29-F687-4F45-9708-019B960494DF}">
+              <a14:hiddenLine xmlns:a14="http://schemas.microsoft.com/office/drawing/2010/main" w="9525">
+                <a:solidFill>
+                  <a:srgbClr val="000000"/>
+                </a:solidFill>
+                <a:miter lim="800000"/>
+                <a:headEnd/>
+                <a:tailEnd/>
+              </a14:hiddenLine>
+            </a:ext>
+          </a:extLst>
+        </p:spPr>
+        <p:txBody>
+          <a:bodyPr vert="horz" wrap="square" numCol="1" anchor="ctr" compatLnSpc="1">
+            <a:prstTxWarp prst="textNoShape">
+              <a:avLst/>
+            </a:prstTxWarp>
+          </a:bodyPr>
+          <a:lstStyle/>
+          <a:p>
+            <a:pPr eaLnBrk="1" hangingPunct="1">
+              <a:spcBef>
+                <a:spcPct val="0"/>
+              </a:spcBef>
+            </a:pPr>
+            <a:endParaRPr lang="en-US" altLang="en-US" dirty="0"/>
+          </a:p>
+        </p:txBody>
+      </p:sp>
+      <p:sp>
+        <p:nvSpPr>
+          <p:cNvPr id="64515" name="Shape 161">
+            <a:extLst>
+              <a:ext uri="{FF2B5EF4-FFF2-40B4-BE49-F238E27FC236}">
+                <a16:creationId xmlns:a16="http://schemas.microsoft.com/office/drawing/2014/main" id="{57C6A807-755E-4C76-889B-3F504CDFAAE0}"/>
+              </a:ext>
+            </a:extLst>
+          </p:cNvPr>
+          <p:cNvSpPr>
+            <a:spLocks noGrp="1" noRot="1" noChangeAspect="1" noTextEdit="1"/>
+          </p:cNvSpPr>
+          <p:nvPr>
+            <p:ph type="sldImg" idx="2"/>
+          </p:nvPr>
+        </p:nvSpPr>
+        <p:spPr>
+          <a:noFill/>
+          <a:ln>
+            <a:headEnd/>
+            <a:tailEnd/>
+          </a:ln>
+        </p:spPr>
+      </p:sp>
+    </p:spTree>
+    <p:extLst>
+      <p:ext uri="{BB962C8B-B14F-4D97-AF65-F5344CB8AC3E}">
+        <p14:creationId xmlns:p14="http://schemas.microsoft.com/office/powerpoint/2010/main" val="1125120412"/>
+      </p:ext>
+    </p:extLst>
+  </p:cSld>
+  <p:clrMapOvr>
+    <a:masterClrMapping/>
+  </p:clrMapOvr>
+</p:notes>
+</file>
+
+<file path=ppt/notesSlides/notesSlide28.xml><?xml version="1.0" encoding="utf-8"?>
+<p:notes xmlns:a="http://schemas.openxmlformats.org/drawingml/2006/main" xmlns:r="http://schemas.openxmlformats.org/officeDocument/2006/relationships" xmlns:p="http://schemas.openxmlformats.org/presentationml/2006/main" showMasterSp="0" showMasterPhAnim="0">
+  <p:cSld>
+    <p:spTree>
+      <p:nvGrpSpPr>
+        <p:cNvPr id="1" name=""/>
+        <p:cNvGrpSpPr/>
+        <p:nvPr/>
+      </p:nvGrpSpPr>
+      <p:grpSpPr>
+        <a:xfrm>
+          <a:off x="0" y="0"/>
+          <a:ext cx="0" cy="0"/>
+          <a:chOff x="0" y="0"/>
+          <a:chExt cx="0" cy="0"/>
+        </a:xfrm>
+      </p:grpSpPr>
+      <p:sp>
+        <p:nvSpPr>
+          <p:cNvPr id="64514" name="Shape 160">
+            <a:extLst>
+              <a:ext uri="{FF2B5EF4-FFF2-40B4-BE49-F238E27FC236}">
+                <a16:creationId xmlns:a16="http://schemas.microsoft.com/office/drawing/2014/main" id="{7C12C168-CDB8-4E46-BDE1-5FB6F9CBEF13}"/>
+              </a:ext>
+            </a:extLst>
+          </p:cNvPr>
+          <p:cNvSpPr txBox="1">
+            <a:spLocks noGrp="1"/>
+          </p:cNvSpPr>
+          <p:nvPr>
+            <p:ph type="body" idx="1"/>
+          </p:nvPr>
+        </p:nvSpPr>
+        <p:spPr bwMode="auto">
+          <a:noFill/>
+          <a:extLst>
+            <a:ext uri="{909E8E84-426E-40DD-AFC4-6F175D3DCCD1}">
+              <a14:hiddenFill xmlns:a14="http://schemas.microsoft.com/office/drawing/2010/main">
+                <a:solidFill>
+                  <a:srgbClr val="FFFFFF"/>
+                </a:solidFill>
+              </a14:hiddenFill>
+            </a:ext>
+            <a:ext uri="{91240B29-F687-4F45-9708-019B960494DF}">
+              <a14:hiddenLine xmlns:a14="http://schemas.microsoft.com/office/drawing/2010/main" w="9525">
+                <a:solidFill>
+                  <a:srgbClr val="000000"/>
+                </a:solidFill>
+                <a:miter lim="800000"/>
+                <a:headEnd/>
+                <a:tailEnd/>
+              </a14:hiddenLine>
+            </a:ext>
+          </a:extLst>
+        </p:spPr>
+        <p:txBody>
+          <a:bodyPr vert="horz" wrap="square" numCol="1" anchor="ctr" compatLnSpc="1">
+            <a:prstTxWarp prst="textNoShape">
+              <a:avLst/>
+            </a:prstTxWarp>
+          </a:bodyPr>
+          <a:lstStyle/>
+          <a:p>
+            <a:pPr eaLnBrk="1" hangingPunct="1">
+              <a:spcBef>
+                <a:spcPct val="0"/>
+              </a:spcBef>
+            </a:pPr>
+            <a:endParaRPr lang="en-US" altLang="en-US" dirty="0"/>
+          </a:p>
+        </p:txBody>
+      </p:sp>
+      <p:sp>
+        <p:nvSpPr>
+          <p:cNvPr id="64515" name="Shape 161">
+            <a:extLst>
+              <a:ext uri="{FF2B5EF4-FFF2-40B4-BE49-F238E27FC236}">
+                <a16:creationId xmlns:a16="http://schemas.microsoft.com/office/drawing/2014/main" id="{57C6A807-755E-4C76-889B-3F504CDFAAE0}"/>
+              </a:ext>
+            </a:extLst>
+          </p:cNvPr>
+          <p:cNvSpPr>
+            <a:spLocks noGrp="1" noRot="1" noChangeAspect="1" noTextEdit="1"/>
+          </p:cNvSpPr>
+          <p:nvPr>
+            <p:ph type="sldImg" idx="2"/>
+          </p:nvPr>
+        </p:nvSpPr>
+        <p:spPr>
+          <a:noFill/>
+          <a:ln>
+            <a:headEnd/>
+            <a:tailEnd/>
+          </a:ln>
+        </p:spPr>
+      </p:sp>
+    </p:spTree>
+    <p:extLst>
+      <p:ext uri="{BB962C8B-B14F-4D97-AF65-F5344CB8AC3E}">
+        <p14:creationId xmlns:p14="http://schemas.microsoft.com/office/powerpoint/2010/main" val="1427639581"/>
+      </p:ext>
+    </p:extLst>
+  </p:cSld>
+  <p:clrMapOvr>
+    <a:masterClrMapping/>
+  </p:clrMapOvr>
+</p:notes>
+</file>
+
+<file path=ppt/notesSlides/notesSlide29.xml><?xml version="1.0" encoding="utf-8"?>
+<p:notes xmlns:a="http://schemas.openxmlformats.org/drawingml/2006/main" xmlns:r="http://schemas.openxmlformats.org/officeDocument/2006/relationships" xmlns:p="http://schemas.openxmlformats.org/presentationml/2006/main" showMasterSp="0" showMasterPhAnim="0">
+  <p:cSld>
+    <p:spTree>
+      <p:nvGrpSpPr>
+        <p:cNvPr id="1" name=""/>
+        <p:cNvGrpSpPr/>
+        <p:nvPr/>
+      </p:nvGrpSpPr>
+      <p:grpSpPr>
+        <a:xfrm>
+          <a:off x="0" y="0"/>
+          <a:ext cx="0" cy="0"/>
+          <a:chOff x="0" y="0"/>
+          <a:chExt cx="0" cy="0"/>
+        </a:xfrm>
+      </p:grpSpPr>
+      <p:sp>
+        <p:nvSpPr>
+          <p:cNvPr id="64514" name="Shape 160">
+            <a:extLst>
+              <a:ext uri="{FF2B5EF4-FFF2-40B4-BE49-F238E27FC236}">
+                <a16:creationId xmlns:a16="http://schemas.microsoft.com/office/drawing/2014/main" id="{7C12C168-CDB8-4E46-BDE1-5FB6F9CBEF13}"/>
+              </a:ext>
+            </a:extLst>
+          </p:cNvPr>
+          <p:cNvSpPr txBox="1">
+            <a:spLocks noGrp="1"/>
+          </p:cNvSpPr>
+          <p:nvPr>
+            <p:ph type="body" idx="1"/>
+          </p:nvPr>
+        </p:nvSpPr>
+        <p:spPr bwMode="auto">
+          <a:noFill/>
+          <a:extLst>
+            <a:ext uri="{909E8E84-426E-40DD-AFC4-6F175D3DCCD1}">
+              <a14:hiddenFill xmlns:a14="http://schemas.microsoft.com/office/drawing/2010/main">
+                <a:solidFill>
+                  <a:srgbClr val="FFFFFF"/>
+                </a:solidFill>
+              </a14:hiddenFill>
+            </a:ext>
+            <a:ext uri="{91240B29-F687-4F45-9708-019B960494DF}">
+              <a14:hiddenLine xmlns:a14="http://schemas.microsoft.com/office/drawing/2010/main" w="9525">
+                <a:solidFill>
+                  <a:srgbClr val="000000"/>
+                </a:solidFill>
+                <a:miter lim="800000"/>
+                <a:headEnd/>
+                <a:tailEnd/>
+              </a14:hiddenLine>
+            </a:ext>
+          </a:extLst>
+        </p:spPr>
+        <p:txBody>
+          <a:bodyPr vert="horz" wrap="square" numCol="1" anchor="ctr" compatLnSpc="1">
+            <a:prstTxWarp prst="textNoShape">
+              <a:avLst/>
+            </a:prstTxWarp>
+          </a:bodyPr>
+          <a:lstStyle/>
+          <a:p>
+            <a:pPr eaLnBrk="1" hangingPunct="1">
+              <a:spcBef>
+                <a:spcPct val="0"/>
+              </a:spcBef>
+            </a:pPr>
+            <a:endParaRPr lang="en-US" altLang="en-US" dirty="0"/>
+          </a:p>
+        </p:txBody>
+      </p:sp>
+      <p:sp>
+        <p:nvSpPr>
+          <p:cNvPr id="64515" name="Shape 161">
+            <a:extLst>
+              <a:ext uri="{FF2B5EF4-FFF2-40B4-BE49-F238E27FC236}">
+                <a16:creationId xmlns:a16="http://schemas.microsoft.com/office/drawing/2014/main" id="{57C6A807-755E-4C76-889B-3F504CDFAAE0}"/>
+              </a:ext>
+            </a:extLst>
+          </p:cNvPr>
+          <p:cNvSpPr>
+            <a:spLocks noGrp="1" noRot="1" noChangeAspect="1" noTextEdit="1"/>
+          </p:cNvSpPr>
+          <p:nvPr>
+            <p:ph type="sldImg" idx="2"/>
+          </p:nvPr>
+        </p:nvSpPr>
+        <p:spPr>
+          <a:noFill/>
+          <a:ln>
+            <a:headEnd/>
+            <a:tailEnd/>
+          </a:ln>
+        </p:spPr>
+      </p:sp>
+    </p:spTree>
+    <p:extLst>
+      <p:ext uri="{BB962C8B-B14F-4D97-AF65-F5344CB8AC3E}">
+        <p14:creationId xmlns:p14="http://schemas.microsoft.com/office/powerpoint/2010/main" val="3185393783"/>
+      </p:ext>
+    </p:extLst>
+  </p:cSld>
+  <p:clrMapOvr>
+    <a:masterClrMapping/>
+  </p:clrMapOvr>
+</p:notes>
+</file>
+
 <file path=ppt/notesSlides/notesSlide3.xml><?xml version="1.0" encoding="utf-8"?>
 <p:notes xmlns:a="http://schemas.openxmlformats.org/drawingml/2006/main" xmlns:r="http://schemas.openxmlformats.org/officeDocument/2006/relationships" xmlns:p="http://schemas.openxmlformats.org/presentationml/2006/main" showMasterSp="0" showMasterPhAnim="0">
   <p:cSld>
@@ -2641,6 +2974,224 @@
         </p:spPr>
       </p:sp>
     </p:spTree>
+  </p:cSld>
+  <p:clrMapOvr>
+    <a:masterClrMapping/>
+  </p:clrMapOvr>
+</p:notes>
+</file>
+
+<file path=ppt/notesSlides/notesSlide30.xml><?xml version="1.0" encoding="utf-8"?>
+<p:notes xmlns:a="http://schemas.openxmlformats.org/drawingml/2006/main" xmlns:r="http://schemas.openxmlformats.org/officeDocument/2006/relationships" xmlns:p="http://schemas.openxmlformats.org/presentationml/2006/main" showMasterSp="0" showMasterPhAnim="0">
+  <p:cSld>
+    <p:spTree>
+      <p:nvGrpSpPr>
+        <p:cNvPr id="1" name=""/>
+        <p:cNvGrpSpPr/>
+        <p:nvPr/>
+      </p:nvGrpSpPr>
+      <p:grpSpPr>
+        <a:xfrm>
+          <a:off x="0" y="0"/>
+          <a:ext cx="0" cy="0"/>
+          <a:chOff x="0" y="0"/>
+          <a:chExt cx="0" cy="0"/>
+        </a:xfrm>
+      </p:grpSpPr>
+      <p:sp>
+        <p:nvSpPr>
+          <p:cNvPr id="64514" name="Shape 160">
+            <a:extLst>
+              <a:ext uri="{FF2B5EF4-FFF2-40B4-BE49-F238E27FC236}">
+                <a16:creationId xmlns:a16="http://schemas.microsoft.com/office/drawing/2014/main" id="{7C12C168-CDB8-4E46-BDE1-5FB6F9CBEF13}"/>
+              </a:ext>
+            </a:extLst>
+          </p:cNvPr>
+          <p:cNvSpPr txBox="1">
+            <a:spLocks noGrp="1"/>
+          </p:cNvSpPr>
+          <p:nvPr>
+            <p:ph type="body" idx="1"/>
+          </p:nvPr>
+        </p:nvSpPr>
+        <p:spPr bwMode="auto">
+          <a:noFill/>
+          <a:extLst>
+            <a:ext uri="{909E8E84-426E-40DD-AFC4-6F175D3DCCD1}">
+              <a14:hiddenFill xmlns:a14="http://schemas.microsoft.com/office/drawing/2010/main">
+                <a:solidFill>
+                  <a:srgbClr val="FFFFFF"/>
+                </a:solidFill>
+              </a14:hiddenFill>
+            </a:ext>
+            <a:ext uri="{91240B29-F687-4F45-9708-019B960494DF}">
+              <a14:hiddenLine xmlns:a14="http://schemas.microsoft.com/office/drawing/2010/main" w="9525">
+                <a:solidFill>
+                  <a:srgbClr val="000000"/>
+                </a:solidFill>
+                <a:miter lim="800000"/>
+                <a:headEnd/>
+                <a:tailEnd/>
+              </a14:hiddenLine>
+            </a:ext>
+          </a:extLst>
+        </p:spPr>
+        <p:txBody>
+          <a:bodyPr vert="horz" wrap="square" numCol="1" anchor="ctr" compatLnSpc="1">
+            <a:prstTxWarp prst="textNoShape">
+              <a:avLst/>
+            </a:prstTxWarp>
+          </a:bodyPr>
+          <a:lstStyle/>
+          <a:p>
+            <a:pPr eaLnBrk="1" hangingPunct="1">
+              <a:spcBef>
+                <a:spcPct val="0"/>
+              </a:spcBef>
+            </a:pPr>
+            <a:endParaRPr lang="en-US" altLang="en-US" dirty="0"/>
+          </a:p>
+        </p:txBody>
+      </p:sp>
+      <p:sp>
+        <p:nvSpPr>
+          <p:cNvPr id="64515" name="Shape 161">
+            <a:extLst>
+              <a:ext uri="{FF2B5EF4-FFF2-40B4-BE49-F238E27FC236}">
+                <a16:creationId xmlns:a16="http://schemas.microsoft.com/office/drawing/2014/main" id="{57C6A807-755E-4C76-889B-3F504CDFAAE0}"/>
+              </a:ext>
+            </a:extLst>
+          </p:cNvPr>
+          <p:cNvSpPr>
+            <a:spLocks noGrp="1" noRot="1" noChangeAspect="1" noTextEdit="1"/>
+          </p:cNvSpPr>
+          <p:nvPr>
+            <p:ph type="sldImg" idx="2"/>
+          </p:nvPr>
+        </p:nvSpPr>
+        <p:spPr>
+          <a:noFill/>
+          <a:ln>
+            <a:headEnd/>
+            <a:tailEnd/>
+          </a:ln>
+        </p:spPr>
+      </p:sp>
+    </p:spTree>
+    <p:extLst>
+      <p:ext uri="{BB962C8B-B14F-4D97-AF65-F5344CB8AC3E}">
+        <p14:creationId xmlns:p14="http://schemas.microsoft.com/office/powerpoint/2010/main" val="2963561477"/>
+      </p:ext>
+    </p:extLst>
+  </p:cSld>
+  <p:clrMapOvr>
+    <a:masterClrMapping/>
+  </p:clrMapOvr>
+</p:notes>
+</file>
+
+<file path=ppt/notesSlides/notesSlide31.xml><?xml version="1.0" encoding="utf-8"?>
+<p:notes xmlns:a="http://schemas.openxmlformats.org/drawingml/2006/main" xmlns:r="http://schemas.openxmlformats.org/officeDocument/2006/relationships" xmlns:p="http://schemas.openxmlformats.org/presentationml/2006/main" showMasterSp="0" showMasterPhAnim="0">
+  <p:cSld>
+    <p:spTree>
+      <p:nvGrpSpPr>
+        <p:cNvPr id="1" name=""/>
+        <p:cNvGrpSpPr/>
+        <p:nvPr/>
+      </p:nvGrpSpPr>
+      <p:grpSpPr>
+        <a:xfrm>
+          <a:off x="0" y="0"/>
+          <a:ext cx="0" cy="0"/>
+          <a:chOff x="0" y="0"/>
+          <a:chExt cx="0" cy="0"/>
+        </a:xfrm>
+      </p:grpSpPr>
+      <p:sp>
+        <p:nvSpPr>
+          <p:cNvPr id="64514" name="Shape 160">
+            <a:extLst>
+              <a:ext uri="{FF2B5EF4-FFF2-40B4-BE49-F238E27FC236}">
+                <a16:creationId xmlns:a16="http://schemas.microsoft.com/office/drawing/2014/main" id="{7C12C168-CDB8-4E46-BDE1-5FB6F9CBEF13}"/>
+              </a:ext>
+            </a:extLst>
+          </p:cNvPr>
+          <p:cNvSpPr txBox="1">
+            <a:spLocks noGrp="1"/>
+          </p:cNvSpPr>
+          <p:nvPr>
+            <p:ph type="body" idx="1"/>
+          </p:nvPr>
+        </p:nvSpPr>
+        <p:spPr bwMode="auto">
+          <a:noFill/>
+          <a:extLst>
+            <a:ext uri="{909E8E84-426E-40DD-AFC4-6F175D3DCCD1}">
+              <a14:hiddenFill xmlns:a14="http://schemas.microsoft.com/office/drawing/2010/main">
+                <a:solidFill>
+                  <a:srgbClr val="FFFFFF"/>
+                </a:solidFill>
+              </a14:hiddenFill>
+            </a:ext>
+            <a:ext uri="{91240B29-F687-4F45-9708-019B960494DF}">
+              <a14:hiddenLine xmlns:a14="http://schemas.microsoft.com/office/drawing/2010/main" w="9525">
+                <a:solidFill>
+                  <a:srgbClr val="000000"/>
+                </a:solidFill>
+                <a:miter lim="800000"/>
+                <a:headEnd/>
+                <a:tailEnd/>
+              </a14:hiddenLine>
+            </a:ext>
+          </a:extLst>
+        </p:spPr>
+        <p:txBody>
+          <a:bodyPr vert="horz" wrap="square" numCol="1" anchor="ctr" compatLnSpc="1">
+            <a:prstTxWarp prst="textNoShape">
+              <a:avLst/>
+            </a:prstTxWarp>
+          </a:bodyPr>
+          <a:lstStyle/>
+          <a:p>
+            <a:pPr eaLnBrk="1" hangingPunct="1">
+              <a:spcBef>
+                <a:spcPct val="0"/>
+              </a:spcBef>
+            </a:pPr>
+            <a:endParaRPr lang="en-US" altLang="en-US" dirty="0"/>
+          </a:p>
+        </p:txBody>
+      </p:sp>
+      <p:sp>
+        <p:nvSpPr>
+          <p:cNvPr id="64515" name="Shape 161">
+            <a:extLst>
+              <a:ext uri="{FF2B5EF4-FFF2-40B4-BE49-F238E27FC236}">
+                <a16:creationId xmlns:a16="http://schemas.microsoft.com/office/drawing/2014/main" id="{57C6A807-755E-4C76-889B-3F504CDFAAE0}"/>
+              </a:ext>
+            </a:extLst>
+          </p:cNvPr>
+          <p:cNvSpPr>
+            <a:spLocks noGrp="1" noRot="1" noChangeAspect="1" noTextEdit="1"/>
+          </p:cNvSpPr>
+          <p:nvPr>
+            <p:ph type="sldImg" idx="2"/>
+          </p:nvPr>
+        </p:nvSpPr>
+        <p:spPr>
+          <a:noFill/>
+          <a:ln>
+            <a:headEnd/>
+            <a:tailEnd/>
+          </a:ln>
+        </p:spPr>
+      </p:sp>
+    </p:spTree>
+    <p:extLst>
+      <p:ext uri="{BB962C8B-B14F-4D97-AF65-F5344CB8AC3E}">
+        <p14:creationId xmlns:p14="http://schemas.microsoft.com/office/powerpoint/2010/main" val="166487964"/>
+      </p:ext>
+    </p:extLst>
   </p:cSld>
   <p:clrMapOvr>
     <a:masterClrMapping/>
@@ -3521,10 +4072,6 @@
           <a:bodyPr/>
           <a:lstStyle/>
           <a:p>
-            <a:fld id="{C9450245-6F3E-4E49-A01A-33C72AF40E97}" type="datetime1">
-              <a:rPr lang="en-US" smtClean="0"/>
-              <a:t>3/14/2019</a:t>
-            </a:fld>
             <a:endParaRPr lang="en-US" dirty="0"/>
           </a:p>
         </p:txBody>
@@ -3545,9 +4092,10 @@
           <a:lstStyle/>
           <a:p>
             <a:r>
-              <a:rPr lang="en-US" dirty="0"/>
-              <a:t>(c) P Pawar - SUNY Korea, R Banerjee - SBU - CSE 216, Elsevier</a:t>
-            </a:r>
+              <a:rPr lang="en-US"/>
+              <a:t>(c) P Pawar - SUNY Korea, R Banerjee, P Fodor - SBU - CSE 216, Elsevier, Norbert zeh – dalhousi university </a:t>
+            </a:r>
+            <a:endParaRPr lang="en-US" dirty="0"/>
           </a:p>
         </p:txBody>
       </p:sp>
@@ -3732,10 +4280,6 @@
           <a:bodyPr/>
           <a:lstStyle/>
           <a:p>
-            <a:fld id="{9D941E2E-9E30-4203-ABFC-10F381BF2A12}" type="datetime1">
-              <a:rPr lang="en-US" smtClean="0"/>
-              <a:t>3/14/2019</a:t>
-            </a:fld>
             <a:endParaRPr lang="en-US"/>
           </a:p>
         </p:txBody>
@@ -3761,9 +4305,10 @@
           <a:lstStyle/>
           <a:p>
             <a:r>
-              <a:rPr lang="en-US" dirty="0"/>
-              <a:t>(c) P Pawar - SUNY Korea, R Banerjee - SBU - CSE 216, Elsevier , Elsevier</a:t>
-            </a:r>
+              <a:rPr lang="en-US"/>
+              <a:t>(c) P Pawar - SUNY Korea, R Banerjee, P Fodor - SBU - CSE 216, Elsevier, Norbert zeh – dalhousi university </a:t>
+            </a:r>
+            <a:endParaRPr lang="en-US" dirty="0"/>
           </a:p>
         </p:txBody>
       </p:sp>
@@ -3800,7 +4345,6 @@
   <p:clrMapOvr>
     <a:masterClrMapping/>
   </p:clrMapOvr>
-  <p:hf hdr="0" dt="0"/>
 </p:sldLayout>
 </file>
 
@@ -3997,10 +4541,6 @@
           <a:bodyPr/>
           <a:lstStyle/>
           <a:p>
-            <a:fld id="{9D941E2E-9E30-4203-ABFC-10F381BF2A12}" type="datetime1">
-              <a:rPr lang="en-US" smtClean="0"/>
-              <a:t>3/14/2019</a:t>
-            </a:fld>
             <a:endParaRPr lang="en-US"/>
           </a:p>
         </p:txBody>
@@ -4026,9 +4566,10 @@
           <a:lstStyle/>
           <a:p>
             <a:r>
-              <a:rPr lang="en-US" dirty="0"/>
-              <a:t>(c) P Pawar - SUNY Korea, R Banerjee - SBU - CSE 216, Elsevier , Elsevier</a:t>
-            </a:r>
+              <a:rPr lang="en-US"/>
+              <a:t>(c) P Pawar - SUNY Korea, R Banerjee, P Fodor - SBU - CSE 216, Elsevier, Norbert zeh – dalhousi university </a:t>
+            </a:r>
+            <a:endParaRPr lang="en-US" dirty="0"/>
           </a:p>
         </p:txBody>
       </p:sp>
@@ -4065,7 +4606,6 @@
   <p:clrMapOvr>
     <a:masterClrMapping/>
   </p:clrMapOvr>
-  <p:hf hdr="0" dt="0"/>
 </p:sldLayout>
 </file>
 
@@ -4591,8 +5131,8 @@
         </p:nvSpPr>
         <p:spPr bwMode="auto">
           <a:xfrm>
-            <a:off x="0" y="0"/>
-            <a:ext cx="3000375" cy="3000375"/>
+            <a:off x="77639" y="6495692"/>
+            <a:ext cx="1293154" cy="267418"/>
           </a:xfrm>
           <a:prstGeom prst="rect">
             <a:avLst/>
@@ -4636,7 +5176,7 @@
             <a:pPr>
               <a:defRPr/>
             </a:pPr>
-            <a:endParaRPr lang="en-US" altLang="en-US"/>
+            <a:endParaRPr lang="en-US" altLang="en-US" dirty="0"/>
           </a:p>
         </p:txBody>
       </p:sp>
@@ -4658,8 +5198,8 @@
         </p:nvSpPr>
         <p:spPr bwMode="auto">
           <a:xfrm>
-            <a:off x="0" y="0"/>
-            <a:ext cx="3000375" cy="3000375"/>
+            <a:off x="1587260" y="6495692"/>
+            <a:ext cx="5702061" cy="267418"/>
           </a:xfrm>
           <a:prstGeom prst="rect">
             <a:avLst/>
@@ -4692,7 +5232,7 @@
           </a:bodyPr>
           <a:lstStyle>
             <a:lvl1pPr eaLnBrk="1" hangingPunct="1">
-              <a:defRPr sz="1200">
+              <a:defRPr sz="850" cap="none" baseline="0">
                 <a:latin typeface="Times New Roman" panose="02020603050405020304" pitchFamily="18" charset="0"/>
                 <a:cs typeface="Times New Roman" panose="02020603050405020304" pitchFamily="18" charset="0"/>
                 <a:sym typeface="Times New Roman" panose="02020603050405020304" pitchFamily="18" charset="0"/>
@@ -4703,7 +5243,32 @@
             <a:pPr>
               <a:defRPr/>
             </a:pPr>
-            <a:endParaRPr lang="en-US" altLang="en-US"/>
+            <a:r>
+              <a:rPr lang="en-US" dirty="0"/>
+              <a:t>(c) P Pawar - SUNY Korea, R Banerjee, P Fodor - SBU - CSE 216, Elsevier, Norbert </a:t>
+            </a:r>
+            <a:r>
+              <a:rPr lang="en-US" dirty="0" err="1"/>
+              <a:t>zeh</a:t>
+            </a:r>
+            <a:r>
+              <a:rPr lang="en-US" dirty="0"/>
+              <a:t> – </a:t>
+            </a:r>
+            <a:r>
+              <a:rPr lang="en-US" dirty="0" err="1"/>
+              <a:t>dalhousi</a:t>
+            </a:r>
+            <a:r>
+              <a:rPr lang="en-US" dirty="0"/>
+              <a:t> university</a:t>
+            </a:r>
+          </a:p>
+          <a:p>
+            <a:pPr>
+              <a:defRPr/>
+            </a:pPr>
+            <a:endParaRPr lang="en-US" altLang="en-US" dirty="0"/>
           </a:p>
         </p:txBody>
       </p:sp>
@@ -4725,8 +5290,8 @@
         </p:nvSpPr>
         <p:spPr bwMode="auto">
           <a:xfrm>
-            <a:off x="0" y="0"/>
-            <a:ext cx="3000375" cy="3000375"/>
+            <a:off x="7556740" y="6495692"/>
+            <a:ext cx="1293154" cy="267418"/>
           </a:xfrm>
           <a:prstGeom prst="rect">
             <a:avLst/>
@@ -4778,7 +5343,7 @@
               </a:pPr>
               <a:t>‹#›</a:t>
             </a:fld>
-            <a:endParaRPr lang="en-US" altLang="en-US"/>
+            <a:endParaRPr lang="en-US" altLang="en-US" dirty="0"/>
           </a:p>
         </p:txBody>
       </p:sp>
@@ -4902,10 +5467,6 @@
           <a:bodyPr/>
           <a:lstStyle/>
           <a:p>
-            <a:fld id="{9D941E2E-9E30-4203-ABFC-10F381BF2A12}" type="datetime1">
-              <a:rPr lang="en-US" smtClean="0"/>
-              <a:t>3/14/2019</a:t>
-            </a:fld>
             <a:endParaRPr lang="en-US"/>
           </a:p>
         </p:txBody>
@@ -4931,9 +5492,10 @@
           <a:lstStyle/>
           <a:p>
             <a:r>
-              <a:rPr lang="en-US" dirty="0"/>
-              <a:t>(c) P Pawar - SUNY Korea, R Banerjee - SBU - CSE 216, Elsevier, Elsevier</a:t>
-            </a:r>
+              <a:rPr lang="en-US"/>
+              <a:t>(c) P Pawar - SUNY Korea, R Banerjee, P Fodor - SBU - CSE 216, Elsevier, Norbert zeh – dalhousi university </a:t>
+            </a:r>
+            <a:endParaRPr lang="en-US" dirty="0"/>
           </a:p>
         </p:txBody>
       </p:sp>
@@ -4970,7 +5532,6 @@
   <p:clrMapOvr>
     <a:masterClrMapping/>
   </p:clrMapOvr>
-  <p:hf hdr="0" dt="0"/>
 </p:sldLayout>
 </file>
 
@@ -5254,10 +5815,6 @@
           <a:bodyPr/>
           <a:lstStyle/>
           <a:p>
-            <a:fld id="{51173CD0-6D6C-4FEA-9A98-7F5E7DAD237A}" type="datetime1">
-              <a:rPr lang="en-US" smtClean="0"/>
-              <a:t>3/14/2019</a:t>
-            </a:fld>
             <a:endParaRPr lang="en-US"/>
           </a:p>
         </p:txBody>
@@ -5283,9 +5840,10 @@
           <a:lstStyle/>
           <a:p>
             <a:r>
-              <a:rPr lang="en-US" dirty="0"/>
-              <a:t>(c) P Pawar - SUNY Korea, R Banerjee - SBU - CSE 216, Elsevier , Elsevier</a:t>
-            </a:r>
+              <a:rPr lang="en-US"/>
+              <a:t>(c) P Pawar - SUNY Korea, R Banerjee, P Fodor - SBU - CSE 216, Elsevier, Norbert zeh – dalhousi university </a:t>
+            </a:r>
+            <a:endParaRPr lang="en-US" dirty="0"/>
           </a:p>
         </p:txBody>
       </p:sp>
@@ -5537,10 +6095,6 @@
           <a:bodyPr/>
           <a:lstStyle/>
           <a:p>
-            <a:fld id="{9D941E2E-9E30-4203-ABFC-10F381BF2A12}" type="datetime1">
-              <a:rPr lang="en-US" smtClean="0"/>
-              <a:t>3/14/2019</a:t>
-            </a:fld>
             <a:endParaRPr lang="en-US"/>
           </a:p>
         </p:txBody>
@@ -5566,9 +6120,10 @@
           <a:lstStyle/>
           <a:p>
             <a:r>
-              <a:rPr lang="en-US" dirty="0"/>
-              <a:t>(c) P Pawar - SUNY Korea, R Banerjee - SBU - CSE 216, Elsevier , Elsevier</a:t>
-            </a:r>
+              <a:rPr lang="en-US"/>
+              <a:t>(c) P Pawar - SUNY Korea, R Banerjee, P Fodor - SBU - CSE 216, Elsevier, Norbert zeh – dalhousi university </a:t>
+            </a:r>
+            <a:endParaRPr lang="en-US" dirty="0"/>
           </a:p>
         </p:txBody>
       </p:sp>
@@ -5605,7 +6160,6 @@
   <p:clrMapOvr>
     <a:masterClrMapping/>
   </p:clrMapOvr>
-  <p:hf hdr="0" dt="0"/>
 </p:sldLayout>
 </file>
 
@@ -5925,10 +6479,6 @@
           <a:bodyPr/>
           <a:lstStyle/>
           <a:p>
-            <a:fld id="{9D941E2E-9E30-4203-ABFC-10F381BF2A12}" type="datetime1">
-              <a:rPr lang="en-US" smtClean="0"/>
-              <a:t>3/14/2019</a:t>
-            </a:fld>
             <a:endParaRPr lang="en-US"/>
           </a:p>
         </p:txBody>
@@ -5954,9 +6504,10 @@
           <a:lstStyle/>
           <a:p>
             <a:r>
-              <a:rPr lang="en-US" dirty="0"/>
-              <a:t>(c) P Pawar - SUNY Korea, R Banerjee - SBU - CSE 216, Elsevier , Elsevier</a:t>
-            </a:r>
+              <a:rPr lang="en-US"/>
+              <a:t>(c) P Pawar - SUNY Korea, R Banerjee, P Fodor - SBU - CSE 216, Elsevier, Norbert zeh – dalhousi university </a:t>
+            </a:r>
+            <a:endParaRPr lang="en-US" dirty="0"/>
           </a:p>
         </p:txBody>
       </p:sp>
@@ -5993,7 +6544,6 @@
   <p:clrMapOvr>
     <a:masterClrMapping/>
   </p:clrMapOvr>
-  <p:hf hdr="0" dt="0"/>
 </p:sldLayout>
 </file>
 
@@ -6052,10 +6602,6 @@
           <a:bodyPr/>
           <a:lstStyle/>
           <a:p>
-            <a:fld id="{4C94B876-920C-40A7-A429-70EA2E711116}" type="datetime1">
-              <a:rPr lang="en-US" smtClean="0"/>
-              <a:t>3/14/2019</a:t>
-            </a:fld>
             <a:endParaRPr lang="en-US"/>
           </a:p>
         </p:txBody>
@@ -6081,9 +6627,10 @@
           <a:lstStyle/>
           <a:p>
             <a:r>
-              <a:rPr lang="en-US" dirty="0"/>
-              <a:t>(c) P Pawar - SUNY Korea, R Banerjee - SBU - CSE 216, Elsevier , Elsevier</a:t>
-            </a:r>
+              <a:rPr lang="en-US"/>
+              <a:t>(c) P Pawar - SUNY Korea, R Banerjee, P Fodor - SBU - CSE 216, Elsevier, Norbert zeh – dalhousi university </a:t>
+            </a:r>
+            <a:endParaRPr lang="en-US" dirty="0"/>
           </a:p>
         </p:txBody>
       </p:sp>
@@ -6231,10 +6778,6 @@
           <a:bodyPr/>
           <a:lstStyle/>
           <a:p>
-            <a:fld id="{687BB759-A4D2-4F8B-AEBE-C918CFB723A5}" type="datetime1">
-              <a:rPr lang="en-US" smtClean="0"/>
-              <a:t>3/14/2019</a:t>
-            </a:fld>
             <a:endParaRPr lang="en-US"/>
           </a:p>
         </p:txBody>
@@ -6268,9 +6811,10 @@
           </a:lstStyle>
           <a:p>
             <a:r>
-              <a:rPr lang="en-US" dirty="0"/>
-              <a:t>(c) P Pawar - SUNY Korea, R Banerjee - SBU - CSE 216, Elsevier , Elsevier</a:t>
-            </a:r>
+              <a:rPr lang="en-US"/>
+              <a:t>(c) P Pawar - SUNY Korea, R Banerjee, P Fodor - SBU - CSE 216, Elsevier, Norbert zeh – dalhousi university </a:t>
+            </a:r>
+            <a:endParaRPr lang="en-US" dirty="0"/>
           </a:p>
         </p:txBody>
       </p:sp>
@@ -6593,10 +7137,6 @@
             </a:lvl1pPr>
           </a:lstStyle>
           <a:p>
-            <a:fld id="{9D941E2E-9E30-4203-ABFC-10F381BF2A12}" type="datetime1">
-              <a:rPr lang="en-US" smtClean="0"/>
-              <a:t>3/14/2019</a:t>
-            </a:fld>
             <a:endParaRPr lang="en-US"/>
           </a:p>
         </p:txBody>
@@ -6630,9 +7170,10 @@
           </a:lstStyle>
           <a:p>
             <a:r>
-              <a:rPr lang="en-US" dirty="0"/>
-              <a:t>(c) P Pawar - SUNY Korea, R Banerjee - SBU - CSE 216, Elsevier , Elsevier</a:t>
-            </a:r>
+              <a:rPr lang="en-US"/>
+              <a:t>(c) P Pawar - SUNY Korea, R Banerjee, P Fodor - SBU - CSE 216, Elsevier, Norbert zeh – dalhousi university </a:t>
+            </a:r>
+            <a:endParaRPr lang="en-US" dirty="0"/>
           </a:p>
         </p:txBody>
       </p:sp>
@@ -6677,7 +7218,6 @@
   <p:clrMapOvr>
     <a:masterClrMapping/>
   </p:clrMapOvr>
-  <p:hf hdr="0" dt="0"/>
 </p:sldLayout>
 </file>
 
@@ -6979,10 +7519,6 @@
           <a:bodyPr/>
           <a:lstStyle/>
           <a:p>
-            <a:fld id="{B7BE5A15-D7AD-40D4-96ED-A55891BF6EC5}" type="datetime1">
-              <a:rPr lang="en-US" smtClean="0"/>
-              <a:t>3/14/2019</a:t>
-            </a:fld>
             <a:endParaRPr lang="en-US"/>
           </a:p>
         </p:txBody>
@@ -7008,9 +7544,10 @@
           <a:lstStyle/>
           <a:p>
             <a:r>
-              <a:rPr lang="en-US" dirty="0"/>
-              <a:t>(c) P Pawar - SUNY Korea, R Banerjee - SBU - CSE 216, Elsevier , Elsevier</a:t>
-            </a:r>
+              <a:rPr lang="en-US"/>
+              <a:t>(c) P Pawar - SUNY Korea, R Banerjee, P Fodor - SBU - CSE 216, Elsevier, Norbert zeh – dalhousi university </a:t>
+            </a:r>
+            <a:endParaRPr lang="en-US" dirty="0"/>
           </a:p>
         </p:txBody>
       </p:sp>
@@ -7274,10 +7811,6 @@
             </a:lvl1pPr>
           </a:lstStyle>
           <a:p>
-            <a:fld id="{9D941E2E-9E30-4203-ABFC-10F381BF2A12}" type="datetime1">
-              <a:rPr lang="en-US" smtClean="0"/>
-              <a:t>3/14/2019</a:t>
-            </a:fld>
             <a:endParaRPr lang="en-US"/>
           </a:p>
         </p:txBody>
@@ -7314,9 +7847,10 @@
           </a:lstStyle>
           <a:p>
             <a:r>
-              <a:rPr lang="en-US" dirty="0"/>
-              <a:t>(c) P Pawar - SUNY Korea, R Banerjee - SBU - CSE 216, Elsevier</a:t>
-            </a:r>
+              <a:rPr lang="en-US"/>
+              <a:t>(c) P Pawar - SUNY Korea, R Banerjee, P Fodor - SBU - CSE 216, Elsevier, Norbert zeh – dalhousi university </a:t>
+            </a:r>
+            <a:endParaRPr lang="en-US" dirty="0"/>
           </a:p>
         </p:txBody>
       </p:sp>
@@ -7419,7 +7953,7 @@
     <p:sldLayoutId id="2147483913" r:id="rId11"/>
     <p:sldLayoutId id="2147483914" r:id="rId12"/>
   </p:sldLayoutIdLst>
-  <p:hf hdr="0" dt="0"/>
+  <p:hf hdr="0"/>
   <p:txStyles>
     <p:titleStyle>
       <a:lvl1pPr algn="l" defTabSz="914400" rtl="0" eaLnBrk="1" latinLnBrk="0" hangingPunct="1">
@@ -7946,33 +8480,64 @@
           <a:lstStyle/>
           <a:p>
             <a:r>
-              <a:rPr lang="en-US" dirty="0"/>
-              <a:t>(c) P Pawar - SUNY Korea, R Banerjee, p </a:t>
-            </a:r>
-            <a:r>
-              <a:rPr lang="en-US" dirty="0" err="1"/>
-              <a:t>fodor</a:t>
-            </a:r>
-            <a:r>
-              <a:rPr lang="en-US" dirty="0"/>
-              <a:t> - SBU - CSE 216, Elsevier, Norbert </a:t>
-            </a:r>
-            <a:r>
-              <a:rPr lang="en-US" dirty="0" err="1"/>
-              <a:t>zeh</a:t>
-            </a:r>
-            <a:r>
-              <a:rPr lang="en-US" dirty="0"/>
-              <a:t> – </a:t>
-            </a:r>
-            <a:r>
-              <a:rPr lang="en-US" dirty="0" err="1"/>
-              <a:t>dalhousi</a:t>
-            </a:r>
-            <a:r>
-              <a:rPr lang="en-US" dirty="0"/>
-              <a:t> university</a:t>
-            </a:r>
+              <a:rPr lang="en-US"/>
+              <a:t>(c) P Pawar - SUNY Korea, R Banerjee, P Fodor - SBU - CSE 216, Elsevier, Norbert zeh – dalhousi university </a:t>
+            </a:r>
+            <a:endParaRPr lang="en-US" dirty="0"/>
+          </a:p>
+        </p:txBody>
+      </p:sp>
+      <p:sp>
+        <p:nvSpPr>
+          <p:cNvPr id="4" name="Date Placeholder 3">
+            <a:extLst>
+              <a:ext uri="{FF2B5EF4-FFF2-40B4-BE49-F238E27FC236}">
+                <a16:creationId xmlns:a16="http://schemas.microsoft.com/office/drawing/2014/main" id="{3AAF1C99-F89F-42FB-9967-062DFAE7FE41}"/>
+              </a:ext>
+            </a:extLst>
+          </p:cNvPr>
+          <p:cNvSpPr>
+            <a:spLocks noGrp="1"/>
+          </p:cNvSpPr>
+          <p:nvPr>
+            <p:ph type="dt" sz="half" idx="10"/>
+          </p:nvPr>
+        </p:nvSpPr>
+        <p:spPr/>
+        <p:txBody>
+          <a:bodyPr/>
+          <a:lstStyle/>
+          <a:p>
+            <a:endParaRPr lang="en-US" dirty="0"/>
+          </a:p>
+        </p:txBody>
+      </p:sp>
+      <p:sp>
+        <p:nvSpPr>
+          <p:cNvPr id="6" name="Slide Number Placeholder 5">
+            <a:extLst>
+              <a:ext uri="{FF2B5EF4-FFF2-40B4-BE49-F238E27FC236}">
+                <a16:creationId xmlns:a16="http://schemas.microsoft.com/office/drawing/2014/main" id="{CB0020D0-C3B8-4E6A-83A5-CC4C3966179A}"/>
+              </a:ext>
+            </a:extLst>
+          </p:cNvPr>
+          <p:cNvSpPr>
+            <a:spLocks noGrp="1"/>
+          </p:cNvSpPr>
+          <p:nvPr>
+            <p:ph type="sldNum" sz="quarter" idx="12"/>
+          </p:nvPr>
+        </p:nvSpPr>
+        <p:spPr/>
+        <p:txBody>
+          <a:bodyPr/>
+          <a:lstStyle/>
+          <a:p>
+            <a:fld id="{E29BF8A0-881F-9B42-8DF7-7F4C738CBC54}" type="slidenum">
+              <a:rPr lang="en-US" smtClean="0"/>
+              <a:t>1</a:t>
+            </a:fld>
+            <a:endParaRPr lang="en-US" dirty="0"/>
           </a:p>
         </p:txBody>
       </p:sp>
@@ -8809,6 +9374,106 @@
               <a:cs typeface="Times New Roman" panose="02020603050405020304" pitchFamily="18" charset="0"/>
               <a:sym typeface="Times New Roman" panose="02020603050405020304" pitchFamily="18" charset="0"/>
             </a:endParaRPr>
+          </a:p>
+        </p:txBody>
+      </p:sp>
+      <p:sp>
+        <p:nvSpPr>
+          <p:cNvPr id="2" name="Date Placeholder 1">
+            <a:extLst>
+              <a:ext uri="{FF2B5EF4-FFF2-40B4-BE49-F238E27FC236}">
+                <a16:creationId xmlns:a16="http://schemas.microsoft.com/office/drawing/2014/main" id="{C70432B5-B76B-4C52-8B30-1FFADBD8CB71}"/>
+              </a:ext>
+            </a:extLst>
+          </p:cNvPr>
+          <p:cNvSpPr>
+            <a:spLocks noGrp="1"/>
+          </p:cNvSpPr>
+          <p:nvPr>
+            <p:ph type="dt" idx="10"/>
+          </p:nvPr>
+        </p:nvSpPr>
+        <p:spPr/>
+        <p:txBody>
+          <a:bodyPr/>
+          <a:lstStyle/>
+          <a:p>
+            <a:pPr>
+              <a:defRPr/>
+            </a:pPr>
+            <a:endParaRPr lang="en-US" altLang="en-US" dirty="0"/>
+          </a:p>
+        </p:txBody>
+      </p:sp>
+      <p:sp>
+        <p:nvSpPr>
+          <p:cNvPr id="3" name="Footer Placeholder 2">
+            <a:extLst>
+              <a:ext uri="{FF2B5EF4-FFF2-40B4-BE49-F238E27FC236}">
+                <a16:creationId xmlns:a16="http://schemas.microsoft.com/office/drawing/2014/main" id="{8F376CA4-1B82-4111-9D33-29319F6F0275}"/>
+              </a:ext>
+            </a:extLst>
+          </p:cNvPr>
+          <p:cNvSpPr>
+            <a:spLocks noGrp="1"/>
+          </p:cNvSpPr>
+          <p:nvPr>
+            <p:ph type="ftr" idx="11"/>
+          </p:nvPr>
+        </p:nvSpPr>
+        <p:spPr/>
+        <p:txBody>
+          <a:bodyPr/>
+          <a:lstStyle/>
+          <a:p>
+            <a:pPr>
+              <a:defRPr/>
+            </a:pPr>
+            <a:r>
+              <a:rPr lang="en-US"/>
+              <a:t>(c) P Pawar - SUNY Korea, R Banerjee, P Fodor - SBU - CSE 216, Elsevier, Norbert zeh – dalhousi university</a:t>
+            </a:r>
+          </a:p>
+          <a:p>
+            <a:pPr>
+              <a:defRPr/>
+            </a:pPr>
+            <a:endParaRPr lang="en-US" altLang="en-US" dirty="0"/>
+          </a:p>
+        </p:txBody>
+      </p:sp>
+      <p:sp>
+        <p:nvSpPr>
+          <p:cNvPr id="4" name="Slide Number Placeholder 3">
+            <a:extLst>
+              <a:ext uri="{FF2B5EF4-FFF2-40B4-BE49-F238E27FC236}">
+                <a16:creationId xmlns:a16="http://schemas.microsoft.com/office/drawing/2014/main" id="{BCE79D67-C1E3-4A91-805D-160F0A2F2416}"/>
+              </a:ext>
+            </a:extLst>
+          </p:cNvPr>
+          <p:cNvSpPr>
+            <a:spLocks noGrp="1"/>
+          </p:cNvSpPr>
+          <p:nvPr>
+            <p:ph type="sldNum" idx="12"/>
+          </p:nvPr>
+        </p:nvSpPr>
+        <p:spPr/>
+        <p:txBody>
+          <a:bodyPr/>
+          <a:lstStyle/>
+          <a:p>
+            <a:pPr>
+              <a:defRPr/>
+            </a:pPr>
+            <a:fld id="{5ADDA12D-926A-4457-9E04-5FDF150FC22F}" type="slidenum">
+              <a:rPr lang="en-US" altLang="en-US" smtClean="0"/>
+              <a:pPr>
+                <a:defRPr/>
+              </a:pPr>
+              <a:t>10</a:t>
+            </a:fld>
+            <a:endParaRPr lang="en-US" altLang="en-US" dirty="0"/>
           </a:p>
         </p:txBody>
       </p:sp>
@@ -9640,6 +10305,106 @@
           </a:p>
         </p:txBody>
       </p:sp>
+      <p:sp>
+        <p:nvSpPr>
+          <p:cNvPr id="2" name="Date Placeholder 1">
+            <a:extLst>
+              <a:ext uri="{FF2B5EF4-FFF2-40B4-BE49-F238E27FC236}">
+                <a16:creationId xmlns:a16="http://schemas.microsoft.com/office/drawing/2014/main" id="{5542CE13-B9A0-44A2-912F-41B139F58857}"/>
+              </a:ext>
+            </a:extLst>
+          </p:cNvPr>
+          <p:cNvSpPr>
+            <a:spLocks noGrp="1"/>
+          </p:cNvSpPr>
+          <p:nvPr>
+            <p:ph type="dt" idx="10"/>
+          </p:nvPr>
+        </p:nvSpPr>
+        <p:spPr/>
+        <p:txBody>
+          <a:bodyPr/>
+          <a:lstStyle/>
+          <a:p>
+            <a:pPr>
+              <a:defRPr/>
+            </a:pPr>
+            <a:endParaRPr lang="en-US" altLang="en-US" dirty="0"/>
+          </a:p>
+        </p:txBody>
+      </p:sp>
+      <p:sp>
+        <p:nvSpPr>
+          <p:cNvPr id="3" name="Footer Placeholder 2">
+            <a:extLst>
+              <a:ext uri="{FF2B5EF4-FFF2-40B4-BE49-F238E27FC236}">
+                <a16:creationId xmlns:a16="http://schemas.microsoft.com/office/drawing/2014/main" id="{1E1D720B-5A74-4336-9E2A-AEAFD63FAABC}"/>
+              </a:ext>
+            </a:extLst>
+          </p:cNvPr>
+          <p:cNvSpPr>
+            <a:spLocks noGrp="1"/>
+          </p:cNvSpPr>
+          <p:nvPr>
+            <p:ph type="ftr" idx="11"/>
+          </p:nvPr>
+        </p:nvSpPr>
+        <p:spPr/>
+        <p:txBody>
+          <a:bodyPr/>
+          <a:lstStyle/>
+          <a:p>
+            <a:pPr>
+              <a:defRPr/>
+            </a:pPr>
+            <a:r>
+              <a:rPr lang="en-US"/>
+              <a:t>(c) P Pawar - SUNY Korea, R Banerjee, P Fodor - SBU - CSE 216, Elsevier, Norbert zeh – dalhousi university</a:t>
+            </a:r>
+          </a:p>
+          <a:p>
+            <a:pPr>
+              <a:defRPr/>
+            </a:pPr>
+            <a:endParaRPr lang="en-US" altLang="en-US" dirty="0"/>
+          </a:p>
+        </p:txBody>
+      </p:sp>
+      <p:sp>
+        <p:nvSpPr>
+          <p:cNvPr id="4" name="Slide Number Placeholder 3">
+            <a:extLst>
+              <a:ext uri="{FF2B5EF4-FFF2-40B4-BE49-F238E27FC236}">
+                <a16:creationId xmlns:a16="http://schemas.microsoft.com/office/drawing/2014/main" id="{12F2AAC1-733B-4FE4-872A-4585478D6AC5}"/>
+              </a:ext>
+            </a:extLst>
+          </p:cNvPr>
+          <p:cNvSpPr>
+            <a:spLocks noGrp="1"/>
+          </p:cNvSpPr>
+          <p:nvPr>
+            <p:ph type="sldNum" idx="12"/>
+          </p:nvPr>
+        </p:nvSpPr>
+        <p:spPr/>
+        <p:txBody>
+          <a:bodyPr/>
+          <a:lstStyle/>
+          <a:p>
+            <a:pPr>
+              <a:defRPr/>
+            </a:pPr>
+            <a:fld id="{5ADDA12D-926A-4457-9E04-5FDF150FC22F}" type="slidenum">
+              <a:rPr lang="en-US" altLang="en-US" smtClean="0"/>
+              <a:pPr>
+                <a:defRPr/>
+              </a:pPr>
+              <a:t>11</a:t>
+            </a:fld>
+            <a:endParaRPr lang="en-US" altLang="en-US" dirty="0"/>
+          </a:p>
+        </p:txBody>
+      </p:sp>
     </p:spTree>
     <p:extLst>
       <p:ext uri="{BB962C8B-B14F-4D97-AF65-F5344CB8AC3E}">
@@ -10135,6 +10900,106 @@
           </a:p>
         </p:txBody>
       </p:sp>
+      <p:sp>
+        <p:nvSpPr>
+          <p:cNvPr id="2" name="Date Placeholder 1">
+            <a:extLst>
+              <a:ext uri="{FF2B5EF4-FFF2-40B4-BE49-F238E27FC236}">
+                <a16:creationId xmlns:a16="http://schemas.microsoft.com/office/drawing/2014/main" id="{6FA3D68A-827C-4B10-83F2-3C587519F580}"/>
+              </a:ext>
+            </a:extLst>
+          </p:cNvPr>
+          <p:cNvSpPr>
+            <a:spLocks noGrp="1"/>
+          </p:cNvSpPr>
+          <p:nvPr>
+            <p:ph type="dt" idx="10"/>
+          </p:nvPr>
+        </p:nvSpPr>
+        <p:spPr/>
+        <p:txBody>
+          <a:bodyPr/>
+          <a:lstStyle/>
+          <a:p>
+            <a:pPr>
+              <a:defRPr/>
+            </a:pPr>
+            <a:endParaRPr lang="en-US" altLang="en-US" dirty="0"/>
+          </a:p>
+        </p:txBody>
+      </p:sp>
+      <p:sp>
+        <p:nvSpPr>
+          <p:cNvPr id="3" name="Footer Placeholder 2">
+            <a:extLst>
+              <a:ext uri="{FF2B5EF4-FFF2-40B4-BE49-F238E27FC236}">
+                <a16:creationId xmlns:a16="http://schemas.microsoft.com/office/drawing/2014/main" id="{929D54B3-30DC-4988-8BF8-671700A85C8E}"/>
+              </a:ext>
+            </a:extLst>
+          </p:cNvPr>
+          <p:cNvSpPr>
+            <a:spLocks noGrp="1"/>
+          </p:cNvSpPr>
+          <p:nvPr>
+            <p:ph type="ftr" idx="11"/>
+          </p:nvPr>
+        </p:nvSpPr>
+        <p:spPr/>
+        <p:txBody>
+          <a:bodyPr/>
+          <a:lstStyle/>
+          <a:p>
+            <a:pPr>
+              <a:defRPr/>
+            </a:pPr>
+            <a:r>
+              <a:rPr lang="en-US"/>
+              <a:t>(c) P Pawar - SUNY Korea, R Banerjee, P Fodor - SBU - CSE 216, Elsevier, Norbert zeh – dalhousi university</a:t>
+            </a:r>
+          </a:p>
+          <a:p>
+            <a:pPr>
+              <a:defRPr/>
+            </a:pPr>
+            <a:endParaRPr lang="en-US" altLang="en-US" dirty="0"/>
+          </a:p>
+        </p:txBody>
+      </p:sp>
+      <p:sp>
+        <p:nvSpPr>
+          <p:cNvPr id="4" name="Slide Number Placeholder 3">
+            <a:extLst>
+              <a:ext uri="{FF2B5EF4-FFF2-40B4-BE49-F238E27FC236}">
+                <a16:creationId xmlns:a16="http://schemas.microsoft.com/office/drawing/2014/main" id="{1AAA33F9-0EFE-40E5-9A51-8ADBD0F58A0F}"/>
+              </a:ext>
+            </a:extLst>
+          </p:cNvPr>
+          <p:cNvSpPr>
+            <a:spLocks noGrp="1"/>
+          </p:cNvSpPr>
+          <p:nvPr>
+            <p:ph type="sldNum" idx="12"/>
+          </p:nvPr>
+        </p:nvSpPr>
+        <p:spPr/>
+        <p:txBody>
+          <a:bodyPr/>
+          <a:lstStyle/>
+          <a:p>
+            <a:pPr>
+              <a:defRPr/>
+            </a:pPr>
+            <a:fld id="{5ADDA12D-926A-4457-9E04-5FDF150FC22F}" type="slidenum">
+              <a:rPr lang="en-US" altLang="en-US" smtClean="0"/>
+              <a:pPr>
+                <a:defRPr/>
+              </a:pPr>
+              <a:t>12</a:t>
+            </a:fld>
+            <a:endParaRPr lang="en-US" altLang="en-US" dirty="0"/>
+          </a:p>
+        </p:txBody>
+      </p:sp>
     </p:spTree>
     <p:extLst>
       <p:ext uri="{BB962C8B-B14F-4D97-AF65-F5344CB8AC3E}">
@@ -11079,6 +11944,106 @@
           </a:p>
         </p:txBody>
       </p:sp>
+      <p:sp>
+        <p:nvSpPr>
+          <p:cNvPr id="2" name="Date Placeholder 1">
+            <a:extLst>
+              <a:ext uri="{FF2B5EF4-FFF2-40B4-BE49-F238E27FC236}">
+                <a16:creationId xmlns:a16="http://schemas.microsoft.com/office/drawing/2014/main" id="{7837302A-D203-407C-AB87-23B46A94D5CD}"/>
+              </a:ext>
+            </a:extLst>
+          </p:cNvPr>
+          <p:cNvSpPr>
+            <a:spLocks noGrp="1"/>
+          </p:cNvSpPr>
+          <p:nvPr>
+            <p:ph type="dt" idx="10"/>
+          </p:nvPr>
+        </p:nvSpPr>
+        <p:spPr/>
+        <p:txBody>
+          <a:bodyPr/>
+          <a:lstStyle/>
+          <a:p>
+            <a:pPr>
+              <a:defRPr/>
+            </a:pPr>
+            <a:endParaRPr lang="en-US" altLang="en-US" dirty="0"/>
+          </a:p>
+        </p:txBody>
+      </p:sp>
+      <p:sp>
+        <p:nvSpPr>
+          <p:cNvPr id="3" name="Footer Placeholder 2">
+            <a:extLst>
+              <a:ext uri="{FF2B5EF4-FFF2-40B4-BE49-F238E27FC236}">
+                <a16:creationId xmlns:a16="http://schemas.microsoft.com/office/drawing/2014/main" id="{D53B88CD-83E6-4969-B18E-31644D5A6BA7}"/>
+              </a:ext>
+            </a:extLst>
+          </p:cNvPr>
+          <p:cNvSpPr>
+            <a:spLocks noGrp="1"/>
+          </p:cNvSpPr>
+          <p:nvPr>
+            <p:ph type="ftr" idx="11"/>
+          </p:nvPr>
+        </p:nvSpPr>
+        <p:spPr/>
+        <p:txBody>
+          <a:bodyPr/>
+          <a:lstStyle/>
+          <a:p>
+            <a:pPr>
+              <a:defRPr/>
+            </a:pPr>
+            <a:r>
+              <a:rPr lang="en-US"/>
+              <a:t>(c) P Pawar - SUNY Korea, R Banerjee, P Fodor - SBU - CSE 216, Elsevier, Norbert zeh – dalhousi university</a:t>
+            </a:r>
+          </a:p>
+          <a:p>
+            <a:pPr>
+              <a:defRPr/>
+            </a:pPr>
+            <a:endParaRPr lang="en-US" altLang="en-US" dirty="0"/>
+          </a:p>
+        </p:txBody>
+      </p:sp>
+      <p:sp>
+        <p:nvSpPr>
+          <p:cNvPr id="4" name="Slide Number Placeholder 3">
+            <a:extLst>
+              <a:ext uri="{FF2B5EF4-FFF2-40B4-BE49-F238E27FC236}">
+                <a16:creationId xmlns:a16="http://schemas.microsoft.com/office/drawing/2014/main" id="{BD47F8F4-ECAA-4308-A896-E17AAE225F7A}"/>
+              </a:ext>
+            </a:extLst>
+          </p:cNvPr>
+          <p:cNvSpPr>
+            <a:spLocks noGrp="1"/>
+          </p:cNvSpPr>
+          <p:nvPr>
+            <p:ph type="sldNum" idx="12"/>
+          </p:nvPr>
+        </p:nvSpPr>
+        <p:spPr/>
+        <p:txBody>
+          <a:bodyPr/>
+          <a:lstStyle/>
+          <a:p>
+            <a:pPr>
+              <a:defRPr/>
+            </a:pPr>
+            <a:fld id="{5ADDA12D-926A-4457-9E04-5FDF150FC22F}" type="slidenum">
+              <a:rPr lang="en-US" altLang="en-US" smtClean="0"/>
+              <a:pPr>
+                <a:defRPr/>
+              </a:pPr>
+              <a:t>13</a:t>
+            </a:fld>
+            <a:endParaRPr lang="en-US" altLang="en-US" dirty="0"/>
+          </a:p>
+        </p:txBody>
+      </p:sp>
     </p:spTree>
   </p:cSld>
   <p:clrMapOvr>
@@ -11220,6 +12185,106 @@
               <a:rPr lang="en-US" dirty="0"/>
               <a:t>– Typed languages force us to be more disciplined programmers. This is especially helpful in the context of large-scale software development.</a:t>
             </a:r>
+          </a:p>
+        </p:txBody>
+      </p:sp>
+      <p:sp>
+        <p:nvSpPr>
+          <p:cNvPr id="4" name="Date Placeholder 3">
+            <a:extLst>
+              <a:ext uri="{FF2B5EF4-FFF2-40B4-BE49-F238E27FC236}">
+                <a16:creationId xmlns:a16="http://schemas.microsoft.com/office/drawing/2014/main" id="{1CA1F03D-B79B-4232-88B3-BBCD19C2402D}"/>
+              </a:ext>
+            </a:extLst>
+          </p:cNvPr>
+          <p:cNvSpPr>
+            <a:spLocks noGrp="1"/>
+          </p:cNvSpPr>
+          <p:nvPr>
+            <p:ph type="dt" idx="10"/>
+          </p:nvPr>
+        </p:nvSpPr>
+        <p:spPr/>
+        <p:txBody>
+          <a:bodyPr/>
+          <a:lstStyle/>
+          <a:p>
+            <a:pPr>
+              <a:defRPr/>
+            </a:pPr>
+            <a:endParaRPr lang="en-US" altLang="en-US" dirty="0"/>
+          </a:p>
+        </p:txBody>
+      </p:sp>
+      <p:sp>
+        <p:nvSpPr>
+          <p:cNvPr id="5" name="Footer Placeholder 4">
+            <a:extLst>
+              <a:ext uri="{FF2B5EF4-FFF2-40B4-BE49-F238E27FC236}">
+                <a16:creationId xmlns:a16="http://schemas.microsoft.com/office/drawing/2014/main" id="{4B0E0468-AF34-48FF-BAE1-B7B907D91525}"/>
+              </a:ext>
+            </a:extLst>
+          </p:cNvPr>
+          <p:cNvSpPr>
+            <a:spLocks noGrp="1"/>
+          </p:cNvSpPr>
+          <p:nvPr>
+            <p:ph type="ftr" idx="11"/>
+          </p:nvPr>
+        </p:nvSpPr>
+        <p:spPr/>
+        <p:txBody>
+          <a:bodyPr/>
+          <a:lstStyle/>
+          <a:p>
+            <a:pPr>
+              <a:defRPr/>
+            </a:pPr>
+            <a:r>
+              <a:rPr lang="en-US"/>
+              <a:t>(c) P Pawar - SUNY Korea, R Banerjee, P Fodor - SBU - CSE 216, Elsevier, Norbert zeh – dalhousi university</a:t>
+            </a:r>
+          </a:p>
+          <a:p>
+            <a:pPr>
+              <a:defRPr/>
+            </a:pPr>
+            <a:endParaRPr lang="en-US" altLang="en-US" dirty="0"/>
+          </a:p>
+        </p:txBody>
+      </p:sp>
+      <p:sp>
+        <p:nvSpPr>
+          <p:cNvPr id="6" name="Slide Number Placeholder 5">
+            <a:extLst>
+              <a:ext uri="{FF2B5EF4-FFF2-40B4-BE49-F238E27FC236}">
+                <a16:creationId xmlns:a16="http://schemas.microsoft.com/office/drawing/2014/main" id="{0A004E27-3943-4505-A95A-7B796D5D2788}"/>
+              </a:ext>
+            </a:extLst>
+          </p:cNvPr>
+          <p:cNvSpPr>
+            <a:spLocks noGrp="1"/>
+          </p:cNvSpPr>
+          <p:nvPr>
+            <p:ph type="sldNum" idx="12"/>
+          </p:nvPr>
+        </p:nvSpPr>
+        <p:spPr/>
+        <p:txBody>
+          <a:bodyPr/>
+          <a:lstStyle/>
+          <a:p>
+            <a:pPr>
+              <a:defRPr/>
+            </a:pPr>
+            <a:fld id="{5ADDA12D-926A-4457-9E04-5FDF150FC22F}" type="slidenum">
+              <a:rPr lang="en-US" altLang="en-US" smtClean="0"/>
+              <a:pPr>
+                <a:defRPr/>
+              </a:pPr>
+              <a:t>14</a:t>
+            </a:fld>
+            <a:endParaRPr lang="en-US" altLang="en-US" dirty="0"/>
           </a:p>
         </p:txBody>
       </p:sp>
@@ -12114,6 +13179,106 @@
           </a:p>
         </p:txBody>
       </p:sp>
+      <p:sp>
+        <p:nvSpPr>
+          <p:cNvPr id="2" name="Date Placeholder 1">
+            <a:extLst>
+              <a:ext uri="{FF2B5EF4-FFF2-40B4-BE49-F238E27FC236}">
+                <a16:creationId xmlns:a16="http://schemas.microsoft.com/office/drawing/2014/main" id="{13F84652-331F-4037-8E55-38783B8ABFAB}"/>
+              </a:ext>
+            </a:extLst>
+          </p:cNvPr>
+          <p:cNvSpPr>
+            <a:spLocks noGrp="1"/>
+          </p:cNvSpPr>
+          <p:nvPr>
+            <p:ph type="dt" idx="10"/>
+          </p:nvPr>
+        </p:nvSpPr>
+        <p:spPr/>
+        <p:txBody>
+          <a:bodyPr/>
+          <a:lstStyle/>
+          <a:p>
+            <a:pPr>
+              <a:defRPr/>
+            </a:pPr>
+            <a:endParaRPr lang="en-US" altLang="en-US" dirty="0"/>
+          </a:p>
+        </p:txBody>
+      </p:sp>
+      <p:sp>
+        <p:nvSpPr>
+          <p:cNvPr id="3" name="Footer Placeholder 2">
+            <a:extLst>
+              <a:ext uri="{FF2B5EF4-FFF2-40B4-BE49-F238E27FC236}">
+                <a16:creationId xmlns:a16="http://schemas.microsoft.com/office/drawing/2014/main" id="{CF917A1E-D80D-4E1F-9BCC-E83209FAA809}"/>
+              </a:ext>
+            </a:extLst>
+          </p:cNvPr>
+          <p:cNvSpPr>
+            <a:spLocks noGrp="1"/>
+          </p:cNvSpPr>
+          <p:nvPr>
+            <p:ph type="ftr" idx="11"/>
+          </p:nvPr>
+        </p:nvSpPr>
+        <p:spPr/>
+        <p:txBody>
+          <a:bodyPr/>
+          <a:lstStyle/>
+          <a:p>
+            <a:pPr>
+              <a:defRPr/>
+            </a:pPr>
+            <a:r>
+              <a:rPr lang="en-US"/>
+              <a:t>(c) P Pawar - SUNY Korea, R Banerjee, P Fodor - SBU - CSE 216, Elsevier, Norbert zeh – dalhousi university</a:t>
+            </a:r>
+          </a:p>
+          <a:p>
+            <a:pPr>
+              <a:defRPr/>
+            </a:pPr>
+            <a:endParaRPr lang="en-US" altLang="en-US" dirty="0"/>
+          </a:p>
+        </p:txBody>
+      </p:sp>
+      <p:sp>
+        <p:nvSpPr>
+          <p:cNvPr id="4" name="Slide Number Placeholder 3">
+            <a:extLst>
+              <a:ext uri="{FF2B5EF4-FFF2-40B4-BE49-F238E27FC236}">
+                <a16:creationId xmlns:a16="http://schemas.microsoft.com/office/drawing/2014/main" id="{C03532AF-AEE2-4C7D-9E4A-9AD1811CE24C}"/>
+              </a:ext>
+            </a:extLst>
+          </p:cNvPr>
+          <p:cNvSpPr>
+            <a:spLocks noGrp="1"/>
+          </p:cNvSpPr>
+          <p:nvPr>
+            <p:ph type="sldNum" idx="12"/>
+          </p:nvPr>
+        </p:nvSpPr>
+        <p:spPr/>
+        <p:txBody>
+          <a:bodyPr/>
+          <a:lstStyle/>
+          <a:p>
+            <a:pPr>
+              <a:defRPr/>
+            </a:pPr>
+            <a:fld id="{5ADDA12D-926A-4457-9E04-5FDF150FC22F}" type="slidenum">
+              <a:rPr lang="en-US" altLang="en-US" smtClean="0"/>
+              <a:pPr>
+                <a:defRPr/>
+              </a:pPr>
+              <a:t>15</a:t>
+            </a:fld>
+            <a:endParaRPr lang="en-US" altLang="en-US" dirty="0"/>
+          </a:p>
+        </p:txBody>
+      </p:sp>
     </p:spTree>
   </p:cSld>
   <p:clrMapOvr>
@@ -12246,6 +13411,106 @@
               <a:rPr lang="en-US" sz="2400" dirty="0"/>
               <a:t>.</a:t>
             </a:r>
+          </a:p>
+        </p:txBody>
+      </p:sp>
+      <p:sp>
+        <p:nvSpPr>
+          <p:cNvPr id="4" name="Date Placeholder 3">
+            <a:extLst>
+              <a:ext uri="{FF2B5EF4-FFF2-40B4-BE49-F238E27FC236}">
+                <a16:creationId xmlns:a16="http://schemas.microsoft.com/office/drawing/2014/main" id="{141920CF-5B66-4F32-931B-F0A66B907B93}"/>
+              </a:ext>
+            </a:extLst>
+          </p:cNvPr>
+          <p:cNvSpPr>
+            <a:spLocks noGrp="1"/>
+          </p:cNvSpPr>
+          <p:nvPr>
+            <p:ph type="dt" idx="10"/>
+          </p:nvPr>
+        </p:nvSpPr>
+        <p:spPr/>
+        <p:txBody>
+          <a:bodyPr/>
+          <a:lstStyle/>
+          <a:p>
+            <a:pPr>
+              <a:defRPr/>
+            </a:pPr>
+            <a:endParaRPr lang="en-US" altLang="en-US" dirty="0"/>
+          </a:p>
+        </p:txBody>
+      </p:sp>
+      <p:sp>
+        <p:nvSpPr>
+          <p:cNvPr id="5" name="Footer Placeholder 4">
+            <a:extLst>
+              <a:ext uri="{FF2B5EF4-FFF2-40B4-BE49-F238E27FC236}">
+                <a16:creationId xmlns:a16="http://schemas.microsoft.com/office/drawing/2014/main" id="{64B3F7D1-9484-4EAE-A7A6-838BF897FA2F}"/>
+              </a:ext>
+            </a:extLst>
+          </p:cNvPr>
+          <p:cNvSpPr>
+            <a:spLocks noGrp="1"/>
+          </p:cNvSpPr>
+          <p:nvPr>
+            <p:ph type="ftr" idx="11"/>
+          </p:nvPr>
+        </p:nvSpPr>
+        <p:spPr/>
+        <p:txBody>
+          <a:bodyPr/>
+          <a:lstStyle/>
+          <a:p>
+            <a:pPr>
+              <a:defRPr/>
+            </a:pPr>
+            <a:r>
+              <a:rPr lang="en-US"/>
+              <a:t>(c) P Pawar - SUNY Korea, R Banerjee, P Fodor - SBU - CSE 216, Elsevier, Norbert zeh – dalhousi university</a:t>
+            </a:r>
+          </a:p>
+          <a:p>
+            <a:pPr>
+              <a:defRPr/>
+            </a:pPr>
+            <a:endParaRPr lang="en-US" altLang="en-US" dirty="0"/>
+          </a:p>
+        </p:txBody>
+      </p:sp>
+      <p:sp>
+        <p:nvSpPr>
+          <p:cNvPr id="6" name="Slide Number Placeholder 5">
+            <a:extLst>
+              <a:ext uri="{FF2B5EF4-FFF2-40B4-BE49-F238E27FC236}">
+                <a16:creationId xmlns:a16="http://schemas.microsoft.com/office/drawing/2014/main" id="{3042978B-9681-4D8A-B6C9-A46FBC274CFF}"/>
+              </a:ext>
+            </a:extLst>
+          </p:cNvPr>
+          <p:cNvSpPr>
+            <a:spLocks noGrp="1"/>
+          </p:cNvSpPr>
+          <p:nvPr>
+            <p:ph type="sldNum" idx="12"/>
+          </p:nvPr>
+        </p:nvSpPr>
+        <p:spPr/>
+        <p:txBody>
+          <a:bodyPr/>
+          <a:lstStyle/>
+          <a:p>
+            <a:pPr>
+              <a:defRPr/>
+            </a:pPr>
+            <a:fld id="{5ADDA12D-926A-4457-9E04-5FDF150FC22F}" type="slidenum">
+              <a:rPr lang="en-US" altLang="en-US" smtClean="0"/>
+              <a:pPr>
+                <a:defRPr/>
+              </a:pPr>
+              <a:t>16</a:t>
+            </a:fld>
+            <a:endParaRPr lang="en-US" altLang="en-US" dirty="0"/>
           </a:p>
         </p:txBody>
       </p:sp>
@@ -12369,6 +13634,106 @@
           </a:p>
         </p:txBody>
       </p:sp>
+      <p:sp>
+        <p:nvSpPr>
+          <p:cNvPr id="4" name="Date Placeholder 3">
+            <a:extLst>
+              <a:ext uri="{FF2B5EF4-FFF2-40B4-BE49-F238E27FC236}">
+                <a16:creationId xmlns:a16="http://schemas.microsoft.com/office/drawing/2014/main" id="{EAC6EE21-573F-4911-B9F2-D25DA2EC69BD}"/>
+              </a:ext>
+            </a:extLst>
+          </p:cNvPr>
+          <p:cNvSpPr>
+            <a:spLocks noGrp="1"/>
+          </p:cNvSpPr>
+          <p:nvPr>
+            <p:ph type="dt" idx="10"/>
+          </p:nvPr>
+        </p:nvSpPr>
+        <p:spPr/>
+        <p:txBody>
+          <a:bodyPr/>
+          <a:lstStyle/>
+          <a:p>
+            <a:pPr>
+              <a:defRPr/>
+            </a:pPr>
+            <a:endParaRPr lang="en-US" altLang="en-US" dirty="0"/>
+          </a:p>
+        </p:txBody>
+      </p:sp>
+      <p:sp>
+        <p:nvSpPr>
+          <p:cNvPr id="5" name="Footer Placeholder 4">
+            <a:extLst>
+              <a:ext uri="{FF2B5EF4-FFF2-40B4-BE49-F238E27FC236}">
+                <a16:creationId xmlns:a16="http://schemas.microsoft.com/office/drawing/2014/main" id="{20A48F49-577E-4960-BFBE-D16FE1A5418E}"/>
+              </a:ext>
+            </a:extLst>
+          </p:cNvPr>
+          <p:cNvSpPr>
+            <a:spLocks noGrp="1"/>
+          </p:cNvSpPr>
+          <p:nvPr>
+            <p:ph type="ftr" idx="11"/>
+          </p:nvPr>
+        </p:nvSpPr>
+        <p:spPr/>
+        <p:txBody>
+          <a:bodyPr/>
+          <a:lstStyle/>
+          <a:p>
+            <a:pPr>
+              <a:defRPr/>
+            </a:pPr>
+            <a:r>
+              <a:rPr lang="en-US"/>
+              <a:t>(c) P Pawar - SUNY Korea, R Banerjee, P Fodor - SBU - CSE 216, Elsevier, Norbert zeh – dalhousi university</a:t>
+            </a:r>
+          </a:p>
+          <a:p>
+            <a:pPr>
+              <a:defRPr/>
+            </a:pPr>
+            <a:endParaRPr lang="en-US" altLang="en-US" dirty="0"/>
+          </a:p>
+        </p:txBody>
+      </p:sp>
+      <p:sp>
+        <p:nvSpPr>
+          <p:cNvPr id="6" name="Slide Number Placeholder 5">
+            <a:extLst>
+              <a:ext uri="{FF2B5EF4-FFF2-40B4-BE49-F238E27FC236}">
+                <a16:creationId xmlns:a16="http://schemas.microsoft.com/office/drawing/2014/main" id="{B4BCA3B0-9B35-4369-9720-FF6C08228270}"/>
+              </a:ext>
+            </a:extLst>
+          </p:cNvPr>
+          <p:cNvSpPr>
+            <a:spLocks noGrp="1"/>
+          </p:cNvSpPr>
+          <p:nvPr>
+            <p:ph type="sldNum" idx="12"/>
+          </p:nvPr>
+        </p:nvSpPr>
+        <p:spPr/>
+        <p:txBody>
+          <a:bodyPr/>
+          <a:lstStyle/>
+          <a:p>
+            <a:pPr>
+              <a:defRPr/>
+            </a:pPr>
+            <a:fld id="{5ADDA12D-926A-4457-9E04-5FDF150FC22F}" type="slidenum">
+              <a:rPr lang="en-US" altLang="en-US" smtClean="0"/>
+              <a:pPr>
+                <a:defRPr/>
+              </a:pPr>
+              <a:t>17</a:t>
+            </a:fld>
+            <a:endParaRPr lang="en-US" altLang="en-US" dirty="0"/>
+          </a:p>
+        </p:txBody>
+      </p:sp>
     </p:spTree>
     <p:extLst>
       <p:ext uri="{BB962C8B-B14F-4D97-AF65-F5344CB8AC3E}">
@@ -12567,6 +13932,106 @@
           </a:prstGeom>
         </p:spPr>
       </p:pic>
+      <p:sp>
+        <p:nvSpPr>
+          <p:cNvPr id="4" name="Date Placeholder 3">
+            <a:extLst>
+              <a:ext uri="{FF2B5EF4-FFF2-40B4-BE49-F238E27FC236}">
+                <a16:creationId xmlns:a16="http://schemas.microsoft.com/office/drawing/2014/main" id="{EECC81FC-84E3-4042-A172-EACD5065FDD1}"/>
+              </a:ext>
+            </a:extLst>
+          </p:cNvPr>
+          <p:cNvSpPr>
+            <a:spLocks noGrp="1"/>
+          </p:cNvSpPr>
+          <p:nvPr>
+            <p:ph type="dt" idx="10"/>
+          </p:nvPr>
+        </p:nvSpPr>
+        <p:spPr/>
+        <p:txBody>
+          <a:bodyPr/>
+          <a:lstStyle/>
+          <a:p>
+            <a:pPr>
+              <a:defRPr/>
+            </a:pPr>
+            <a:endParaRPr lang="en-US" altLang="en-US" dirty="0"/>
+          </a:p>
+        </p:txBody>
+      </p:sp>
+      <p:sp>
+        <p:nvSpPr>
+          <p:cNvPr id="6" name="Footer Placeholder 5">
+            <a:extLst>
+              <a:ext uri="{FF2B5EF4-FFF2-40B4-BE49-F238E27FC236}">
+                <a16:creationId xmlns:a16="http://schemas.microsoft.com/office/drawing/2014/main" id="{9088E75F-D6D8-4263-9F63-AF1DC89D1AA5}"/>
+              </a:ext>
+            </a:extLst>
+          </p:cNvPr>
+          <p:cNvSpPr>
+            <a:spLocks noGrp="1"/>
+          </p:cNvSpPr>
+          <p:nvPr>
+            <p:ph type="ftr" idx="11"/>
+          </p:nvPr>
+        </p:nvSpPr>
+        <p:spPr/>
+        <p:txBody>
+          <a:bodyPr/>
+          <a:lstStyle/>
+          <a:p>
+            <a:pPr>
+              <a:defRPr/>
+            </a:pPr>
+            <a:r>
+              <a:rPr lang="en-US"/>
+              <a:t>(c) P Pawar - SUNY Korea, R Banerjee, P Fodor - SBU - CSE 216, Elsevier, Norbert zeh – dalhousi university</a:t>
+            </a:r>
+          </a:p>
+          <a:p>
+            <a:pPr>
+              <a:defRPr/>
+            </a:pPr>
+            <a:endParaRPr lang="en-US" altLang="en-US" dirty="0"/>
+          </a:p>
+        </p:txBody>
+      </p:sp>
+      <p:sp>
+        <p:nvSpPr>
+          <p:cNvPr id="7" name="Slide Number Placeholder 6">
+            <a:extLst>
+              <a:ext uri="{FF2B5EF4-FFF2-40B4-BE49-F238E27FC236}">
+                <a16:creationId xmlns:a16="http://schemas.microsoft.com/office/drawing/2014/main" id="{50CE46E6-A765-4870-87F1-53FFD0755587}"/>
+              </a:ext>
+            </a:extLst>
+          </p:cNvPr>
+          <p:cNvSpPr>
+            <a:spLocks noGrp="1"/>
+          </p:cNvSpPr>
+          <p:nvPr>
+            <p:ph type="sldNum" idx="12"/>
+          </p:nvPr>
+        </p:nvSpPr>
+        <p:spPr/>
+        <p:txBody>
+          <a:bodyPr/>
+          <a:lstStyle/>
+          <a:p>
+            <a:pPr>
+              <a:defRPr/>
+            </a:pPr>
+            <a:fld id="{5ADDA12D-926A-4457-9E04-5FDF150FC22F}" type="slidenum">
+              <a:rPr lang="en-US" altLang="en-US" smtClean="0"/>
+              <a:pPr>
+                <a:defRPr/>
+              </a:pPr>
+              <a:t>18</a:t>
+            </a:fld>
+            <a:endParaRPr lang="en-US" altLang="en-US" dirty="0"/>
+          </a:p>
+        </p:txBody>
+      </p:sp>
     </p:spTree>
     <p:extLst>
       <p:ext uri="{BB962C8B-B14F-4D97-AF65-F5344CB8AC3E}">
@@ -12750,6 +14215,106 @@
           </a:prstGeom>
         </p:spPr>
       </p:pic>
+      <p:sp>
+        <p:nvSpPr>
+          <p:cNvPr id="5" name="Date Placeholder 4">
+            <a:extLst>
+              <a:ext uri="{FF2B5EF4-FFF2-40B4-BE49-F238E27FC236}">
+                <a16:creationId xmlns:a16="http://schemas.microsoft.com/office/drawing/2014/main" id="{83570D76-657F-437F-9842-2309489560B8}"/>
+              </a:ext>
+            </a:extLst>
+          </p:cNvPr>
+          <p:cNvSpPr>
+            <a:spLocks noGrp="1"/>
+          </p:cNvSpPr>
+          <p:nvPr>
+            <p:ph type="dt" idx="10"/>
+          </p:nvPr>
+        </p:nvSpPr>
+        <p:spPr/>
+        <p:txBody>
+          <a:bodyPr/>
+          <a:lstStyle/>
+          <a:p>
+            <a:pPr>
+              <a:defRPr/>
+            </a:pPr>
+            <a:endParaRPr lang="en-US" altLang="en-US" dirty="0"/>
+          </a:p>
+        </p:txBody>
+      </p:sp>
+      <p:sp>
+        <p:nvSpPr>
+          <p:cNvPr id="6" name="Footer Placeholder 5">
+            <a:extLst>
+              <a:ext uri="{FF2B5EF4-FFF2-40B4-BE49-F238E27FC236}">
+                <a16:creationId xmlns:a16="http://schemas.microsoft.com/office/drawing/2014/main" id="{18DB9B16-FDDC-4F72-A234-1FD276CDEE0A}"/>
+              </a:ext>
+            </a:extLst>
+          </p:cNvPr>
+          <p:cNvSpPr>
+            <a:spLocks noGrp="1"/>
+          </p:cNvSpPr>
+          <p:nvPr>
+            <p:ph type="ftr" idx="11"/>
+          </p:nvPr>
+        </p:nvSpPr>
+        <p:spPr/>
+        <p:txBody>
+          <a:bodyPr/>
+          <a:lstStyle/>
+          <a:p>
+            <a:pPr>
+              <a:defRPr/>
+            </a:pPr>
+            <a:r>
+              <a:rPr lang="en-US"/>
+              <a:t>(c) P Pawar - SUNY Korea, R Banerjee, P Fodor - SBU - CSE 216, Elsevier, Norbert zeh – dalhousi university</a:t>
+            </a:r>
+          </a:p>
+          <a:p>
+            <a:pPr>
+              <a:defRPr/>
+            </a:pPr>
+            <a:endParaRPr lang="en-US" altLang="en-US" dirty="0"/>
+          </a:p>
+        </p:txBody>
+      </p:sp>
+      <p:sp>
+        <p:nvSpPr>
+          <p:cNvPr id="7" name="Slide Number Placeholder 6">
+            <a:extLst>
+              <a:ext uri="{FF2B5EF4-FFF2-40B4-BE49-F238E27FC236}">
+                <a16:creationId xmlns:a16="http://schemas.microsoft.com/office/drawing/2014/main" id="{940286C9-17C8-4BEE-91FF-BF85BB34A3E4}"/>
+              </a:ext>
+            </a:extLst>
+          </p:cNvPr>
+          <p:cNvSpPr>
+            <a:spLocks noGrp="1"/>
+          </p:cNvSpPr>
+          <p:nvPr>
+            <p:ph type="sldNum" idx="12"/>
+          </p:nvPr>
+        </p:nvSpPr>
+        <p:spPr/>
+        <p:txBody>
+          <a:bodyPr/>
+          <a:lstStyle/>
+          <a:p>
+            <a:pPr>
+              <a:defRPr/>
+            </a:pPr>
+            <a:fld id="{5ADDA12D-926A-4457-9E04-5FDF150FC22F}" type="slidenum">
+              <a:rPr lang="en-US" altLang="en-US" smtClean="0"/>
+              <a:pPr>
+                <a:defRPr/>
+              </a:pPr>
+              <a:t>19</a:t>
+            </a:fld>
+            <a:endParaRPr lang="en-US" altLang="en-US" dirty="0"/>
+          </a:p>
+        </p:txBody>
+      </p:sp>
     </p:spTree>
     <p:extLst>
       <p:ext uri="{BB962C8B-B14F-4D97-AF65-F5344CB8AC3E}">
@@ -12930,6 +14495,71 @@
           </a:extLst>
         </p:spPr>
       </p:pic>
+      <p:sp>
+        <p:nvSpPr>
+          <p:cNvPr id="4" name="Date Placeholder 3">
+            <a:extLst>
+              <a:ext uri="{FF2B5EF4-FFF2-40B4-BE49-F238E27FC236}">
+                <a16:creationId xmlns:a16="http://schemas.microsoft.com/office/drawing/2014/main" id="{A94A1523-6A41-4B3C-AC50-B2062E64DE5C}"/>
+              </a:ext>
+            </a:extLst>
+          </p:cNvPr>
+          <p:cNvSpPr>
+            <a:spLocks noGrp="1"/>
+          </p:cNvSpPr>
+          <p:nvPr>
+            <p:ph type="dt" idx="10"/>
+          </p:nvPr>
+        </p:nvSpPr>
+        <p:spPr/>
+        <p:txBody>
+          <a:bodyPr/>
+          <a:lstStyle/>
+          <a:p>
+            <a:pPr>
+              <a:defRPr/>
+            </a:pPr>
+            <a:endParaRPr lang="en-US" altLang="en-US" dirty="0"/>
+          </a:p>
+        </p:txBody>
+      </p:sp>
+      <p:sp>
+        <p:nvSpPr>
+          <p:cNvPr id="6" name="Footer Placeholder 5">
+            <a:extLst>
+              <a:ext uri="{FF2B5EF4-FFF2-40B4-BE49-F238E27FC236}">
+                <a16:creationId xmlns:a16="http://schemas.microsoft.com/office/drawing/2014/main" id="{100B71C7-A70B-45D0-BC84-F990D6780FB1}"/>
+              </a:ext>
+            </a:extLst>
+          </p:cNvPr>
+          <p:cNvSpPr>
+            <a:spLocks noGrp="1"/>
+          </p:cNvSpPr>
+          <p:nvPr>
+            <p:ph type="ftr" idx="11"/>
+          </p:nvPr>
+        </p:nvSpPr>
+        <p:spPr/>
+        <p:txBody>
+          <a:bodyPr/>
+          <a:lstStyle/>
+          <a:p>
+            <a:pPr>
+              <a:defRPr/>
+            </a:pPr>
+            <a:r>
+              <a:rPr lang="en-US"/>
+              <a:t>(c) P Pawar - SUNY Korea, R Banerjee, P Fodor - SBU - CSE 216, Elsevier, Norbert zeh – dalhousi university</a:t>
+            </a:r>
+          </a:p>
+          <a:p>
+            <a:pPr>
+              <a:defRPr/>
+            </a:pPr>
+            <a:endParaRPr lang="en-US" altLang="en-US" dirty="0"/>
+          </a:p>
+        </p:txBody>
+      </p:sp>
     </p:spTree>
     <p:extLst>
       <p:ext uri="{BB962C8B-B14F-4D97-AF65-F5344CB8AC3E}">
@@ -13735,6 +15365,106 @@
               <a:rPr lang="en-US" dirty="0"/>
               <a:t>Structural equivalence</a:t>
             </a:r>
+          </a:p>
+        </p:txBody>
+      </p:sp>
+      <p:sp>
+        <p:nvSpPr>
+          <p:cNvPr id="3" name="Date Placeholder 2">
+            <a:extLst>
+              <a:ext uri="{FF2B5EF4-FFF2-40B4-BE49-F238E27FC236}">
+                <a16:creationId xmlns:a16="http://schemas.microsoft.com/office/drawing/2014/main" id="{35136EEB-CDFC-4A80-9AC2-FBA71218E391}"/>
+              </a:ext>
+            </a:extLst>
+          </p:cNvPr>
+          <p:cNvSpPr>
+            <a:spLocks noGrp="1"/>
+          </p:cNvSpPr>
+          <p:nvPr>
+            <p:ph type="dt" idx="10"/>
+          </p:nvPr>
+        </p:nvSpPr>
+        <p:spPr/>
+        <p:txBody>
+          <a:bodyPr/>
+          <a:lstStyle/>
+          <a:p>
+            <a:pPr>
+              <a:defRPr/>
+            </a:pPr>
+            <a:endParaRPr lang="en-US" altLang="en-US" dirty="0"/>
+          </a:p>
+        </p:txBody>
+      </p:sp>
+      <p:sp>
+        <p:nvSpPr>
+          <p:cNvPr id="4" name="Footer Placeholder 3">
+            <a:extLst>
+              <a:ext uri="{FF2B5EF4-FFF2-40B4-BE49-F238E27FC236}">
+                <a16:creationId xmlns:a16="http://schemas.microsoft.com/office/drawing/2014/main" id="{452BFCC1-4D7E-40BC-A48E-B3165BBB0EA2}"/>
+              </a:ext>
+            </a:extLst>
+          </p:cNvPr>
+          <p:cNvSpPr>
+            <a:spLocks noGrp="1"/>
+          </p:cNvSpPr>
+          <p:nvPr>
+            <p:ph type="ftr" idx="11"/>
+          </p:nvPr>
+        </p:nvSpPr>
+        <p:spPr/>
+        <p:txBody>
+          <a:bodyPr/>
+          <a:lstStyle/>
+          <a:p>
+            <a:pPr>
+              <a:defRPr/>
+            </a:pPr>
+            <a:r>
+              <a:rPr lang="en-US"/>
+              <a:t>(c) P Pawar - SUNY Korea, R Banerjee, P Fodor - SBU - CSE 216, Elsevier, Norbert zeh – dalhousi university</a:t>
+            </a:r>
+          </a:p>
+          <a:p>
+            <a:pPr>
+              <a:defRPr/>
+            </a:pPr>
+            <a:endParaRPr lang="en-US" altLang="en-US" dirty="0"/>
+          </a:p>
+        </p:txBody>
+      </p:sp>
+      <p:sp>
+        <p:nvSpPr>
+          <p:cNvPr id="5" name="Slide Number Placeholder 4">
+            <a:extLst>
+              <a:ext uri="{FF2B5EF4-FFF2-40B4-BE49-F238E27FC236}">
+                <a16:creationId xmlns:a16="http://schemas.microsoft.com/office/drawing/2014/main" id="{A1A168AA-CA43-42AC-9298-ACB0082FB6B9}"/>
+              </a:ext>
+            </a:extLst>
+          </p:cNvPr>
+          <p:cNvSpPr>
+            <a:spLocks noGrp="1"/>
+          </p:cNvSpPr>
+          <p:nvPr>
+            <p:ph type="sldNum" idx="12"/>
+          </p:nvPr>
+        </p:nvSpPr>
+        <p:spPr/>
+        <p:txBody>
+          <a:bodyPr/>
+          <a:lstStyle/>
+          <a:p>
+            <a:pPr>
+              <a:defRPr/>
+            </a:pPr>
+            <a:fld id="{5ADDA12D-926A-4457-9E04-5FDF150FC22F}" type="slidenum">
+              <a:rPr lang="en-US" altLang="en-US" smtClean="0"/>
+              <a:pPr>
+                <a:defRPr/>
+              </a:pPr>
+              <a:t>20</a:t>
+            </a:fld>
+            <a:endParaRPr lang="en-US" altLang="en-US" dirty="0"/>
           </a:p>
         </p:txBody>
       </p:sp>
@@ -14419,6 +16149,106 @@
           </a:p>
         </p:txBody>
       </p:sp>
+      <p:sp>
+        <p:nvSpPr>
+          <p:cNvPr id="3" name="Date Placeholder 2">
+            <a:extLst>
+              <a:ext uri="{FF2B5EF4-FFF2-40B4-BE49-F238E27FC236}">
+                <a16:creationId xmlns:a16="http://schemas.microsoft.com/office/drawing/2014/main" id="{D68AFD22-1F57-4AE7-84D5-91E2512B36A6}"/>
+              </a:ext>
+            </a:extLst>
+          </p:cNvPr>
+          <p:cNvSpPr>
+            <a:spLocks noGrp="1"/>
+          </p:cNvSpPr>
+          <p:nvPr>
+            <p:ph type="dt" idx="10"/>
+          </p:nvPr>
+        </p:nvSpPr>
+        <p:spPr/>
+        <p:txBody>
+          <a:bodyPr/>
+          <a:lstStyle/>
+          <a:p>
+            <a:pPr>
+              <a:defRPr/>
+            </a:pPr>
+            <a:endParaRPr lang="en-US" altLang="en-US" dirty="0"/>
+          </a:p>
+        </p:txBody>
+      </p:sp>
+      <p:sp>
+        <p:nvSpPr>
+          <p:cNvPr id="4" name="Footer Placeholder 3">
+            <a:extLst>
+              <a:ext uri="{FF2B5EF4-FFF2-40B4-BE49-F238E27FC236}">
+                <a16:creationId xmlns:a16="http://schemas.microsoft.com/office/drawing/2014/main" id="{F53F254E-F3ED-4052-A542-12FF94DF702B}"/>
+              </a:ext>
+            </a:extLst>
+          </p:cNvPr>
+          <p:cNvSpPr>
+            <a:spLocks noGrp="1"/>
+          </p:cNvSpPr>
+          <p:nvPr>
+            <p:ph type="ftr" idx="11"/>
+          </p:nvPr>
+        </p:nvSpPr>
+        <p:spPr/>
+        <p:txBody>
+          <a:bodyPr/>
+          <a:lstStyle/>
+          <a:p>
+            <a:pPr>
+              <a:defRPr/>
+            </a:pPr>
+            <a:r>
+              <a:rPr lang="en-US"/>
+              <a:t>(c) P Pawar - SUNY Korea, R Banerjee, P Fodor - SBU - CSE 216, Elsevier, Norbert zeh – dalhousi university</a:t>
+            </a:r>
+          </a:p>
+          <a:p>
+            <a:pPr>
+              <a:defRPr/>
+            </a:pPr>
+            <a:endParaRPr lang="en-US" altLang="en-US" dirty="0"/>
+          </a:p>
+        </p:txBody>
+      </p:sp>
+      <p:sp>
+        <p:nvSpPr>
+          <p:cNvPr id="5" name="Slide Number Placeholder 4">
+            <a:extLst>
+              <a:ext uri="{FF2B5EF4-FFF2-40B4-BE49-F238E27FC236}">
+                <a16:creationId xmlns:a16="http://schemas.microsoft.com/office/drawing/2014/main" id="{5FFE4BC5-1A0B-48D2-98A3-09DCAB449F1D}"/>
+              </a:ext>
+            </a:extLst>
+          </p:cNvPr>
+          <p:cNvSpPr>
+            <a:spLocks noGrp="1"/>
+          </p:cNvSpPr>
+          <p:nvPr>
+            <p:ph type="sldNum" idx="12"/>
+          </p:nvPr>
+        </p:nvSpPr>
+        <p:spPr/>
+        <p:txBody>
+          <a:bodyPr/>
+          <a:lstStyle/>
+          <a:p>
+            <a:pPr>
+              <a:defRPr/>
+            </a:pPr>
+            <a:fld id="{5ADDA12D-926A-4457-9E04-5FDF150FC22F}" type="slidenum">
+              <a:rPr lang="en-US" altLang="en-US" smtClean="0"/>
+              <a:pPr>
+                <a:defRPr/>
+              </a:pPr>
+              <a:t>21</a:t>
+            </a:fld>
+            <a:endParaRPr lang="en-US" altLang="en-US" dirty="0"/>
+          </a:p>
+        </p:txBody>
+      </p:sp>
     </p:spTree>
     <p:extLst>
       <p:ext uri="{BB962C8B-B14F-4D97-AF65-F5344CB8AC3E}">
@@ -15022,6 +16852,106 @@
           </a:prstGeom>
         </p:spPr>
       </p:pic>
+      <p:sp>
+        <p:nvSpPr>
+          <p:cNvPr id="3" name="Date Placeholder 2">
+            <a:extLst>
+              <a:ext uri="{FF2B5EF4-FFF2-40B4-BE49-F238E27FC236}">
+                <a16:creationId xmlns:a16="http://schemas.microsoft.com/office/drawing/2014/main" id="{D12C2A59-C34F-4D48-BD85-20AE907D9F1E}"/>
+              </a:ext>
+            </a:extLst>
+          </p:cNvPr>
+          <p:cNvSpPr>
+            <a:spLocks noGrp="1"/>
+          </p:cNvSpPr>
+          <p:nvPr>
+            <p:ph type="dt" idx="10"/>
+          </p:nvPr>
+        </p:nvSpPr>
+        <p:spPr/>
+        <p:txBody>
+          <a:bodyPr/>
+          <a:lstStyle/>
+          <a:p>
+            <a:pPr>
+              <a:defRPr/>
+            </a:pPr>
+            <a:endParaRPr lang="en-US" altLang="en-US" dirty="0"/>
+          </a:p>
+        </p:txBody>
+      </p:sp>
+      <p:sp>
+        <p:nvSpPr>
+          <p:cNvPr id="4" name="Footer Placeholder 3">
+            <a:extLst>
+              <a:ext uri="{FF2B5EF4-FFF2-40B4-BE49-F238E27FC236}">
+                <a16:creationId xmlns:a16="http://schemas.microsoft.com/office/drawing/2014/main" id="{A9C67BA3-EF6E-4B22-AFBC-AED584F9BE88}"/>
+              </a:ext>
+            </a:extLst>
+          </p:cNvPr>
+          <p:cNvSpPr>
+            <a:spLocks noGrp="1"/>
+          </p:cNvSpPr>
+          <p:nvPr>
+            <p:ph type="ftr" idx="11"/>
+          </p:nvPr>
+        </p:nvSpPr>
+        <p:spPr/>
+        <p:txBody>
+          <a:bodyPr/>
+          <a:lstStyle/>
+          <a:p>
+            <a:pPr>
+              <a:defRPr/>
+            </a:pPr>
+            <a:r>
+              <a:rPr lang="en-US"/>
+              <a:t>(c) P Pawar - SUNY Korea, R Banerjee, P Fodor - SBU - CSE 216, Elsevier, Norbert zeh – dalhousi university</a:t>
+            </a:r>
+          </a:p>
+          <a:p>
+            <a:pPr>
+              <a:defRPr/>
+            </a:pPr>
+            <a:endParaRPr lang="en-US" altLang="en-US" dirty="0"/>
+          </a:p>
+        </p:txBody>
+      </p:sp>
+      <p:sp>
+        <p:nvSpPr>
+          <p:cNvPr id="5" name="Slide Number Placeholder 4">
+            <a:extLst>
+              <a:ext uri="{FF2B5EF4-FFF2-40B4-BE49-F238E27FC236}">
+                <a16:creationId xmlns:a16="http://schemas.microsoft.com/office/drawing/2014/main" id="{1B9953B7-28CE-4AA5-A3A3-94F0391172C5}"/>
+              </a:ext>
+            </a:extLst>
+          </p:cNvPr>
+          <p:cNvSpPr>
+            <a:spLocks noGrp="1"/>
+          </p:cNvSpPr>
+          <p:nvPr>
+            <p:ph type="sldNum" idx="12"/>
+          </p:nvPr>
+        </p:nvSpPr>
+        <p:spPr/>
+        <p:txBody>
+          <a:bodyPr/>
+          <a:lstStyle/>
+          <a:p>
+            <a:pPr>
+              <a:defRPr/>
+            </a:pPr>
+            <a:fld id="{5ADDA12D-926A-4457-9E04-5FDF150FC22F}" type="slidenum">
+              <a:rPr lang="en-US" altLang="en-US" smtClean="0"/>
+              <a:pPr>
+                <a:defRPr/>
+              </a:pPr>
+              <a:t>22</a:t>
+            </a:fld>
+            <a:endParaRPr lang="en-US" altLang="en-US" dirty="0"/>
+          </a:p>
+        </p:txBody>
+      </p:sp>
     </p:spTree>
     <p:extLst>
       <p:ext uri="{BB962C8B-B14F-4D97-AF65-F5344CB8AC3E}">
@@ -15729,6 +17659,106 @@
           </a:extLst>
         </p:spPr>
       </p:pic>
+      <p:sp>
+        <p:nvSpPr>
+          <p:cNvPr id="2" name="Date Placeholder 1">
+            <a:extLst>
+              <a:ext uri="{FF2B5EF4-FFF2-40B4-BE49-F238E27FC236}">
+                <a16:creationId xmlns:a16="http://schemas.microsoft.com/office/drawing/2014/main" id="{ECD25A7D-9BE2-4134-BE12-AE7E12A83902}"/>
+              </a:ext>
+            </a:extLst>
+          </p:cNvPr>
+          <p:cNvSpPr>
+            <a:spLocks noGrp="1"/>
+          </p:cNvSpPr>
+          <p:nvPr>
+            <p:ph type="dt" idx="10"/>
+          </p:nvPr>
+        </p:nvSpPr>
+        <p:spPr/>
+        <p:txBody>
+          <a:bodyPr/>
+          <a:lstStyle/>
+          <a:p>
+            <a:pPr>
+              <a:defRPr/>
+            </a:pPr>
+            <a:endParaRPr lang="en-US" altLang="en-US" dirty="0"/>
+          </a:p>
+        </p:txBody>
+      </p:sp>
+      <p:sp>
+        <p:nvSpPr>
+          <p:cNvPr id="3" name="Footer Placeholder 2">
+            <a:extLst>
+              <a:ext uri="{FF2B5EF4-FFF2-40B4-BE49-F238E27FC236}">
+                <a16:creationId xmlns:a16="http://schemas.microsoft.com/office/drawing/2014/main" id="{B655BFED-4676-4F4D-9C6D-1E8416AEB43B}"/>
+              </a:ext>
+            </a:extLst>
+          </p:cNvPr>
+          <p:cNvSpPr>
+            <a:spLocks noGrp="1"/>
+          </p:cNvSpPr>
+          <p:nvPr>
+            <p:ph type="ftr" idx="11"/>
+          </p:nvPr>
+        </p:nvSpPr>
+        <p:spPr/>
+        <p:txBody>
+          <a:bodyPr/>
+          <a:lstStyle/>
+          <a:p>
+            <a:pPr>
+              <a:defRPr/>
+            </a:pPr>
+            <a:r>
+              <a:rPr lang="en-US"/>
+              <a:t>(c) P Pawar - SUNY Korea, R Banerjee, P Fodor - SBU - CSE 216, Elsevier, Norbert zeh – dalhousi university</a:t>
+            </a:r>
+          </a:p>
+          <a:p>
+            <a:pPr>
+              <a:defRPr/>
+            </a:pPr>
+            <a:endParaRPr lang="en-US" altLang="en-US" dirty="0"/>
+          </a:p>
+        </p:txBody>
+      </p:sp>
+      <p:sp>
+        <p:nvSpPr>
+          <p:cNvPr id="4" name="Slide Number Placeholder 3">
+            <a:extLst>
+              <a:ext uri="{FF2B5EF4-FFF2-40B4-BE49-F238E27FC236}">
+                <a16:creationId xmlns:a16="http://schemas.microsoft.com/office/drawing/2014/main" id="{B7CDFB6C-CF26-4482-920E-118C1A247FF9}"/>
+              </a:ext>
+            </a:extLst>
+          </p:cNvPr>
+          <p:cNvSpPr>
+            <a:spLocks noGrp="1"/>
+          </p:cNvSpPr>
+          <p:nvPr>
+            <p:ph type="sldNum" idx="12"/>
+          </p:nvPr>
+        </p:nvSpPr>
+        <p:spPr/>
+        <p:txBody>
+          <a:bodyPr/>
+          <a:lstStyle/>
+          <a:p>
+            <a:pPr>
+              <a:defRPr/>
+            </a:pPr>
+            <a:fld id="{5ADDA12D-926A-4457-9E04-5FDF150FC22F}" type="slidenum">
+              <a:rPr lang="en-US" altLang="en-US" smtClean="0"/>
+              <a:pPr>
+                <a:defRPr/>
+              </a:pPr>
+              <a:t>23</a:t>
+            </a:fld>
+            <a:endParaRPr lang="en-US" altLang="en-US" dirty="0"/>
+          </a:p>
+        </p:txBody>
+      </p:sp>
     </p:spTree>
   </p:cSld>
   <p:clrMapOvr>
@@ -15939,6 +17969,106 @@
           </a:extLst>
         </p:spPr>
       </p:pic>
+      <p:sp>
+        <p:nvSpPr>
+          <p:cNvPr id="4" name="Date Placeholder 3">
+            <a:extLst>
+              <a:ext uri="{FF2B5EF4-FFF2-40B4-BE49-F238E27FC236}">
+                <a16:creationId xmlns:a16="http://schemas.microsoft.com/office/drawing/2014/main" id="{FAEEFA48-C56C-4AC2-844E-0E802C574AC2}"/>
+              </a:ext>
+            </a:extLst>
+          </p:cNvPr>
+          <p:cNvSpPr>
+            <a:spLocks noGrp="1"/>
+          </p:cNvSpPr>
+          <p:nvPr>
+            <p:ph type="dt" idx="10"/>
+          </p:nvPr>
+        </p:nvSpPr>
+        <p:spPr/>
+        <p:txBody>
+          <a:bodyPr/>
+          <a:lstStyle/>
+          <a:p>
+            <a:pPr>
+              <a:defRPr/>
+            </a:pPr>
+            <a:endParaRPr lang="en-US" altLang="en-US" dirty="0"/>
+          </a:p>
+        </p:txBody>
+      </p:sp>
+      <p:sp>
+        <p:nvSpPr>
+          <p:cNvPr id="5" name="Footer Placeholder 4">
+            <a:extLst>
+              <a:ext uri="{FF2B5EF4-FFF2-40B4-BE49-F238E27FC236}">
+                <a16:creationId xmlns:a16="http://schemas.microsoft.com/office/drawing/2014/main" id="{B015C038-52C1-494F-9912-4627EFC66F8D}"/>
+              </a:ext>
+            </a:extLst>
+          </p:cNvPr>
+          <p:cNvSpPr>
+            <a:spLocks noGrp="1"/>
+          </p:cNvSpPr>
+          <p:nvPr>
+            <p:ph type="ftr" idx="11"/>
+          </p:nvPr>
+        </p:nvSpPr>
+        <p:spPr/>
+        <p:txBody>
+          <a:bodyPr/>
+          <a:lstStyle/>
+          <a:p>
+            <a:pPr>
+              <a:defRPr/>
+            </a:pPr>
+            <a:r>
+              <a:rPr lang="en-US"/>
+              <a:t>(c) P Pawar - SUNY Korea, R Banerjee, P Fodor - SBU - CSE 216, Elsevier, Norbert zeh – dalhousi university</a:t>
+            </a:r>
+          </a:p>
+          <a:p>
+            <a:pPr>
+              <a:defRPr/>
+            </a:pPr>
+            <a:endParaRPr lang="en-US" altLang="en-US" dirty="0"/>
+          </a:p>
+        </p:txBody>
+      </p:sp>
+      <p:sp>
+        <p:nvSpPr>
+          <p:cNvPr id="7" name="Slide Number Placeholder 6">
+            <a:extLst>
+              <a:ext uri="{FF2B5EF4-FFF2-40B4-BE49-F238E27FC236}">
+                <a16:creationId xmlns:a16="http://schemas.microsoft.com/office/drawing/2014/main" id="{3005739F-0498-4FF3-AC8E-92AE2ADA0782}"/>
+              </a:ext>
+            </a:extLst>
+          </p:cNvPr>
+          <p:cNvSpPr>
+            <a:spLocks noGrp="1"/>
+          </p:cNvSpPr>
+          <p:nvPr>
+            <p:ph type="sldNum" idx="12"/>
+          </p:nvPr>
+        </p:nvSpPr>
+        <p:spPr/>
+        <p:txBody>
+          <a:bodyPr/>
+          <a:lstStyle/>
+          <a:p>
+            <a:pPr>
+              <a:defRPr/>
+            </a:pPr>
+            <a:fld id="{5ADDA12D-926A-4457-9E04-5FDF150FC22F}" type="slidenum">
+              <a:rPr lang="en-US" altLang="en-US" smtClean="0"/>
+              <a:pPr>
+                <a:defRPr/>
+              </a:pPr>
+              <a:t>24</a:t>
+            </a:fld>
+            <a:endParaRPr lang="en-US" altLang="en-US" dirty="0"/>
+          </a:p>
+        </p:txBody>
+      </p:sp>
     </p:spTree>
     <p:extLst>
       <p:ext uri="{BB962C8B-B14F-4D97-AF65-F5344CB8AC3E}">
@@ -16133,6 +18263,106 @@
           </a:p>
         </p:txBody>
       </p:sp>
+      <p:sp>
+        <p:nvSpPr>
+          <p:cNvPr id="4" name="Date Placeholder 3">
+            <a:extLst>
+              <a:ext uri="{FF2B5EF4-FFF2-40B4-BE49-F238E27FC236}">
+                <a16:creationId xmlns:a16="http://schemas.microsoft.com/office/drawing/2014/main" id="{F2B4F9DF-A6D6-48FC-9400-949ECC64B663}"/>
+              </a:ext>
+            </a:extLst>
+          </p:cNvPr>
+          <p:cNvSpPr>
+            <a:spLocks noGrp="1"/>
+          </p:cNvSpPr>
+          <p:nvPr>
+            <p:ph type="dt" idx="10"/>
+          </p:nvPr>
+        </p:nvSpPr>
+        <p:spPr/>
+        <p:txBody>
+          <a:bodyPr/>
+          <a:lstStyle/>
+          <a:p>
+            <a:pPr>
+              <a:defRPr/>
+            </a:pPr>
+            <a:endParaRPr lang="en-US" altLang="en-US" dirty="0"/>
+          </a:p>
+        </p:txBody>
+      </p:sp>
+      <p:sp>
+        <p:nvSpPr>
+          <p:cNvPr id="5" name="Footer Placeholder 4">
+            <a:extLst>
+              <a:ext uri="{FF2B5EF4-FFF2-40B4-BE49-F238E27FC236}">
+                <a16:creationId xmlns:a16="http://schemas.microsoft.com/office/drawing/2014/main" id="{FA646313-DF33-46A2-A988-B13A01314EA1}"/>
+              </a:ext>
+            </a:extLst>
+          </p:cNvPr>
+          <p:cNvSpPr>
+            <a:spLocks noGrp="1"/>
+          </p:cNvSpPr>
+          <p:nvPr>
+            <p:ph type="ftr" idx="11"/>
+          </p:nvPr>
+        </p:nvSpPr>
+        <p:spPr/>
+        <p:txBody>
+          <a:bodyPr/>
+          <a:lstStyle/>
+          <a:p>
+            <a:pPr>
+              <a:defRPr/>
+            </a:pPr>
+            <a:r>
+              <a:rPr lang="en-US"/>
+              <a:t>(c) P Pawar - SUNY Korea, R Banerjee, P Fodor - SBU - CSE 216, Elsevier, Norbert zeh – dalhousi university</a:t>
+            </a:r>
+          </a:p>
+          <a:p>
+            <a:pPr>
+              <a:defRPr/>
+            </a:pPr>
+            <a:endParaRPr lang="en-US" altLang="en-US" dirty="0"/>
+          </a:p>
+        </p:txBody>
+      </p:sp>
+      <p:sp>
+        <p:nvSpPr>
+          <p:cNvPr id="6" name="Slide Number Placeholder 5">
+            <a:extLst>
+              <a:ext uri="{FF2B5EF4-FFF2-40B4-BE49-F238E27FC236}">
+                <a16:creationId xmlns:a16="http://schemas.microsoft.com/office/drawing/2014/main" id="{EB24CACB-7431-4619-BA31-BC02B5056596}"/>
+              </a:ext>
+            </a:extLst>
+          </p:cNvPr>
+          <p:cNvSpPr>
+            <a:spLocks noGrp="1"/>
+          </p:cNvSpPr>
+          <p:nvPr>
+            <p:ph type="sldNum" idx="12"/>
+          </p:nvPr>
+        </p:nvSpPr>
+        <p:spPr/>
+        <p:txBody>
+          <a:bodyPr/>
+          <a:lstStyle/>
+          <a:p>
+            <a:pPr>
+              <a:defRPr/>
+            </a:pPr>
+            <a:fld id="{5ADDA12D-926A-4457-9E04-5FDF150FC22F}" type="slidenum">
+              <a:rPr lang="en-US" altLang="en-US" smtClean="0"/>
+              <a:pPr>
+                <a:defRPr/>
+              </a:pPr>
+              <a:t>25</a:t>
+            </a:fld>
+            <a:endParaRPr lang="en-US" altLang="en-US" dirty="0"/>
+          </a:p>
+        </p:txBody>
+      </p:sp>
     </p:spTree>
     <p:extLst>
       <p:ext uri="{BB962C8B-B14F-4D97-AF65-F5344CB8AC3E}">
@@ -17038,6 +19268,106 @@
               </a:rPr>
               <a:t> </a:t>
             </a:r>
+          </a:p>
+        </p:txBody>
+      </p:sp>
+      <p:sp>
+        <p:nvSpPr>
+          <p:cNvPr id="2" name="Date Placeholder 1">
+            <a:extLst>
+              <a:ext uri="{FF2B5EF4-FFF2-40B4-BE49-F238E27FC236}">
+                <a16:creationId xmlns:a16="http://schemas.microsoft.com/office/drawing/2014/main" id="{FFA1DB1D-8B85-4E57-A324-2FD61B11B847}"/>
+              </a:ext>
+            </a:extLst>
+          </p:cNvPr>
+          <p:cNvSpPr>
+            <a:spLocks noGrp="1"/>
+          </p:cNvSpPr>
+          <p:nvPr>
+            <p:ph type="dt" idx="10"/>
+          </p:nvPr>
+        </p:nvSpPr>
+        <p:spPr/>
+        <p:txBody>
+          <a:bodyPr/>
+          <a:lstStyle/>
+          <a:p>
+            <a:pPr>
+              <a:defRPr/>
+            </a:pPr>
+            <a:endParaRPr lang="en-US" altLang="en-US" dirty="0"/>
+          </a:p>
+        </p:txBody>
+      </p:sp>
+      <p:sp>
+        <p:nvSpPr>
+          <p:cNvPr id="3" name="Footer Placeholder 2">
+            <a:extLst>
+              <a:ext uri="{FF2B5EF4-FFF2-40B4-BE49-F238E27FC236}">
+                <a16:creationId xmlns:a16="http://schemas.microsoft.com/office/drawing/2014/main" id="{B00F455E-8F99-47BC-BD14-1068C58F9418}"/>
+              </a:ext>
+            </a:extLst>
+          </p:cNvPr>
+          <p:cNvSpPr>
+            <a:spLocks noGrp="1"/>
+          </p:cNvSpPr>
+          <p:nvPr>
+            <p:ph type="ftr" idx="11"/>
+          </p:nvPr>
+        </p:nvSpPr>
+        <p:spPr/>
+        <p:txBody>
+          <a:bodyPr/>
+          <a:lstStyle/>
+          <a:p>
+            <a:pPr>
+              <a:defRPr/>
+            </a:pPr>
+            <a:r>
+              <a:rPr lang="en-US"/>
+              <a:t>(c) P Pawar - SUNY Korea, R Banerjee, P Fodor - SBU - CSE 216, Elsevier, Norbert zeh – dalhousi university</a:t>
+            </a:r>
+          </a:p>
+          <a:p>
+            <a:pPr>
+              <a:defRPr/>
+            </a:pPr>
+            <a:endParaRPr lang="en-US" altLang="en-US" dirty="0"/>
+          </a:p>
+        </p:txBody>
+      </p:sp>
+      <p:sp>
+        <p:nvSpPr>
+          <p:cNvPr id="4" name="Slide Number Placeholder 3">
+            <a:extLst>
+              <a:ext uri="{FF2B5EF4-FFF2-40B4-BE49-F238E27FC236}">
+                <a16:creationId xmlns:a16="http://schemas.microsoft.com/office/drawing/2014/main" id="{2D913537-8C48-48B6-A74C-4290DCBBFAA3}"/>
+              </a:ext>
+            </a:extLst>
+          </p:cNvPr>
+          <p:cNvSpPr>
+            <a:spLocks noGrp="1"/>
+          </p:cNvSpPr>
+          <p:nvPr>
+            <p:ph type="sldNum" idx="12"/>
+          </p:nvPr>
+        </p:nvSpPr>
+        <p:spPr/>
+        <p:txBody>
+          <a:bodyPr/>
+          <a:lstStyle/>
+          <a:p>
+            <a:pPr>
+              <a:defRPr/>
+            </a:pPr>
+            <a:fld id="{5ADDA12D-926A-4457-9E04-5FDF150FC22F}" type="slidenum">
+              <a:rPr lang="en-US" altLang="en-US" smtClean="0"/>
+              <a:pPr>
+                <a:defRPr/>
+              </a:pPr>
+              <a:t>26</a:t>
+            </a:fld>
+            <a:endParaRPr lang="en-US" altLang="en-US" dirty="0"/>
           </a:p>
         </p:txBody>
       </p:sp>
@@ -17921,6 +20251,106 @@
           </a:p>
         </p:txBody>
       </p:sp>
+      <p:sp>
+        <p:nvSpPr>
+          <p:cNvPr id="2" name="Date Placeholder 1">
+            <a:extLst>
+              <a:ext uri="{FF2B5EF4-FFF2-40B4-BE49-F238E27FC236}">
+                <a16:creationId xmlns:a16="http://schemas.microsoft.com/office/drawing/2014/main" id="{58BE4BE4-0C56-4264-B005-B5AEF9F1E338}"/>
+              </a:ext>
+            </a:extLst>
+          </p:cNvPr>
+          <p:cNvSpPr>
+            <a:spLocks noGrp="1"/>
+          </p:cNvSpPr>
+          <p:nvPr>
+            <p:ph type="dt" idx="10"/>
+          </p:nvPr>
+        </p:nvSpPr>
+        <p:spPr/>
+        <p:txBody>
+          <a:bodyPr/>
+          <a:lstStyle/>
+          <a:p>
+            <a:pPr>
+              <a:defRPr/>
+            </a:pPr>
+            <a:endParaRPr lang="en-US" altLang="en-US" dirty="0"/>
+          </a:p>
+        </p:txBody>
+      </p:sp>
+      <p:sp>
+        <p:nvSpPr>
+          <p:cNvPr id="3" name="Footer Placeholder 2">
+            <a:extLst>
+              <a:ext uri="{FF2B5EF4-FFF2-40B4-BE49-F238E27FC236}">
+                <a16:creationId xmlns:a16="http://schemas.microsoft.com/office/drawing/2014/main" id="{B2C7A01E-C30C-447A-807A-A0B4D2238F2D}"/>
+              </a:ext>
+            </a:extLst>
+          </p:cNvPr>
+          <p:cNvSpPr>
+            <a:spLocks noGrp="1"/>
+          </p:cNvSpPr>
+          <p:nvPr>
+            <p:ph type="ftr" idx="11"/>
+          </p:nvPr>
+        </p:nvSpPr>
+        <p:spPr/>
+        <p:txBody>
+          <a:bodyPr/>
+          <a:lstStyle/>
+          <a:p>
+            <a:pPr>
+              <a:defRPr/>
+            </a:pPr>
+            <a:r>
+              <a:rPr lang="en-US"/>
+              <a:t>(c) P Pawar - SUNY Korea, R Banerjee, P Fodor - SBU - CSE 216, Elsevier, Norbert zeh – dalhousi university</a:t>
+            </a:r>
+          </a:p>
+          <a:p>
+            <a:pPr>
+              <a:defRPr/>
+            </a:pPr>
+            <a:endParaRPr lang="en-US" altLang="en-US" dirty="0"/>
+          </a:p>
+        </p:txBody>
+      </p:sp>
+      <p:sp>
+        <p:nvSpPr>
+          <p:cNvPr id="4" name="Slide Number Placeholder 3">
+            <a:extLst>
+              <a:ext uri="{FF2B5EF4-FFF2-40B4-BE49-F238E27FC236}">
+                <a16:creationId xmlns:a16="http://schemas.microsoft.com/office/drawing/2014/main" id="{D42AE1ED-38DD-4691-90B9-6CD0F265A977}"/>
+              </a:ext>
+            </a:extLst>
+          </p:cNvPr>
+          <p:cNvSpPr>
+            <a:spLocks noGrp="1"/>
+          </p:cNvSpPr>
+          <p:nvPr>
+            <p:ph type="sldNum" idx="12"/>
+          </p:nvPr>
+        </p:nvSpPr>
+        <p:spPr/>
+        <p:txBody>
+          <a:bodyPr/>
+          <a:lstStyle/>
+          <a:p>
+            <a:pPr>
+              <a:defRPr/>
+            </a:pPr>
+            <a:fld id="{5ADDA12D-926A-4457-9E04-5FDF150FC22F}" type="slidenum">
+              <a:rPr lang="en-US" altLang="en-US" smtClean="0"/>
+              <a:pPr>
+                <a:defRPr/>
+              </a:pPr>
+              <a:t>27</a:t>
+            </a:fld>
+            <a:endParaRPr lang="en-US" altLang="en-US" dirty="0"/>
+          </a:p>
+        </p:txBody>
+      </p:sp>
     </p:spTree>
     <p:extLst>
       <p:ext uri="{BB962C8B-B14F-4D97-AF65-F5344CB8AC3E}">
@@ -18274,6 +20704,71 @@
           </a:p>
         </p:txBody>
       </p:sp>
+      <p:sp>
+        <p:nvSpPr>
+          <p:cNvPr id="3" name="Date Placeholder 2">
+            <a:extLst>
+              <a:ext uri="{FF2B5EF4-FFF2-40B4-BE49-F238E27FC236}">
+                <a16:creationId xmlns:a16="http://schemas.microsoft.com/office/drawing/2014/main" id="{1E69B914-CEB3-4BF5-A7C3-70F02D52714E}"/>
+              </a:ext>
+            </a:extLst>
+          </p:cNvPr>
+          <p:cNvSpPr>
+            <a:spLocks noGrp="1"/>
+          </p:cNvSpPr>
+          <p:nvPr>
+            <p:ph type="dt" idx="10"/>
+          </p:nvPr>
+        </p:nvSpPr>
+        <p:spPr/>
+        <p:txBody>
+          <a:bodyPr/>
+          <a:lstStyle/>
+          <a:p>
+            <a:pPr>
+              <a:defRPr/>
+            </a:pPr>
+            <a:endParaRPr lang="en-US" altLang="en-US" dirty="0"/>
+          </a:p>
+        </p:txBody>
+      </p:sp>
+      <p:sp>
+        <p:nvSpPr>
+          <p:cNvPr id="4" name="Footer Placeholder 3">
+            <a:extLst>
+              <a:ext uri="{FF2B5EF4-FFF2-40B4-BE49-F238E27FC236}">
+                <a16:creationId xmlns:a16="http://schemas.microsoft.com/office/drawing/2014/main" id="{96C428E5-246F-4DB2-920E-59F9FBA3EE2B}"/>
+              </a:ext>
+            </a:extLst>
+          </p:cNvPr>
+          <p:cNvSpPr>
+            <a:spLocks noGrp="1"/>
+          </p:cNvSpPr>
+          <p:nvPr>
+            <p:ph type="ftr" idx="11"/>
+          </p:nvPr>
+        </p:nvSpPr>
+        <p:spPr/>
+        <p:txBody>
+          <a:bodyPr/>
+          <a:lstStyle/>
+          <a:p>
+            <a:pPr>
+              <a:defRPr/>
+            </a:pPr>
+            <a:r>
+              <a:rPr lang="en-US"/>
+              <a:t>(c) P Pawar - SUNY Korea, R Banerjee, P Fodor - SBU - CSE 216, Elsevier, Norbert zeh – dalhousi university</a:t>
+            </a:r>
+          </a:p>
+          <a:p>
+            <a:pPr>
+              <a:defRPr/>
+            </a:pPr>
+            <a:endParaRPr lang="en-US" altLang="en-US" dirty="0"/>
+          </a:p>
+        </p:txBody>
+      </p:sp>
     </p:spTree>
     <p:extLst>
       <p:ext uri="{BB962C8B-B14F-4D97-AF65-F5344CB8AC3E}">
@@ -18616,6 +21111,106 @@
           </a:p>
         </p:txBody>
       </p:sp>
+      <p:sp>
+        <p:nvSpPr>
+          <p:cNvPr id="3" name="Date Placeholder 2">
+            <a:extLst>
+              <a:ext uri="{FF2B5EF4-FFF2-40B4-BE49-F238E27FC236}">
+                <a16:creationId xmlns:a16="http://schemas.microsoft.com/office/drawing/2014/main" id="{B58539D2-5595-4A89-B42C-9059AA2CD404}"/>
+              </a:ext>
+            </a:extLst>
+          </p:cNvPr>
+          <p:cNvSpPr>
+            <a:spLocks noGrp="1"/>
+          </p:cNvSpPr>
+          <p:nvPr>
+            <p:ph type="dt" idx="10"/>
+          </p:nvPr>
+        </p:nvSpPr>
+        <p:spPr/>
+        <p:txBody>
+          <a:bodyPr/>
+          <a:lstStyle/>
+          <a:p>
+            <a:pPr>
+              <a:defRPr/>
+            </a:pPr>
+            <a:endParaRPr lang="en-US" altLang="en-US" dirty="0"/>
+          </a:p>
+        </p:txBody>
+      </p:sp>
+      <p:sp>
+        <p:nvSpPr>
+          <p:cNvPr id="4" name="Footer Placeholder 3">
+            <a:extLst>
+              <a:ext uri="{FF2B5EF4-FFF2-40B4-BE49-F238E27FC236}">
+                <a16:creationId xmlns:a16="http://schemas.microsoft.com/office/drawing/2014/main" id="{D6C7323B-3F31-4A7D-8A78-AC0CF0C2C9A7}"/>
+              </a:ext>
+            </a:extLst>
+          </p:cNvPr>
+          <p:cNvSpPr>
+            <a:spLocks noGrp="1"/>
+          </p:cNvSpPr>
+          <p:nvPr>
+            <p:ph type="ftr" idx="11"/>
+          </p:nvPr>
+        </p:nvSpPr>
+        <p:spPr/>
+        <p:txBody>
+          <a:bodyPr/>
+          <a:lstStyle/>
+          <a:p>
+            <a:pPr>
+              <a:defRPr/>
+            </a:pPr>
+            <a:r>
+              <a:rPr lang="en-US"/>
+              <a:t>(c) P Pawar - SUNY Korea, R Banerjee, P Fodor - SBU - CSE 216, Elsevier, Norbert zeh – dalhousi university</a:t>
+            </a:r>
+          </a:p>
+          <a:p>
+            <a:pPr>
+              <a:defRPr/>
+            </a:pPr>
+            <a:endParaRPr lang="en-US" altLang="en-US" dirty="0"/>
+          </a:p>
+        </p:txBody>
+      </p:sp>
+      <p:sp>
+        <p:nvSpPr>
+          <p:cNvPr id="5" name="Slide Number Placeholder 4">
+            <a:extLst>
+              <a:ext uri="{FF2B5EF4-FFF2-40B4-BE49-F238E27FC236}">
+                <a16:creationId xmlns:a16="http://schemas.microsoft.com/office/drawing/2014/main" id="{2F61F153-B6A2-452D-9251-2B79F083C38D}"/>
+              </a:ext>
+            </a:extLst>
+          </p:cNvPr>
+          <p:cNvSpPr>
+            <a:spLocks noGrp="1"/>
+          </p:cNvSpPr>
+          <p:nvPr>
+            <p:ph type="sldNum" idx="12"/>
+          </p:nvPr>
+        </p:nvSpPr>
+        <p:spPr/>
+        <p:txBody>
+          <a:bodyPr/>
+          <a:lstStyle/>
+          <a:p>
+            <a:pPr>
+              <a:defRPr/>
+            </a:pPr>
+            <a:fld id="{5ADDA12D-926A-4457-9E04-5FDF150FC22F}" type="slidenum">
+              <a:rPr lang="en-US" altLang="en-US" smtClean="0"/>
+              <a:pPr>
+                <a:defRPr/>
+              </a:pPr>
+              <a:t>29</a:t>
+            </a:fld>
+            <a:endParaRPr lang="en-US" altLang="en-US" dirty="0"/>
+          </a:p>
+        </p:txBody>
+      </p:sp>
     </p:spTree>
     <p:extLst>
       <p:ext uri="{BB962C8B-B14F-4D97-AF65-F5344CB8AC3E}">
@@ -19400,6 +21995,106 @@
           </a:p>
         </p:txBody>
       </p:sp>
+      <p:sp>
+        <p:nvSpPr>
+          <p:cNvPr id="2" name="Date Placeholder 1">
+            <a:extLst>
+              <a:ext uri="{FF2B5EF4-FFF2-40B4-BE49-F238E27FC236}">
+                <a16:creationId xmlns:a16="http://schemas.microsoft.com/office/drawing/2014/main" id="{58EA8B0C-C285-4158-B17C-0DFA7125E3F8}"/>
+              </a:ext>
+            </a:extLst>
+          </p:cNvPr>
+          <p:cNvSpPr>
+            <a:spLocks noGrp="1"/>
+          </p:cNvSpPr>
+          <p:nvPr>
+            <p:ph type="dt" idx="10"/>
+          </p:nvPr>
+        </p:nvSpPr>
+        <p:spPr/>
+        <p:txBody>
+          <a:bodyPr/>
+          <a:lstStyle/>
+          <a:p>
+            <a:pPr>
+              <a:defRPr/>
+            </a:pPr>
+            <a:endParaRPr lang="en-US" altLang="en-US" dirty="0"/>
+          </a:p>
+        </p:txBody>
+      </p:sp>
+      <p:sp>
+        <p:nvSpPr>
+          <p:cNvPr id="3" name="Footer Placeholder 2">
+            <a:extLst>
+              <a:ext uri="{FF2B5EF4-FFF2-40B4-BE49-F238E27FC236}">
+                <a16:creationId xmlns:a16="http://schemas.microsoft.com/office/drawing/2014/main" id="{B514AE5E-CE85-465F-B74D-A201AB0A866C}"/>
+              </a:ext>
+            </a:extLst>
+          </p:cNvPr>
+          <p:cNvSpPr>
+            <a:spLocks noGrp="1"/>
+          </p:cNvSpPr>
+          <p:nvPr>
+            <p:ph type="ftr" idx="11"/>
+          </p:nvPr>
+        </p:nvSpPr>
+        <p:spPr/>
+        <p:txBody>
+          <a:bodyPr/>
+          <a:lstStyle/>
+          <a:p>
+            <a:pPr>
+              <a:defRPr/>
+            </a:pPr>
+            <a:r>
+              <a:rPr lang="en-US"/>
+              <a:t>(c) P Pawar - SUNY Korea, R Banerjee, P Fodor - SBU - CSE 216, Elsevier, Norbert zeh – dalhousi university</a:t>
+            </a:r>
+          </a:p>
+          <a:p>
+            <a:pPr>
+              <a:defRPr/>
+            </a:pPr>
+            <a:endParaRPr lang="en-US" altLang="en-US" dirty="0"/>
+          </a:p>
+        </p:txBody>
+      </p:sp>
+      <p:sp>
+        <p:nvSpPr>
+          <p:cNvPr id="4" name="Slide Number Placeholder 3">
+            <a:extLst>
+              <a:ext uri="{FF2B5EF4-FFF2-40B4-BE49-F238E27FC236}">
+                <a16:creationId xmlns:a16="http://schemas.microsoft.com/office/drawing/2014/main" id="{090062F3-CAB1-43B2-8FB4-3BCB80226D74}"/>
+              </a:ext>
+            </a:extLst>
+          </p:cNvPr>
+          <p:cNvSpPr>
+            <a:spLocks noGrp="1"/>
+          </p:cNvSpPr>
+          <p:nvPr>
+            <p:ph type="sldNum" idx="12"/>
+          </p:nvPr>
+        </p:nvSpPr>
+        <p:spPr/>
+        <p:txBody>
+          <a:bodyPr/>
+          <a:lstStyle/>
+          <a:p>
+            <a:pPr>
+              <a:defRPr/>
+            </a:pPr>
+            <a:fld id="{5ADDA12D-926A-4457-9E04-5FDF150FC22F}" type="slidenum">
+              <a:rPr lang="en-US" altLang="en-US" smtClean="0"/>
+              <a:pPr>
+                <a:defRPr/>
+              </a:pPr>
+              <a:t>3</a:t>
+            </a:fld>
+            <a:endParaRPr lang="en-US" altLang="en-US" dirty="0"/>
+          </a:p>
+        </p:txBody>
+      </p:sp>
     </p:spTree>
   </p:cSld>
   <p:clrMapOvr>
@@ -20232,6 +22927,106 @@
           </a:p>
         </p:txBody>
       </p:sp>
+      <p:sp>
+        <p:nvSpPr>
+          <p:cNvPr id="2" name="Date Placeholder 1">
+            <a:extLst>
+              <a:ext uri="{FF2B5EF4-FFF2-40B4-BE49-F238E27FC236}">
+                <a16:creationId xmlns:a16="http://schemas.microsoft.com/office/drawing/2014/main" id="{CE810101-FA50-4641-AB40-0738F4D8714F}"/>
+              </a:ext>
+            </a:extLst>
+          </p:cNvPr>
+          <p:cNvSpPr>
+            <a:spLocks noGrp="1"/>
+          </p:cNvSpPr>
+          <p:nvPr>
+            <p:ph type="dt" idx="10"/>
+          </p:nvPr>
+        </p:nvSpPr>
+        <p:spPr/>
+        <p:txBody>
+          <a:bodyPr/>
+          <a:lstStyle/>
+          <a:p>
+            <a:pPr>
+              <a:defRPr/>
+            </a:pPr>
+            <a:endParaRPr lang="en-US" altLang="en-US" dirty="0"/>
+          </a:p>
+        </p:txBody>
+      </p:sp>
+      <p:sp>
+        <p:nvSpPr>
+          <p:cNvPr id="3" name="Footer Placeholder 2">
+            <a:extLst>
+              <a:ext uri="{FF2B5EF4-FFF2-40B4-BE49-F238E27FC236}">
+                <a16:creationId xmlns:a16="http://schemas.microsoft.com/office/drawing/2014/main" id="{54B8E1D2-D6A7-4AF2-9CB0-C3B6E056A44C}"/>
+              </a:ext>
+            </a:extLst>
+          </p:cNvPr>
+          <p:cNvSpPr>
+            <a:spLocks noGrp="1"/>
+          </p:cNvSpPr>
+          <p:nvPr>
+            <p:ph type="ftr" idx="11"/>
+          </p:nvPr>
+        </p:nvSpPr>
+        <p:spPr/>
+        <p:txBody>
+          <a:bodyPr/>
+          <a:lstStyle/>
+          <a:p>
+            <a:pPr>
+              <a:defRPr/>
+            </a:pPr>
+            <a:r>
+              <a:rPr lang="en-US"/>
+              <a:t>(c) P Pawar - SUNY Korea, R Banerjee, P Fodor - SBU - CSE 216, Elsevier, Norbert zeh – dalhousi university</a:t>
+            </a:r>
+          </a:p>
+          <a:p>
+            <a:pPr>
+              <a:defRPr/>
+            </a:pPr>
+            <a:endParaRPr lang="en-US" altLang="en-US" dirty="0"/>
+          </a:p>
+        </p:txBody>
+      </p:sp>
+      <p:sp>
+        <p:nvSpPr>
+          <p:cNvPr id="4" name="Slide Number Placeholder 3">
+            <a:extLst>
+              <a:ext uri="{FF2B5EF4-FFF2-40B4-BE49-F238E27FC236}">
+                <a16:creationId xmlns:a16="http://schemas.microsoft.com/office/drawing/2014/main" id="{348AE1CD-B7C7-41D7-8461-CD0F6000C347}"/>
+              </a:ext>
+            </a:extLst>
+          </p:cNvPr>
+          <p:cNvSpPr>
+            <a:spLocks noGrp="1"/>
+          </p:cNvSpPr>
+          <p:nvPr>
+            <p:ph type="sldNum" idx="12"/>
+          </p:nvPr>
+        </p:nvSpPr>
+        <p:spPr/>
+        <p:txBody>
+          <a:bodyPr/>
+          <a:lstStyle/>
+          <a:p>
+            <a:pPr>
+              <a:defRPr/>
+            </a:pPr>
+            <a:fld id="{5ADDA12D-926A-4457-9E04-5FDF150FC22F}" type="slidenum">
+              <a:rPr lang="en-US" altLang="en-US" smtClean="0"/>
+              <a:pPr>
+                <a:defRPr/>
+              </a:pPr>
+              <a:t>30</a:t>
+            </a:fld>
+            <a:endParaRPr lang="en-US" altLang="en-US" dirty="0"/>
+          </a:p>
+        </p:txBody>
+      </p:sp>
     </p:spTree>
   </p:cSld>
   <p:clrMapOvr>
@@ -20873,6 +23668,106 @@
               </a:rPr>
               <a:t>They can be of arbitrary length. The end of a string is denoted by NULL (which is ‘\0’).</a:t>
             </a:r>
+          </a:p>
+        </p:txBody>
+      </p:sp>
+      <p:sp>
+        <p:nvSpPr>
+          <p:cNvPr id="2" name="Date Placeholder 1">
+            <a:extLst>
+              <a:ext uri="{FF2B5EF4-FFF2-40B4-BE49-F238E27FC236}">
+                <a16:creationId xmlns:a16="http://schemas.microsoft.com/office/drawing/2014/main" id="{BA599310-F4D6-465E-8DB7-C87DC1929F64}"/>
+              </a:ext>
+            </a:extLst>
+          </p:cNvPr>
+          <p:cNvSpPr>
+            <a:spLocks noGrp="1"/>
+          </p:cNvSpPr>
+          <p:nvPr>
+            <p:ph type="dt" idx="10"/>
+          </p:nvPr>
+        </p:nvSpPr>
+        <p:spPr/>
+        <p:txBody>
+          <a:bodyPr/>
+          <a:lstStyle/>
+          <a:p>
+            <a:pPr>
+              <a:defRPr/>
+            </a:pPr>
+            <a:endParaRPr lang="en-US" altLang="en-US" dirty="0"/>
+          </a:p>
+        </p:txBody>
+      </p:sp>
+      <p:sp>
+        <p:nvSpPr>
+          <p:cNvPr id="3" name="Footer Placeholder 2">
+            <a:extLst>
+              <a:ext uri="{FF2B5EF4-FFF2-40B4-BE49-F238E27FC236}">
+                <a16:creationId xmlns:a16="http://schemas.microsoft.com/office/drawing/2014/main" id="{1DBC4359-5E7A-4655-A2BF-18C78B2BA158}"/>
+              </a:ext>
+            </a:extLst>
+          </p:cNvPr>
+          <p:cNvSpPr>
+            <a:spLocks noGrp="1"/>
+          </p:cNvSpPr>
+          <p:nvPr>
+            <p:ph type="ftr" idx="11"/>
+          </p:nvPr>
+        </p:nvSpPr>
+        <p:spPr/>
+        <p:txBody>
+          <a:bodyPr/>
+          <a:lstStyle/>
+          <a:p>
+            <a:pPr>
+              <a:defRPr/>
+            </a:pPr>
+            <a:r>
+              <a:rPr lang="en-US"/>
+              <a:t>(c) P Pawar - SUNY Korea, R Banerjee, P Fodor - SBU - CSE 216, Elsevier, Norbert zeh – dalhousi university</a:t>
+            </a:r>
+          </a:p>
+          <a:p>
+            <a:pPr>
+              <a:defRPr/>
+            </a:pPr>
+            <a:endParaRPr lang="en-US" altLang="en-US" dirty="0"/>
+          </a:p>
+        </p:txBody>
+      </p:sp>
+      <p:sp>
+        <p:nvSpPr>
+          <p:cNvPr id="4" name="Slide Number Placeholder 3">
+            <a:extLst>
+              <a:ext uri="{FF2B5EF4-FFF2-40B4-BE49-F238E27FC236}">
+                <a16:creationId xmlns:a16="http://schemas.microsoft.com/office/drawing/2014/main" id="{8E34813E-C7D1-4E88-8455-9BE06073A9E4}"/>
+              </a:ext>
+            </a:extLst>
+          </p:cNvPr>
+          <p:cNvSpPr>
+            <a:spLocks noGrp="1"/>
+          </p:cNvSpPr>
+          <p:nvPr>
+            <p:ph type="sldNum" idx="12"/>
+          </p:nvPr>
+        </p:nvSpPr>
+        <p:spPr/>
+        <p:txBody>
+          <a:bodyPr/>
+          <a:lstStyle/>
+          <a:p>
+            <a:pPr>
+              <a:defRPr/>
+            </a:pPr>
+            <a:fld id="{5ADDA12D-926A-4457-9E04-5FDF150FC22F}" type="slidenum">
+              <a:rPr lang="en-US" altLang="en-US" smtClean="0"/>
+              <a:pPr>
+                <a:defRPr/>
+              </a:pPr>
+              <a:t>31</a:t>
+            </a:fld>
+            <a:endParaRPr lang="en-US" altLang="en-US" dirty="0"/>
           </a:p>
         </p:txBody>
       </p:sp>
@@ -21337,6 +24232,106 @@
           </a:prstGeom>
         </p:spPr>
       </p:pic>
+      <p:sp>
+        <p:nvSpPr>
+          <p:cNvPr id="2" name="Date Placeholder 1">
+            <a:extLst>
+              <a:ext uri="{FF2B5EF4-FFF2-40B4-BE49-F238E27FC236}">
+                <a16:creationId xmlns:a16="http://schemas.microsoft.com/office/drawing/2014/main" id="{2CB90D58-A249-4A52-8DFC-AEED8B8F1CBA}"/>
+              </a:ext>
+            </a:extLst>
+          </p:cNvPr>
+          <p:cNvSpPr>
+            <a:spLocks noGrp="1"/>
+          </p:cNvSpPr>
+          <p:nvPr>
+            <p:ph type="dt" idx="10"/>
+          </p:nvPr>
+        </p:nvSpPr>
+        <p:spPr/>
+        <p:txBody>
+          <a:bodyPr/>
+          <a:lstStyle/>
+          <a:p>
+            <a:pPr>
+              <a:defRPr/>
+            </a:pPr>
+            <a:endParaRPr lang="en-US" altLang="en-US" dirty="0"/>
+          </a:p>
+        </p:txBody>
+      </p:sp>
+      <p:sp>
+        <p:nvSpPr>
+          <p:cNvPr id="4" name="Footer Placeholder 3">
+            <a:extLst>
+              <a:ext uri="{FF2B5EF4-FFF2-40B4-BE49-F238E27FC236}">
+                <a16:creationId xmlns:a16="http://schemas.microsoft.com/office/drawing/2014/main" id="{C1182270-55C8-4426-B0C9-F966D012185E}"/>
+              </a:ext>
+            </a:extLst>
+          </p:cNvPr>
+          <p:cNvSpPr>
+            <a:spLocks noGrp="1"/>
+          </p:cNvSpPr>
+          <p:nvPr>
+            <p:ph type="ftr" idx="11"/>
+          </p:nvPr>
+        </p:nvSpPr>
+        <p:spPr/>
+        <p:txBody>
+          <a:bodyPr/>
+          <a:lstStyle/>
+          <a:p>
+            <a:pPr>
+              <a:defRPr/>
+            </a:pPr>
+            <a:r>
+              <a:rPr lang="en-US"/>
+              <a:t>(c) P Pawar - SUNY Korea, R Banerjee, P Fodor - SBU - CSE 216, Elsevier, Norbert zeh – dalhousi university</a:t>
+            </a:r>
+          </a:p>
+          <a:p>
+            <a:pPr>
+              <a:defRPr/>
+            </a:pPr>
+            <a:endParaRPr lang="en-US" altLang="en-US" dirty="0"/>
+          </a:p>
+        </p:txBody>
+      </p:sp>
+      <p:sp>
+        <p:nvSpPr>
+          <p:cNvPr id="5" name="Slide Number Placeholder 4">
+            <a:extLst>
+              <a:ext uri="{FF2B5EF4-FFF2-40B4-BE49-F238E27FC236}">
+                <a16:creationId xmlns:a16="http://schemas.microsoft.com/office/drawing/2014/main" id="{1290AFE9-ADD6-414F-AA93-3AD558E4804A}"/>
+              </a:ext>
+            </a:extLst>
+          </p:cNvPr>
+          <p:cNvSpPr>
+            <a:spLocks noGrp="1"/>
+          </p:cNvSpPr>
+          <p:nvPr>
+            <p:ph type="sldNum" idx="12"/>
+          </p:nvPr>
+        </p:nvSpPr>
+        <p:spPr/>
+        <p:txBody>
+          <a:bodyPr/>
+          <a:lstStyle/>
+          <a:p>
+            <a:pPr>
+              <a:defRPr/>
+            </a:pPr>
+            <a:fld id="{5ADDA12D-926A-4457-9E04-5FDF150FC22F}" type="slidenum">
+              <a:rPr lang="en-US" altLang="en-US" smtClean="0"/>
+              <a:pPr>
+                <a:defRPr/>
+              </a:pPr>
+              <a:t>32</a:t>
+            </a:fld>
+            <a:endParaRPr lang="en-US" altLang="en-US" dirty="0"/>
+          </a:p>
+        </p:txBody>
+      </p:sp>
     </p:spTree>
     <p:extLst>
       <p:ext uri="{BB962C8B-B14F-4D97-AF65-F5344CB8AC3E}">
@@ -21881,6 +24876,106 @@
           </a:prstGeom>
         </p:spPr>
       </p:pic>
+      <p:sp>
+        <p:nvSpPr>
+          <p:cNvPr id="3" name="Date Placeholder 2">
+            <a:extLst>
+              <a:ext uri="{FF2B5EF4-FFF2-40B4-BE49-F238E27FC236}">
+                <a16:creationId xmlns:a16="http://schemas.microsoft.com/office/drawing/2014/main" id="{F73F81F5-DB59-442E-A827-C27FD5DE58C2}"/>
+              </a:ext>
+            </a:extLst>
+          </p:cNvPr>
+          <p:cNvSpPr>
+            <a:spLocks noGrp="1"/>
+          </p:cNvSpPr>
+          <p:nvPr>
+            <p:ph type="dt" idx="10"/>
+          </p:nvPr>
+        </p:nvSpPr>
+        <p:spPr/>
+        <p:txBody>
+          <a:bodyPr/>
+          <a:lstStyle/>
+          <a:p>
+            <a:pPr>
+              <a:defRPr/>
+            </a:pPr>
+            <a:endParaRPr lang="en-US" altLang="en-US" dirty="0"/>
+          </a:p>
+        </p:txBody>
+      </p:sp>
+      <p:sp>
+        <p:nvSpPr>
+          <p:cNvPr id="4" name="Footer Placeholder 3">
+            <a:extLst>
+              <a:ext uri="{FF2B5EF4-FFF2-40B4-BE49-F238E27FC236}">
+                <a16:creationId xmlns:a16="http://schemas.microsoft.com/office/drawing/2014/main" id="{170BE041-E90F-4563-8D16-8BA0A88558DA}"/>
+              </a:ext>
+            </a:extLst>
+          </p:cNvPr>
+          <p:cNvSpPr>
+            <a:spLocks noGrp="1"/>
+          </p:cNvSpPr>
+          <p:nvPr>
+            <p:ph type="ftr" idx="11"/>
+          </p:nvPr>
+        </p:nvSpPr>
+        <p:spPr/>
+        <p:txBody>
+          <a:bodyPr/>
+          <a:lstStyle/>
+          <a:p>
+            <a:pPr>
+              <a:defRPr/>
+            </a:pPr>
+            <a:r>
+              <a:rPr lang="en-US"/>
+              <a:t>(c) P Pawar - SUNY Korea, R Banerjee, P Fodor - SBU - CSE 216, Elsevier, Norbert zeh – dalhousi university</a:t>
+            </a:r>
+          </a:p>
+          <a:p>
+            <a:pPr>
+              <a:defRPr/>
+            </a:pPr>
+            <a:endParaRPr lang="en-US" altLang="en-US" dirty="0"/>
+          </a:p>
+        </p:txBody>
+      </p:sp>
+      <p:sp>
+        <p:nvSpPr>
+          <p:cNvPr id="5" name="Slide Number Placeholder 4">
+            <a:extLst>
+              <a:ext uri="{FF2B5EF4-FFF2-40B4-BE49-F238E27FC236}">
+                <a16:creationId xmlns:a16="http://schemas.microsoft.com/office/drawing/2014/main" id="{67ED22F7-EB87-4BED-9583-9EA3BF763C67}"/>
+              </a:ext>
+            </a:extLst>
+          </p:cNvPr>
+          <p:cNvSpPr>
+            <a:spLocks noGrp="1"/>
+          </p:cNvSpPr>
+          <p:nvPr>
+            <p:ph type="sldNum" idx="12"/>
+          </p:nvPr>
+        </p:nvSpPr>
+        <p:spPr/>
+        <p:txBody>
+          <a:bodyPr/>
+          <a:lstStyle/>
+          <a:p>
+            <a:pPr>
+              <a:defRPr/>
+            </a:pPr>
+            <a:fld id="{5ADDA12D-926A-4457-9E04-5FDF150FC22F}" type="slidenum">
+              <a:rPr lang="en-US" altLang="en-US" smtClean="0"/>
+              <a:pPr>
+                <a:defRPr/>
+              </a:pPr>
+              <a:t>33</a:t>
+            </a:fld>
+            <a:endParaRPr lang="en-US" altLang="en-US" dirty="0"/>
+          </a:p>
+        </p:txBody>
+      </p:sp>
     </p:spTree>
     <p:extLst>
       <p:ext uri="{BB962C8B-B14F-4D97-AF65-F5344CB8AC3E}">
@@ -22558,6 +25653,106 @@
           </a:p>
         </p:txBody>
       </p:sp>
+      <p:sp>
+        <p:nvSpPr>
+          <p:cNvPr id="2" name="Date Placeholder 1">
+            <a:extLst>
+              <a:ext uri="{FF2B5EF4-FFF2-40B4-BE49-F238E27FC236}">
+                <a16:creationId xmlns:a16="http://schemas.microsoft.com/office/drawing/2014/main" id="{6188B708-FF61-4817-A178-95EAB57D1E05}"/>
+              </a:ext>
+            </a:extLst>
+          </p:cNvPr>
+          <p:cNvSpPr>
+            <a:spLocks noGrp="1"/>
+          </p:cNvSpPr>
+          <p:nvPr>
+            <p:ph type="dt" idx="10"/>
+          </p:nvPr>
+        </p:nvSpPr>
+        <p:spPr/>
+        <p:txBody>
+          <a:bodyPr/>
+          <a:lstStyle/>
+          <a:p>
+            <a:pPr>
+              <a:defRPr/>
+            </a:pPr>
+            <a:endParaRPr lang="en-US" altLang="en-US" dirty="0"/>
+          </a:p>
+        </p:txBody>
+      </p:sp>
+      <p:sp>
+        <p:nvSpPr>
+          <p:cNvPr id="3" name="Footer Placeholder 2">
+            <a:extLst>
+              <a:ext uri="{FF2B5EF4-FFF2-40B4-BE49-F238E27FC236}">
+                <a16:creationId xmlns:a16="http://schemas.microsoft.com/office/drawing/2014/main" id="{89E1AF94-1425-4165-995E-94AA86CD9536}"/>
+              </a:ext>
+            </a:extLst>
+          </p:cNvPr>
+          <p:cNvSpPr>
+            <a:spLocks noGrp="1"/>
+          </p:cNvSpPr>
+          <p:nvPr>
+            <p:ph type="ftr" idx="11"/>
+          </p:nvPr>
+        </p:nvSpPr>
+        <p:spPr/>
+        <p:txBody>
+          <a:bodyPr/>
+          <a:lstStyle/>
+          <a:p>
+            <a:pPr>
+              <a:defRPr/>
+            </a:pPr>
+            <a:r>
+              <a:rPr lang="en-US"/>
+              <a:t>(c) P Pawar - SUNY Korea, R Banerjee, P Fodor - SBU - CSE 216, Elsevier, Norbert zeh – dalhousi university</a:t>
+            </a:r>
+          </a:p>
+          <a:p>
+            <a:pPr>
+              <a:defRPr/>
+            </a:pPr>
+            <a:endParaRPr lang="en-US" altLang="en-US" dirty="0"/>
+          </a:p>
+        </p:txBody>
+      </p:sp>
+      <p:sp>
+        <p:nvSpPr>
+          <p:cNvPr id="4" name="Slide Number Placeholder 3">
+            <a:extLst>
+              <a:ext uri="{FF2B5EF4-FFF2-40B4-BE49-F238E27FC236}">
+                <a16:creationId xmlns:a16="http://schemas.microsoft.com/office/drawing/2014/main" id="{725F1C87-310C-42FB-A36C-31432E6B9F07}"/>
+              </a:ext>
+            </a:extLst>
+          </p:cNvPr>
+          <p:cNvSpPr>
+            <a:spLocks noGrp="1"/>
+          </p:cNvSpPr>
+          <p:nvPr>
+            <p:ph type="sldNum" idx="12"/>
+          </p:nvPr>
+        </p:nvSpPr>
+        <p:spPr/>
+        <p:txBody>
+          <a:bodyPr/>
+          <a:lstStyle/>
+          <a:p>
+            <a:pPr>
+              <a:defRPr/>
+            </a:pPr>
+            <a:fld id="{5ADDA12D-926A-4457-9E04-5FDF150FC22F}" type="slidenum">
+              <a:rPr lang="en-US" altLang="en-US" smtClean="0"/>
+              <a:pPr>
+                <a:defRPr/>
+              </a:pPr>
+              <a:t>34</a:t>
+            </a:fld>
+            <a:endParaRPr lang="en-US" altLang="en-US" dirty="0"/>
+          </a:p>
+        </p:txBody>
+      </p:sp>
     </p:spTree>
   </p:cSld>
   <p:clrMapOvr>
@@ -23214,6 +26409,106 @@
               <a:cs typeface="Courier New" panose="02070309020205020404" pitchFamily="49" charset="0"/>
               <a:sym typeface="Times New Roman" panose="02020603050405020304" pitchFamily="18" charset="0"/>
             </a:endParaRPr>
+          </a:p>
+        </p:txBody>
+      </p:sp>
+      <p:sp>
+        <p:nvSpPr>
+          <p:cNvPr id="2" name="Date Placeholder 1">
+            <a:extLst>
+              <a:ext uri="{FF2B5EF4-FFF2-40B4-BE49-F238E27FC236}">
+                <a16:creationId xmlns:a16="http://schemas.microsoft.com/office/drawing/2014/main" id="{96AC07D8-55F8-472D-B4EE-CF6E3C42D4BA}"/>
+              </a:ext>
+            </a:extLst>
+          </p:cNvPr>
+          <p:cNvSpPr>
+            <a:spLocks noGrp="1"/>
+          </p:cNvSpPr>
+          <p:nvPr>
+            <p:ph type="dt" idx="10"/>
+          </p:nvPr>
+        </p:nvSpPr>
+        <p:spPr/>
+        <p:txBody>
+          <a:bodyPr/>
+          <a:lstStyle/>
+          <a:p>
+            <a:pPr>
+              <a:defRPr/>
+            </a:pPr>
+            <a:endParaRPr lang="en-US" altLang="en-US" dirty="0"/>
+          </a:p>
+        </p:txBody>
+      </p:sp>
+      <p:sp>
+        <p:nvSpPr>
+          <p:cNvPr id="3" name="Footer Placeholder 2">
+            <a:extLst>
+              <a:ext uri="{FF2B5EF4-FFF2-40B4-BE49-F238E27FC236}">
+                <a16:creationId xmlns:a16="http://schemas.microsoft.com/office/drawing/2014/main" id="{8AF6D89F-0315-4A65-98E7-7B736A4110A1}"/>
+              </a:ext>
+            </a:extLst>
+          </p:cNvPr>
+          <p:cNvSpPr>
+            <a:spLocks noGrp="1"/>
+          </p:cNvSpPr>
+          <p:nvPr>
+            <p:ph type="ftr" idx="11"/>
+          </p:nvPr>
+        </p:nvSpPr>
+        <p:spPr/>
+        <p:txBody>
+          <a:bodyPr/>
+          <a:lstStyle/>
+          <a:p>
+            <a:pPr>
+              <a:defRPr/>
+            </a:pPr>
+            <a:r>
+              <a:rPr lang="en-US"/>
+              <a:t>(c) P Pawar - SUNY Korea, R Banerjee, P Fodor - SBU - CSE 216, Elsevier, Norbert zeh – dalhousi university</a:t>
+            </a:r>
+          </a:p>
+          <a:p>
+            <a:pPr>
+              <a:defRPr/>
+            </a:pPr>
+            <a:endParaRPr lang="en-US" altLang="en-US" dirty="0"/>
+          </a:p>
+        </p:txBody>
+      </p:sp>
+      <p:sp>
+        <p:nvSpPr>
+          <p:cNvPr id="4" name="Slide Number Placeholder 3">
+            <a:extLst>
+              <a:ext uri="{FF2B5EF4-FFF2-40B4-BE49-F238E27FC236}">
+                <a16:creationId xmlns:a16="http://schemas.microsoft.com/office/drawing/2014/main" id="{4895E86E-4B79-44C1-B832-EDEC725339C1}"/>
+              </a:ext>
+            </a:extLst>
+          </p:cNvPr>
+          <p:cNvSpPr>
+            <a:spLocks noGrp="1"/>
+          </p:cNvSpPr>
+          <p:nvPr>
+            <p:ph type="sldNum" idx="12"/>
+          </p:nvPr>
+        </p:nvSpPr>
+        <p:spPr/>
+        <p:txBody>
+          <a:bodyPr/>
+          <a:lstStyle/>
+          <a:p>
+            <a:pPr>
+              <a:defRPr/>
+            </a:pPr>
+            <a:fld id="{5ADDA12D-926A-4457-9E04-5FDF150FC22F}" type="slidenum">
+              <a:rPr lang="en-US" altLang="en-US" smtClean="0"/>
+              <a:pPr>
+                <a:defRPr/>
+              </a:pPr>
+              <a:t>35</a:t>
+            </a:fld>
+            <a:endParaRPr lang="en-US" altLang="en-US" dirty="0"/>
           </a:p>
         </p:txBody>
       </p:sp>
@@ -24116,6 +27411,106 @@
           </a:prstGeom>
         </p:spPr>
       </p:pic>
+      <p:sp>
+        <p:nvSpPr>
+          <p:cNvPr id="3" name="Date Placeholder 2">
+            <a:extLst>
+              <a:ext uri="{FF2B5EF4-FFF2-40B4-BE49-F238E27FC236}">
+                <a16:creationId xmlns:a16="http://schemas.microsoft.com/office/drawing/2014/main" id="{71EC8DCC-73C8-49B8-8FA1-D33EBCBE06EF}"/>
+              </a:ext>
+            </a:extLst>
+          </p:cNvPr>
+          <p:cNvSpPr>
+            <a:spLocks noGrp="1"/>
+          </p:cNvSpPr>
+          <p:nvPr>
+            <p:ph type="dt" idx="10"/>
+          </p:nvPr>
+        </p:nvSpPr>
+        <p:spPr/>
+        <p:txBody>
+          <a:bodyPr/>
+          <a:lstStyle/>
+          <a:p>
+            <a:pPr>
+              <a:defRPr/>
+            </a:pPr>
+            <a:endParaRPr lang="en-US" altLang="en-US" dirty="0"/>
+          </a:p>
+        </p:txBody>
+      </p:sp>
+      <p:sp>
+        <p:nvSpPr>
+          <p:cNvPr id="4" name="Footer Placeholder 3">
+            <a:extLst>
+              <a:ext uri="{FF2B5EF4-FFF2-40B4-BE49-F238E27FC236}">
+                <a16:creationId xmlns:a16="http://schemas.microsoft.com/office/drawing/2014/main" id="{2382D40E-57D1-4DF5-BD96-F292FF8A999D}"/>
+              </a:ext>
+            </a:extLst>
+          </p:cNvPr>
+          <p:cNvSpPr>
+            <a:spLocks noGrp="1"/>
+          </p:cNvSpPr>
+          <p:nvPr>
+            <p:ph type="ftr" idx="11"/>
+          </p:nvPr>
+        </p:nvSpPr>
+        <p:spPr/>
+        <p:txBody>
+          <a:bodyPr/>
+          <a:lstStyle/>
+          <a:p>
+            <a:pPr>
+              <a:defRPr/>
+            </a:pPr>
+            <a:r>
+              <a:rPr lang="en-US"/>
+              <a:t>(c) P Pawar - SUNY Korea, R Banerjee, P Fodor - SBU - CSE 216, Elsevier, Norbert zeh – dalhousi university</a:t>
+            </a:r>
+          </a:p>
+          <a:p>
+            <a:pPr>
+              <a:defRPr/>
+            </a:pPr>
+            <a:endParaRPr lang="en-US" altLang="en-US" dirty="0"/>
+          </a:p>
+        </p:txBody>
+      </p:sp>
+      <p:sp>
+        <p:nvSpPr>
+          <p:cNvPr id="5" name="Slide Number Placeholder 4">
+            <a:extLst>
+              <a:ext uri="{FF2B5EF4-FFF2-40B4-BE49-F238E27FC236}">
+                <a16:creationId xmlns:a16="http://schemas.microsoft.com/office/drawing/2014/main" id="{B27088BE-CD27-46B5-97CB-9D8EFDC29F3F}"/>
+              </a:ext>
+            </a:extLst>
+          </p:cNvPr>
+          <p:cNvSpPr>
+            <a:spLocks noGrp="1"/>
+          </p:cNvSpPr>
+          <p:nvPr>
+            <p:ph type="sldNum" idx="12"/>
+          </p:nvPr>
+        </p:nvSpPr>
+        <p:spPr/>
+        <p:txBody>
+          <a:bodyPr/>
+          <a:lstStyle/>
+          <a:p>
+            <a:pPr>
+              <a:defRPr/>
+            </a:pPr>
+            <a:fld id="{5ADDA12D-926A-4457-9E04-5FDF150FC22F}" type="slidenum">
+              <a:rPr lang="en-US" altLang="en-US" smtClean="0"/>
+              <a:pPr>
+                <a:defRPr/>
+              </a:pPr>
+              <a:t>36</a:t>
+            </a:fld>
+            <a:endParaRPr lang="en-US" altLang="en-US" dirty="0"/>
+          </a:p>
+        </p:txBody>
+      </p:sp>
     </p:spTree>
   </p:cSld>
   <p:clrMapOvr>
@@ -25252,6 +28647,106 @@
           </a:p>
         </p:txBody>
       </p:sp>
+      <p:sp>
+        <p:nvSpPr>
+          <p:cNvPr id="3" name="Date Placeholder 2">
+            <a:extLst>
+              <a:ext uri="{FF2B5EF4-FFF2-40B4-BE49-F238E27FC236}">
+                <a16:creationId xmlns:a16="http://schemas.microsoft.com/office/drawing/2014/main" id="{C7CDAD16-1BC9-498A-A433-E293891FC331}"/>
+              </a:ext>
+            </a:extLst>
+          </p:cNvPr>
+          <p:cNvSpPr>
+            <a:spLocks noGrp="1"/>
+          </p:cNvSpPr>
+          <p:nvPr>
+            <p:ph type="dt" idx="10"/>
+          </p:nvPr>
+        </p:nvSpPr>
+        <p:spPr/>
+        <p:txBody>
+          <a:bodyPr/>
+          <a:lstStyle/>
+          <a:p>
+            <a:pPr>
+              <a:defRPr/>
+            </a:pPr>
+            <a:endParaRPr lang="en-US" altLang="en-US" dirty="0"/>
+          </a:p>
+        </p:txBody>
+      </p:sp>
+      <p:sp>
+        <p:nvSpPr>
+          <p:cNvPr id="4" name="Footer Placeholder 3">
+            <a:extLst>
+              <a:ext uri="{FF2B5EF4-FFF2-40B4-BE49-F238E27FC236}">
+                <a16:creationId xmlns:a16="http://schemas.microsoft.com/office/drawing/2014/main" id="{10DD7A57-7FA8-4A1F-A880-C176D48EAE9D}"/>
+              </a:ext>
+            </a:extLst>
+          </p:cNvPr>
+          <p:cNvSpPr>
+            <a:spLocks noGrp="1"/>
+          </p:cNvSpPr>
+          <p:nvPr>
+            <p:ph type="ftr" idx="11"/>
+          </p:nvPr>
+        </p:nvSpPr>
+        <p:spPr/>
+        <p:txBody>
+          <a:bodyPr/>
+          <a:lstStyle/>
+          <a:p>
+            <a:pPr>
+              <a:defRPr/>
+            </a:pPr>
+            <a:r>
+              <a:rPr lang="en-US"/>
+              <a:t>(c) P Pawar - SUNY Korea, R Banerjee, P Fodor - SBU - CSE 216, Elsevier, Norbert zeh – dalhousi university</a:t>
+            </a:r>
+          </a:p>
+          <a:p>
+            <a:pPr>
+              <a:defRPr/>
+            </a:pPr>
+            <a:endParaRPr lang="en-US" altLang="en-US" dirty="0"/>
+          </a:p>
+        </p:txBody>
+      </p:sp>
+      <p:sp>
+        <p:nvSpPr>
+          <p:cNvPr id="5" name="Slide Number Placeholder 4">
+            <a:extLst>
+              <a:ext uri="{FF2B5EF4-FFF2-40B4-BE49-F238E27FC236}">
+                <a16:creationId xmlns:a16="http://schemas.microsoft.com/office/drawing/2014/main" id="{D897F353-C9C2-49B0-BAF2-AE73A07C1E95}"/>
+              </a:ext>
+            </a:extLst>
+          </p:cNvPr>
+          <p:cNvSpPr>
+            <a:spLocks noGrp="1"/>
+          </p:cNvSpPr>
+          <p:nvPr>
+            <p:ph type="sldNum" idx="12"/>
+          </p:nvPr>
+        </p:nvSpPr>
+        <p:spPr/>
+        <p:txBody>
+          <a:bodyPr/>
+          <a:lstStyle/>
+          <a:p>
+            <a:pPr>
+              <a:defRPr/>
+            </a:pPr>
+            <a:fld id="{5ADDA12D-926A-4457-9E04-5FDF150FC22F}" type="slidenum">
+              <a:rPr lang="en-US" altLang="en-US" smtClean="0"/>
+              <a:pPr>
+                <a:defRPr/>
+              </a:pPr>
+              <a:t>37</a:t>
+            </a:fld>
+            <a:endParaRPr lang="en-US" altLang="en-US" dirty="0"/>
+          </a:p>
+        </p:txBody>
+      </p:sp>
     </p:spTree>
   </p:cSld>
   <p:clrMapOvr>
@@ -26291,6 +29786,106 @@
               <a:cs typeface="Times New Roman" panose="02020603050405020304" pitchFamily="18" charset="0"/>
               <a:sym typeface="Times New Roman" panose="02020603050405020304" pitchFamily="18" charset="0"/>
             </a:endParaRPr>
+          </a:p>
+        </p:txBody>
+      </p:sp>
+      <p:sp>
+        <p:nvSpPr>
+          <p:cNvPr id="2" name="Date Placeholder 1">
+            <a:extLst>
+              <a:ext uri="{FF2B5EF4-FFF2-40B4-BE49-F238E27FC236}">
+                <a16:creationId xmlns:a16="http://schemas.microsoft.com/office/drawing/2014/main" id="{7A81F435-2E97-4280-94E7-3C51CAD88906}"/>
+              </a:ext>
+            </a:extLst>
+          </p:cNvPr>
+          <p:cNvSpPr>
+            <a:spLocks noGrp="1"/>
+          </p:cNvSpPr>
+          <p:nvPr>
+            <p:ph type="dt" idx="10"/>
+          </p:nvPr>
+        </p:nvSpPr>
+        <p:spPr/>
+        <p:txBody>
+          <a:bodyPr/>
+          <a:lstStyle/>
+          <a:p>
+            <a:pPr>
+              <a:defRPr/>
+            </a:pPr>
+            <a:endParaRPr lang="en-US" altLang="en-US" dirty="0"/>
+          </a:p>
+        </p:txBody>
+      </p:sp>
+      <p:sp>
+        <p:nvSpPr>
+          <p:cNvPr id="3" name="Footer Placeholder 2">
+            <a:extLst>
+              <a:ext uri="{FF2B5EF4-FFF2-40B4-BE49-F238E27FC236}">
+                <a16:creationId xmlns:a16="http://schemas.microsoft.com/office/drawing/2014/main" id="{2E84A0D5-88FB-4958-A48E-5838EA9A1CD4}"/>
+              </a:ext>
+            </a:extLst>
+          </p:cNvPr>
+          <p:cNvSpPr>
+            <a:spLocks noGrp="1"/>
+          </p:cNvSpPr>
+          <p:nvPr>
+            <p:ph type="ftr" idx="11"/>
+          </p:nvPr>
+        </p:nvSpPr>
+        <p:spPr/>
+        <p:txBody>
+          <a:bodyPr/>
+          <a:lstStyle/>
+          <a:p>
+            <a:pPr>
+              <a:defRPr/>
+            </a:pPr>
+            <a:r>
+              <a:rPr lang="en-US"/>
+              <a:t>(c) P Pawar - SUNY Korea, R Banerjee, P Fodor - SBU - CSE 216, Elsevier, Norbert zeh – dalhousi university</a:t>
+            </a:r>
+          </a:p>
+          <a:p>
+            <a:pPr>
+              <a:defRPr/>
+            </a:pPr>
+            <a:endParaRPr lang="en-US" altLang="en-US" dirty="0"/>
+          </a:p>
+        </p:txBody>
+      </p:sp>
+      <p:sp>
+        <p:nvSpPr>
+          <p:cNvPr id="4" name="Slide Number Placeholder 3">
+            <a:extLst>
+              <a:ext uri="{FF2B5EF4-FFF2-40B4-BE49-F238E27FC236}">
+                <a16:creationId xmlns:a16="http://schemas.microsoft.com/office/drawing/2014/main" id="{AA943693-E0A2-42E6-AF83-F91297E0CAEF}"/>
+              </a:ext>
+            </a:extLst>
+          </p:cNvPr>
+          <p:cNvSpPr>
+            <a:spLocks noGrp="1"/>
+          </p:cNvSpPr>
+          <p:nvPr>
+            <p:ph type="sldNum" idx="12"/>
+          </p:nvPr>
+        </p:nvSpPr>
+        <p:spPr/>
+        <p:txBody>
+          <a:bodyPr/>
+          <a:lstStyle/>
+          <a:p>
+            <a:pPr>
+              <a:defRPr/>
+            </a:pPr>
+            <a:fld id="{5ADDA12D-926A-4457-9E04-5FDF150FC22F}" type="slidenum">
+              <a:rPr lang="en-US" altLang="en-US" smtClean="0"/>
+              <a:pPr>
+                <a:defRPr/>
+              </a:pPr>
+              <a:t>38</a:t>
+            </a:fld>
+            <a:endParaRPr lang="en-US" altLang="en-US" dirty="0"/>
           </a:p>
         </p:txBody>
       </p:sp>
@@ -27087,6 +30682,106 @@
               <a:cs typeface="Times New Roman" panose="02020603050405020304" pitchFamily="18" charset="0"/>
               <a:sym typeface="Times New Roman" panose="02020603050405020304" pitchFamily="18" charset="0"/>
             </a:endParaRPr>
+          </a:p>
+        </p:txBody>
+      </p:sp>
+      <p:sp>
+        <p:nvSpPr>
+          <p:cNvPr id="2" name="Date Placeholder 1">
+            <a:extLst>
+              <a:ext uri="{FF2B5EF4-FFF2-40B4-BE49-F238E27FC236}">
+                <a16:creationId xmlns:a16="http://schemas.microsoft.com/office/drawing/2014/main" id="{BB36E052-B5AE-4858-8C12-B55E878F6827}"/>
+              </a:ext>
+            </a:extLst>
+          </p:cNvPr>
+          <p:cNvSpPr>
+            <a:spLocks noGrp="1"/>
+          </p:cNvSpPr>
+          <p:nvPr>
+            <p:ph type="dt" idx="10"/>
+          </p:nvPr>
+        </p:nvSpPr>
+        <p:spPr/>
+        <p:txBody>
+          <a:bodyPr/>
+          <a:lstStyle/>
+          <a:p>
+            <a:pPr>
+              <a:defRPr/>
+            </a:pPr>
+            <a:endParaRPr lang="en-US" altLang="en-US" dirty="0"/>
+          </a:p>
+        </p:txBody>
+      </p:sp>
+      <p:sp>
+        <p:nvSpPr>
+          <p:cNvPr id="3" name="Footer Placeholder 2">
+            <a:extLst>
+              <a:ext uri="{FF2B5EF4-FFF2-40B4-BE49-F238E27FC236}">
+                <a16:creationId xmlns:a16="http://schemas.microsoft.com/office/drawing/2014/main" id="{7362837B-30F8-4FE9-8036-DE142DB11637}"/>
+              </a:ext>
+            </a:extLst>
+          </p:cNvPr>
+          <p:cNvSpPr>
+            <a:spLocks noGrp="1"/>
+          </p:cNvSpPr>
+          <p:nvPr>
+            <p:ph type="ftr" idx="11"/>
+          </p:nvPr>
+        </p:nvSpPr>
+        <p:spPr/>
+        <p:txBody>
+          <a:bodyPr/>
+          <a:lstStyle/>
+          <a:p>
+            <a:pPr>
+              <a:defRPr/>
+            </a:pPr>
+            <a:r>
+              <a:rPr lang="en-US"/>
+              <a:t>(c) P Pawar - SUNY Korea, R Banerjee, P Fodor - SBU - CSE 216, Elsevier, Norbert zeh – dalhousi university</a:t>
+            </a:r>
+          </a:p>
+          <a:p>
+            <a:pPr>
+              <a:defRPr/>
+            </a:pPr>
+            <a:endParaRPr lang="en-US" altLang="en-US" dirty="0"/>
+          </a:p>
+        </p:txBody>
+      </p:sp>
+      <p:sp>
+        <p:nvSpPr>
+          <p:cNvPr id="4" name="Slide Number Placeholder 3">
+            <a:extLst>
+              <a:ext uri="{FF2B5EF4-FFF2-40B4-BE49-F238E27FC236}">
+                <a16:creationId xmlns:a16="http://schemas.microsoft.com/office/drawing/2014/main" id="{2A8C3EA1-4973-4A07-95AA-025293A04C3A}"/>
+              </a:ext>
+            </a:extLst>
+          </p:cNvPr>
+          <p:cNvSpPr>
+            <a:spLocks noGrp="1"/>
+          </p:cNvSpPr>
+          <p:nvPr>
+            <p:ph type="sldNum" idx="12"/>
+          </p:nvPr>
+        </p:nvSpPr>
+        <p:spPr/>
+        <p:txBody>
+          <a:bodyPr/>
+          <a:lstStyle/>
+          <a:p>
+            <a:pPr>
+              <a:defRPr/>
+            </a:pPr>
+            <a:fld id="{5ADDA12D-926A-4457-9E04-5FDF150FC22F}" type="slidenum">
+              <a:rPr lang="en-US" altLang="en-US" smtClean="0"/>
+              <a:pPr>
+                <a:defRPr/>
+              </a:pPr>
+              <a:t>39</a:t>
+            </a:fld>
+            <a:endParaRPr lang="en-US" altLang="en-US" dirty="0"/>
           </a:p>
         </p:txBody>
       </p:sp>
@@ -27507,6 +31202,106 @@
           </a:extLst>
         </p:spPr>
       </p:pic>
+      <p:sp>
+        <p:nvSpPr>
+          <p:cNvPr id="2" name="Date Placeholder 1">
+            <a:extLst>
+              <a:ext uri="{FF2B5EF4-FFF2-40B4-BE49-F238E27FC236}">
+                <a16:creationId xmlns:a16="http://schemas.microsoft.com/office/drawing/2014/main" id="{27D37792-12D2-495A-A319-0A4FF22F7FFB}"/>
+              </a:ext>
+            </a:extLst>
+          </p:cNvPr>
+          <p:cNvSpPr>
+            <a:spLocks noGrp="1"/>
+          </p:cNvSpPr>
+          <p:nvPr>
+            <p:ph type="dt" idx="10"/>
+          </p:nvPr>
+        </p:nvSpPr>
+        <p:spPr/>
+        <p:txBody>
+          <a:bodyPr/>
+          <a:lstStyle/>
+          <a:p>
+            <a:pPr>
+              <a:defRPr/>
+            </a:pPr>
+            <a:endParaRPr lang="en-US" altLang="en-US" dirty="0"/>
+          </a:p>
+        </p:txBody>
+      </p:sp>
+      <p:sp>
+        <p:nvSpPr>
+          <p:cNvPr id="3" name="Footer Placeholder 2">
+            <a:extLst>
+              <a:ext uri="{FF2B5EF4-FFF2-40B4-BE49-F238E27FC236}">
+                <a16:creationId xmlns:a16="http://schemas.microsoft.com/office/drawing/2014/main" id="{B72BB62E-1785-4607-BCD1-24F1641800E2}"/>
+              </a:ext>
+            </a:extLst>
+          </p:cNvPr>
+          <p:cNvSpPr>
+            <a:spLocks noGrp="1"/>
+          </p:cNvSpPr>
+          <p:nvPr>
+            <p:ph type="ftr" idx="11"/>
+          </p:nvPr>
+        </p:nvSpPr>
+        <p:spPr/>
+        <p:txBody>
+          <a:bodyPr/>
+          <a:lstStyle/>
+          <a:p>
+            <a:pPr>
+              <a:defRPr/>
+            </a:pPr>
+            <a:r>
+              <a:rPr lang="en-US"/>
+              <a:t>(c) P Pawar - SUNY Korea, R Banerjee, P Fodor - SBU - CSE 216, Elsevier, Norbert zeh – dalhousi university</a:t>
+            </a:r>
+          </a:p>
+          <a:p>
+            <a:pPr>
+              <a:defRPr/>
+            </a:pPr>
+            <a:endParaRPr lang="en-US" altLang="en-US" dirty="0"/>
+          </a:p>
+        </p:txBody>
+      </p:sp>
+      <p:sp>
+        <p:nvSpPr>
+          <p:cNvPr id="4" name="Slide Number Placeholder 3">
+            <a:extLst>
+              <a:ext uri="{FF2B5EF4-FFF2-40B4-BE49-F238E27FC236}">
+                <a16:creationId xmlns:a16="http://schemas.microsoft.com/office/drawing/2014/main" id="{19C0DF87-F442-46B1-99D5-9D0209B79866}"/>
+              </a:ext>
+            </a:extLst>
+          </p:cNvPr>
+          <p:cNvSpPr>
+            <a:spLocks noGrp="1"/>
+          </p:cNvSpPr>
+          <p:nvPr>
+            <p:ph type="sldNum" idx="12"/>
+          </p:nvPr>
+        </p:nvSpPr>
+        <p:spPr/>
+        <p:txBody>
+          <a:bodyPr/>
+          <a:lstStyle/>
+          <a:p>
+            <a:pPr>
+              <a:defRPr/>
+            </a:pPr>
+            <a:fld id="{5ADDA12D-926A-4457-9E04-5FDF150FC22F}" type="slidenum">
+              <a:rPr lang="en-US" altLang="en-US" smtClean="0"/>
+              <a:pPr>
+                <a:defRPr/>
+              </a:pPr>
+              <a:t>4</a:t>
+            </a:fld>
+            <a:endParaRPr lang="en-US" altLang="en-US" dirty="0"/>
+          </a:p>
+        </p:txBody>
+      </p:sp>
     </p:spTree>
   </p:cSld>
   <p:clrMapOvr>
@@ -27515,6 +31310,3398 @@
   <p:transition spd="slow">
     <p:cut/>
   </p:transition>
+</p:sld>
+</file>
+
+<file path=ppt/slides/slide40.xml><?xml version="1.0" encoding="utf-8"?>
+<p:sld xmlns:a="http://schemas.openxmlformats.org/drawingml/2006/main" xmlns:r="http://schemas.openxmlformats.org/officeDocument/2006/relationships" xmlns:p="http://schemas.openxmlformats.org/presentationml/2006/main">
+  <p:cSld>
+    <p:spTree>
+      <p:nvGrpSpPr>
+        <p:cNvPr id="1" name=""/>
+        <p:cNvGrpSpPr/>
+        <p:nvPr/>
+      </p:nvGrpSpPr>
+      <p:grpSpPr>
+        <a:xfrm>
+          <a:off x="0" y="0"/>
+          <a:ext cx="0" cy="0"/>
+          <a:chOff x="0" y="0"/>
+          <a:chExt cx="0" cy="0"/>
+        </a:xfrm>
+      </p:grpSpPr>
+      <p:sp>
+        <p:nvSpPr>
+          <p:cNvPr id="63491" name="Shape 164">
+            <a:extLst>
+              <a:ext uri="{FF2B5EF4-FFF2-40B4-BE49-F238E27FC236}">
+                <a16:creationId xmlns:a16="http://schemas.microsoft.com/office/drawing/2014/main" id="{6C415BBE-8224-4DD8-87D4-C84B09DE47E1}"/>
+              </a:ext>
+            </a:extLst>
+          </p:cNvPr>
+          <p:cNvSpPr>
+            <a:spLocks noChangeArrowheads="1"/>
+          </p:cNvSpPr>
+          <p:nvPr/>
+        </p:nvSpPr>
+        <p:spPr bwMode="auto">
+          <a:xfrm>
+            <a:off x="0" y="6781800"/>
+            <a:ext cx="8991600" cy="76200"/>
+          </a:xfrm>
+          <a:prstGeom prst="rect">
+            <a:avLst/>
+          </a:prstGeom>
+          <a:solidFill>
+            <a:srgbClr val="B2B2B4"/>
+          </a:solidFill>
+          <a:ln>
+            <a:noFill/>
+          </a:ln>
+          <a:extLst>
+            <a:ext uri="{91240B29-F687-4F45-9708-019B960494DF}">
+              <a14:hiddenLine xmlns:a14="http://schemas.microsoft.com/office/drawing/2010/main" w="9525">
+                <a:solidFill>
+                  <a:srgbClr val="000000"/>
+                </a:solidFill>
+                <a:miter lim="800000"/>
+                <a:headEnd/>
+                <a:tailEnd/>
+              </a14:hiddenLine>
+            </a:ext>
+          </a:extLst>
+        </p:spPr>
+        <p:txBody>
+          <a:bodyPr lIns="0" tIns="0" rIns="0" bIns="0"/>
+          <a:lstStyle>
+            <a:lvl1pPr>
+              <a:defRPr sz="1400">
+                <a:solidFill>
+                  <a:srgbClr val="000000"/>
+                </a:solidFill>
+                <a:latin typeface="Arial" panose="020B0604020202020204" pitchFamily="34" charset="0"/>
+                <a:cs typeface="Arial" panose="020B0604020202020204" pitchFamily="34" charset="0"/>
+                <a:sym typeface="Arial" panose="020B0604020202020204" pitchFamily="34" charset="0"/>
+              </a:defRPr>
+            </a:lvl1pPr>
+            <a:lvl2pPr marL="742950" indent="-285750">
+              <a:defRPr sz="1400">
+                <a:solidFill>
+                  <a:srgbClr val="000000"/>
+                </a:solidFill>
+                <a:latin typeface="Arial" panose="020B0604020202020204" pitchFamily="34" charset="0"/>
+                <a:cs typeface="Arial" panose="020B0604020202020204" pitchFamily="34" charset="0"/>
+                <a:sym typeface="Arial" panose="020B0604020202020204" pitchFamily="34" charset="0"/>
+              </a:defRPr>
+            </a:lvl2pPr>
+            <a:lvl3pPr marL="1143000" indent="-228600">
+              <a:defRPr sz="1400">
+                <a:solidFill>
+                  <a:srgbClr val="000000"/>
+                </a:solidFill>
+                <a:latin typeface="Arial" panose="020B0604020202020204" pitchFamily="34" charset="0"/>
+                <a:cs typeface="Arial" panose="020B0604020202020204" pitchFamily="34" charset="0"/>
+                <a:sym typeface="Arial" panose="020B0604020202020204" pitchFamily="34" charset="0"/>
+              </a:defRPr>
+            </a:lvl3pPr>
+            <a:lvl4pPr marL="1600200" indent="-228600">
+              <a:defRPr sz="1400">
+                <a:solidFill>
+                  <a:srgbClr val="000000"/>
+                </a:solidFill>
+                <a:latin typeface="Arial" panose="020B0604020202020204" pitchFamily="34" charset="0"/>
+                <a:cs typeface="Arial" panose="020B0604020202020204" pitchFamily="34" charset="0"/>
+                <a:sym typeface="Arial" panose="020B0604020202020204" pitchFamily="34" charset="0"/>
+              </a:defRPr>
+            </a:lvl4pPr>
+            <a:lvl5pPr marL="2057400" indent="-228600">
+              <a:defRPr sz="1400">
+                <a:solidFill>
+                  <a:srgbClr val="000000"/>
+                </a:solidFill>
+                <a:latin typeface="Arial" panose="020B0604020202020204" pitchFamily="34" charset="0"/>
+                <a:cs typeface="Arial" panose="020B0604020202020204" pitchFamily="34" charset="0"/>
+                <a:sym typeface="Arial" panose="020B0604020202020204" pitchFamily="34" charset="0"/>
+              </a:defRPr>
+            </a:lvl5pPr>
+            <a:lvl6pPr marL="2514600" indent="-228600" eaLnBrk="0" fontAlgn="base" hangingPunct="0">
+              <a:spcBef>
+                <a:spcPct val="0"/>
+              </a:spcBef>
+              <a:spcAft>
+                <a:spcPct val="0"/>
+              </a:spcAft>
+              <a:defRPr sz="1400">
+                <a:solidFill>
+                  <a:srgbClr val="000000"/>
+                </a:solidFill>
+                <a:latin typeface="Arial" panose="020B0604020202020204" pitchFamily="34" charset="0"/>
+                <a:cs typeface="Arial" panose="020B0604020202020204" pitchFamily="34" charset="0"/>
+                <a:sym typeface="Arial" panose="020B0604020202020204" pitchFamily="34" charset="0"/>
+              </a:defRPr>
+            </a:lvl6pPr>
+            <a:lvl7pPr marL="2971800" indent="-228600" eaLnBrk="0" fontAlgn="base" hangingPunct="0">
+              <a:spcBef>
+                <a:spcPct val="0"/>
+              </a:spcBef>
+              <a:spcAft>
+                <a:spcPct val="0"/>
+              </a:spcAft>
+              <a:defRPr sz="1400">
+                <a:solidFill>
+                  <a:srgbClr val="000000"/>
+                </a:solidFill>
+                <a:latin typeface="Arial" panose="020B0604020202020204" pitchFamily="34" charset="0"/>
+                <a:cs typeface="Arial" panose="020B0604020202020204" pitchFamily="34" charset="0"/>
+                <a:sym typeface="Arial" panose="020B0604020202020204" pitchFamily="34" charset="0"/>
+              </a:defRPr>
+            </a:lvl7pPr>
+            <a:lvl8pPr marL="3429000" indent="-228600" eaLnBrk="0" fontAlgn="base" hangingPunct="0">
+              <a:spcBef>
+                <a:spcPct val="0"/>
+              </a:spcBef>
+              <a:spcAft>
+                <a:spcPct val="0"/>
+              </a:spcAft>
+              <a:defRPr sz="1400">
+                <a:solidFill>
+                  <a:srgbClr val="000000"/>
+                </a:solidFill>
+                <a:latin typeface="Arial" panose="020B0604020202020204" pitchFamily="34" charset="0"/>
+                <a:cs typeface="Arial" panose="020B0604020202020204" pitchFamily="34" charset="0"/>
+                <a:sym typeface="Arial" panose="020B0604020202020204" pitchFamily="34" charset="0"/>
+              </a:defRPr>
+            </a:lvl8pPr>
+            <a:lvl9pPr marL="3886200" indent="-228600" eaLnBrk="0" fontAlgn="base" hangingPunct="0">
+              <a:spcBef>
+                <a:spcPct val="0"/>
+              </a:spcBef>
+              <a:spcAft>
+                <a:spcPct val="0"/>
+              </a:spcAft>
+              <a:defRPr sz="1400">
+                <a:solidFill>
+                  <a:srgbClr val="000000"/>
+                </a:solidFill>
+                <a:latin typeface="Arial" panose="020B0604020202020204" pitchFamily="34" charset="0"/>
+                <a:cs typeface="Arial" panose="020B0604020202020204" pitchFamily="34" charset="0"/>
+                <a:sym typeface="Arial" panose="020B0604020202020204" pitchFamily="34" charset="0"/>
+              </a:defRPr>
+            </a:lvl9pPr>
+          </a:lstStyle>
+          <a:p>
+            <a:pPr eaLnBrk="1" hangingPunct="1"/>
+            <a:endParaRPr lang="en-US" altLang="en-US" sz="1200">
+              <a:latin typeface="Times New Roman" panose="02020603050405020304" pitchFamily="18" charset="0"/>
+              <a:cs typeface="Times New Roman" panose="02020603050405020304" pitchFamily="18" charset="0"/>
+              <a:sym typeface="Times New Roman" panose="02020603050405020304" pitchFamily="18" charset="0"/>
+            </a:endParaRPr>
+          </a:p>
+        </p:txBody>
+      </p:sp>
+      <p:sp>
+        <p:nvSpPr>
+          <p:cNvPr id="63492" name="Shape 165">
+            <a:extLst>
+              <a:ext uri="{FF2B5EF4-FFF2-40B4-BE49-F238E27FC236}">
+                <a16:creationId xmlns:a16="http://schemas.microsoft.com/office/drawing/2014/main" id="{FDAA7B4A-DF7F-43EF-97B4-FB84FF80C407}"/>
+              </a:ext>
+            </a:extLst>
+          </p:cNvPr>
+          <p:cNvSpPr>
+            <a:spLocks noChangeArrowheads="1"/>
+          </p:cNvSpPr>
+          <p:nvPr/>
+        </p:nvSpPr>
+        <p:spPr bwMode="auto">
+          <a:xfrm>
+            <a:off x="8001000" y="6781800"/>
+            <a:ext cx="1143000" cy="76200"/>
+          </a:xfrm>
+          <a:prstGeom prst="rect">
+            <a:avLst/>
+          </a:prstGeom>
+          <a:solidFill>
+            <a:srgbClr val="FF9900"/>
+          </a:solidFill>
+          <a:ln>
+            <a:noFill/>
+          </a:ln>
+          <a:extLst>
+            <a:ext uri="{91240B29-F687-4F45-9708-019B960494DF}">
+              <a14:hiddenLine xmlns:a14="http://schemas.microsoft.com/office/drawing/2010/main" w="9525">
+                <a:solidFill>
+                  <a:srgbClr val="000000"/>
+                </a:solidFill>
+                <a:miter lim="800000"/>
+                <a:headEnd/>
+                <a:tailEnd/>
+              </a14:hiddenLine>
+            </a:ext>
+          </a:extLst>
+        </p:spPr>
+        <p:txBody>
+          <a:bodyPr lIns="0" tIns="0" rIns="0" bIns="0"/>
+          <a:lstStyle>
+            <a:lvl1pPr>
+              <a:defRPr sz="1400">
+                <a:solidFill>
+                  <a:srgbClr val="000000"/>
+                </a:solidFill>
+                <a:latin typeface="Arial" panose="020B0604020202020204" pitchFamily="34" charset="0"/>
+                <a:cs typeface="Arial" panose="020B0604020202020204" pitchFamily="34" charset="0"/>
+                <a:sym typeface="Arial" panose="020B0604020202020204" pitchFamily="34" charset="0"/>
+              </a:defRPr>
+            </a:lvl1pPr>
+            <a:lvl2pPr marL="742950" indent="-285750">
+              <a:defRPr sz="1400">
+                <a:solidFill>
+                  <a:srgbClr val="000000"/>
+                </a:solidFill>
+                <a:latin typeface="Arial" panose="020B0604020202020204" pitchFamily="34" charset="0"/>
+                <a:cs typeface="Arial" panose="020B0604020202020204" pitchFamily="34" charset="0"/>
+                <a:sym typeface="Arial" panose="020B0604020202020204" pitchFamily="34" charset="0"/>
+              </a:defRPr>
+            </a:lvl2pPr>
+            <a:lvl3pPr marL="1143000" indent="-228600">
+              <a:defRPr sz="1400">
+                <a:solidFill>
+                  <a:srgbClr val="000000"/>
+                </a:solidFill>
+                <a:latin typeface="Arial" panose="020B0604020202020204" pitchFamily="34" charset="0"/>
+                <a:cs typeface="Arial" panose="020B0604020202020204" pitchFamily="34" charset="0"/>
+                <a:sym typeface="Arial" panose="020B0604020202020204" pitchFamily="34" charset="0"/>
+              </a:defRPr>
+            </a:lvl3pPr>
+            <a:lvl4pPr marL="1600200" indent="-228600">
+              <a:defRPr sz="1400">
+                <a:solidFill>
+                  <a:srgbClr val="000000"/>
+                </a:solidFill>
+                <a:latin typeface="Arial" panose="020B0604020202020204" pitchFamily="34" charset="0"/>
+                <a:cs typeface="Arial" panose="020B0604020202020204" pitchFamily="34" charset="0"/>
+                <a:sym typeface="Arial" panose="020B0604020202020204" pitchFamily="34" charset="0"/>
+              </a:defRPr>
+            </a:lvl4pPr>
+            <a:lvl5pPr marL="2057400" indent="-228600">
+              <a:defRPr sz="1400">
+                <a:solidFill>
+                  <a:srgbClr val="000000"/>
+                </a:solidFill>
+                <a:latin typeface="Arial" panose="020B0604020202020204" pitchFamily="34" charset="0"/>
+                <a:cs typeface="Arial" panose="020B0604020202020204" pitchFamily="34" charset="0"/>
+                <a:sym typeface="Arial" panose="020B0604020202020204" pitchFamily="34" charset="0"/>
+              </a:defRPr>
+            </a:lvl5pPr>
+            <a:lvl6pPr marL="2514600" indent="-228600" eaLnBrk="0" fontAlgn="base" hangingPunct="0">
+              <a:spcBef>
+                <a:spcPct val="0"/>
+              </a:spcBef>
+              <a:spcAft>
+                <a:spcPct val="0"/>
+              </a:spcAft>
+              <a:defRPr sz="1400">
+                <a:solidFill>
+                  <a:srgbClr val="000000"/>
+                </a:solidFill>
+                <a:latin typeface="Arial" panose="020B0604020202020204" pitchFamily="34" charset="0"/>
+                <a:cs typeface="Arial" panose="020B0604020202020204" pitchFamily="34" charset="0"/>
+                <a:sym typeface="Arial" panose="020B0604020202020204" pitchFamily="34" charset="0"/>
+              </a:defRPr>
+            </a:lvl6pPr>
+            <a:lvl7pPr marL="2971800" indent="-228600" eaLnBrk="0" fontAlgn="base" hangingPunct="0">
+              <a:spcBef>
+                <a:spcPct val="0"/>
+              </a:spcBef>
+              <a:spcAft>
+                <a:spcPct val="0"/>
+              </a:spcAft>
+              <a:defRPr sz="1400">
+                <a:solidFill>
+                  <a:srgbClr val="000000"/>
+                </a:solidFill>
+                <a:latin typeface="Arial" panose="020B0604020202020204" pitchFamily="34" charset="0"/>
+                <a:cs typeface="Arial" panose="020B0604020202020204" pitchFamily="34" charset="0"/>
+                <a:sym typeface="Arial" panose="020B0604020202020204" pitchFamily="34" charset="0"/>
+              </a:defRPr>
+            </a:lvl7pPr>
+            <a:lvl8pPr marL="3429000" indent="-228600" eaLnBrk="0" fontAlgn="base" hangingPunct="0">
+              <a:spcBef>
+                <a:spcPct val="0"/>
+              </a:spcBef>
+              <a:spcAft>
+                <a:spcPct val="0"/>
+              </a:spcAft>
+              <a:defRPr sz="1400">
+                <a:solidFill>
+                  <a:srgbClr val="000000"/>
+                </a:solidFill>
+                <a:latin typeface="Arial" panose="020B0604020202020204" pitchFamily="34" charset="0"/>
+                <a:cs typeface="Arial" panose="020B0604020202020204" pitchFamily="34" charset="0"/>
+                <a:sym typeface="Arial" panose="020B0604020202020204" pitchFamily="34" charset="0"/>
+              </a:defRPr>
+            </a:lvl8pPr>
+            <a:lvl9pPr marL="3886200" indent="-228600" eaLnBrk="0" fontAlgn="base" hangingPunct="0">
+              <a:spcBef>
+                <a:spcPct val="0"/>
+              </a:spcBef>
+              <a:spcAft>
+                <a:spcPct val="0"/>
+              </a:spcAft>
+              <a:defRPr sz="1400">
+                <a:solidFill>
+                  <a:srgbClr val="000000"/>
+                </a:solidFill>
+                <a:latin typeface="Arial" panose="020B0604020202020204" pitchFamily="34" charset="0"/>
+                <a:cs typeface="Arial" panose="020B0604020202020204" pitchFamily="34" charset="0"/>
+                <a:sym typeface="Arial" panose="020B0604020202020204" pitchFamily="34" charset="0"/>
+              </a:defRPr>
+            </a:lvl9pPr>
+          </a:lstStyle>
+          <a:p>
+            <a:pPr eaLnBrk="1" hangingPunct="1"/>
+            <a:endParaRPr lang="en-US" altLang="en-US" sz="1200">
+              <a:latin typeface="Times New Roman" panose="02020603050405020304" pitchFamily="18" charset="0"/>
+              <a:cs typeface="Times New Roman" panose="02020603050405020304" pitchFamily="18" charset="0"/>
+              <a:sym typeface="Times New Roman" panose="02020603050405020304" pitchFamily="18" charset="0"/>
+            </a:endParaRPr>
+          </a:p>
+        </p:txBody>
+      </p:sp>
+      <p:sp>
+        <p:nvSpPr>
+          <p:cNvPr id="63496" name="Shape 170">
+            <a:extLst>
+              <a:ext uri="{FF2B5EF4-FFF2-40B4-BE49-F238E27FC236}">
+                <a16:creationId xmlns:a16="http://schemas.microsoft.com/office/drawing/2014/main" id="{D690FE6D-881C-4EC4-AA9E-72C7514ADB47}"/>
+              </a:ext>
+            </a:extLst>
+          </p:cNvPr>
+          <p:cNvSpPr txBox="1">
+            <a:spLocks noGrp="1"/>
+          </p:cNvSpPr>
+          <p:nvPr>
+            <p:ph type="title"/>
+          </p:nvPr>
+        </p:nvSpPr>
+        <p:spPr>
+          <a:xfrm>
+            <a:off x="635000" y="556260"/>
+            <a:ext cx="8509000" cy="1143000"/>
+          </a:xfrm>
+        </p:spPr>
+        <p:txBody>
+          <a:bodyPr lIns="50800" tIns="50800" rIns="132075" bIns="50800"/>
+          <a:lstStyle/>
+          <a:p>
+            <a:pPr marL="38100" indent="0">
+              <a:spcBef>
+                <a:spcPct val="0"/>
+              </a:spcBef>
+              <a:spcAft>
+                <a:spcPct val="0"/>
+              </a:spcAft>
+              <a:buClr>
+                <a:srgbClr val="000000"/>
+              </a:buClr>
+              <a:buSzPct val="25000"/>
+            </a:pPr>
+            <a:r>
+              <a:rPr lang="en-US" altLang="en-US" dirty="0">
+                <a:solidFill>
+                  <a:srgbClr val="000000"/>
+                </a:solidFill>
+                <a:latin typeface="Arial Black" panose="020B0A04020102020204" pitchFamily="34" charset="0"/>
+                <a:cs typeface="Arial" panose="020B0604020202020204" pitchFamily="34" charset="0"/>
+                <a:sym typeface="Arial Black" panose="020B0A04020102020204" pitchFamily="34" charset="0"/>
+              </a:rPr>
+              <a:t>Various Data Types</a:t>
+            </a:r>
+            <a:br>
+              <a:rPr lang="en-US" altLang="en-US" dirty="0">
+                <a:solidFill>
+                  <a:srgbClr val="000000"/>
+                </a:solidFill>
+                <a:latin typeface="Arial Black" panose="020B0A04020102020204" pitchFamily="34" charset="0"/>
+                <a:cs typeface="Arial" panose="020B0604020202020204" pitchFamily="34" charset="0"/>
+                <a:sym typeface="Arial Black" panose="020B0A04020102020204" pitchFamily="34" charset="0"/>
+              </a:rPr>
+            </a:br>
+            <a:r>
+              <a:rPr lang="en-US" altLang="en-US" dirty="0">
+                <a:solidFill>
+                  <a:srgbClr val="000000"/>
+                </a:solidFill>
+                <a:latin typeface="Arial Black" panose="020B0A04020102020204" pitchFamily="34" charset="0"/>
+                <a:cs typeface="Arial" panose="020B0604020202020204" pitchFamily="34" charset="0"/>
+                <a:sym typeface="Arial Black" panose="020B0A04020102020204" pitchFamily="34" charset="0"/>
+              </a:rPr>
+              <a:t>Arrays</a:t>
+            </a:r>
+          </a:p>
+        </p:txBody>
+      </p:sp>
+      <p:sp>
+        <p:nvSpPr>
+          <p:cNvPr id="63497" name="Rectangle 9">
+            <a:extLst>
+              <a:ext uri="{FF2B5EF4-FFF2-40B4-BE49-F238E27FC236}">
+                <a16:creationId xmlns:a16="http://schemas.microsoft.com/office/drawing/2014/main" id="{F263ED7B-EF77-4AE3-BEA7-887BB0B67D1B}"/>
+              </a:ext>
+            </a:extLst>
+          </p:cNvPr>
+          <p:cNvSpPr txBox="1">
+            <a:spLocks noGrp="1"/>
+          </p:cNvSpPr>
+          <p:nvPr>
+            <p:ph type="body" idx="1"/>
+          </p:nvPr>
+        </p:nvSpPr>
+        <p:spPr>
+          <a:xfrm>
+            <a:off x="635000" y="1764030"/>
+            <a:ext cx="8247062" cy="4953000"/>
+          </a:xfrm>
+        </p:spPr>
+        <p:txBody>
+          <a:bodyPr>
+            <a:normAutofit/>
+          </a:bodyPr>
+          <a:lstStyle/>
+          <a:p>
+            <a:r>
+              <a:rPr lang="en-US" sz="2400" dirty="0"/>
+              <a:t>Arrays are perhaps the most widely used composite data types.</a:t>
+            </a:r>
+          </a:p>
+          <a:p>
+            <a:r>
+              <a:rPr lang="en-US" sz="2400" dirty="0"/>
+              <a:t>Unlike records, which group related fields of disparate types, arrays are usually homogeneous. </a:t>
+            </a:r>
+          </a:p>
+          <a:p>
+            <a:r>
+              <a:rPr lang="en-US" sz="2400" dirty="0"/>
+              <a:t>Semantically, they can be thought of as a mapping from an index type to a component or element type.</a:t>
+            </a:r>
+          </a:p>
+          <a:p>
+            <a:r>
+              <a:rPr lang="en-US" sz="2400" dirty="0"/>
+              <a:t>Areas of memory of the same type.</a:t>
+            </a:r>
+          </a:p>
+          <a:p>
+            <a:r>
+              <a:rPr lang="en-US" sz="2400" dirty="0"/>
+              <a:t>Stored consecutively, so element access for </a:t>
+            </a:r>
+            <a:r>
+              <a:rPr lang="en-US" sz="2400" i="1" dirty="0"/>
+              <a:t>any </a:t>
+            </a:r>
+            <a:r>
+              <a:rPr lang="en-US" sz="2400" dirty="0"/>
+              <a:t>index is a constant-time operation.</a:t>
+            </a:r>
+          </a:p>
+          <a:p>
+            <a:pPr marL="730250" lvl="1" indent="-133350">
+              <a:spcBef>
+                <a:spcPct val="0"/>
+              </a:spcBef>
+              <a:spcAft>
+                <a:spcPct val="0"/>
+              </a:spcAft>
+              <a:buClr>
+                <a:srgbClr val="000000"/>
+              </a:buClr>
+              <a:buSzTx/>
+              <a:buFont typeface="Times New Roman" panose="02020603050405020304" pitchFamily="18" charset="0"/>
+              <a:buNone/>
+            </a:pPr>
+            <a:endParaRPr lang="en-US" altLang="en-US" sz="1600" b="1" dirty="0">
+              <a:solidFill>
+                <a:srgbClr val="000000"/>
+              </a:solidFill>
+              <a:latin typeface="Courier New" panose="02070309020205020404" pitchFamily="49" charset="0"/>
+              <a:ea typeface="Times New Roman" panose="02020603050405020304" pitchFamily="18" charset="0"/>
+              <a:cs typeface="Courier New" panose="02070309020205020404" pitchFamily="49" charset="0"/>
+              <a:sym typeface="Times New Roman" panose="02020603050405020304" pitchFamily="18" charset="0"/>
+            </a:endParaRPr>
+          </a:p>
+          <a:p>
+            <a:pPr marL="730250" lvl="1" indent="-133350">
+              <a:spcAft>
+                <a:spcPct val="0"/>
+              </a:spcAft>
+              <a:buClr>
+                <a:srgbClr val="000000"/>
+              </a:buClr>
+              <a:buSzTx/>
+              <a:buFont typeface="Times New Roman" panose="02020603050405020304" pitchFamily="18" charset="0"/>
+              <a:buChar char="–"/>
+            </a:pPr>
+            <a:endParaRPr lang="en-US" altLang="en-US" dirty="0">
+              <a:solidFill>
+                <a:srgbClr val="000000"/>
+              </a:solidFill>
+              <a:latin typeface="Times New Roman" panose="02020603050405020304" pitchFamily="18" charset="0"/>
+              <a:cs typeface="Times New Roman" panose="02020603050405020304" pitchFamily="18" charset="0"/>
+              <a:sym typeface="Times New Roman" panose="02020603050405020304" pitchFamily="18" charset="0"/>
+            </a:endParaRPr>
+          </a:p>
+        </p:txBody>
+      </p:sp>
+      <p:sp>
+        <p:nvSpPr>
+          <p:cNvPr id="2" name="Date Placeholder 1">
+            <a:extLst>
+              <a:ext uri="{FF2B5EF4-FFF2-40B4-BE49-F238E27FC236}">
+                <a16:creationId xmlns:a16="http://schemas.microsoft.com/office/drawing/2014/main" id="{72F9E109-C9AE-41B8-96C9-18D308C3F7CE}"/>
+              </a:ext>
+            </a:extLst>
+          </p:cNvPr>
+          <p:cNvSpPr>
+            <a:spLocks noGrp="1"/>
+          </p:cNvSpPr>
+          <p:nvPr>
+            <p:ph type="dt" idx="10"/>
+          </p:nvPr>
+        </p:nvSpPr>
+        <p:spPr/>
+        <p:txBody>
+          <a:bodyPr/>
+          <a:lstStyle/>
+          <a:p>
+            <a:pPr>
+              <a:defRPr/>
+            </a:pPr>
+            <a:endParaRPr lang="en-US" altLang="en-US" dirty="0"/>
+          </a:p>
+        </p:txBody>
+      </p:sp>
+      <p:sp>
+        <p:nvSpPr>
+          <p:cNvPr id="3" name="Footer Placeholder 2">
+            <a:extLst>
+              <a:ext uri="{FF2B5EF4-FFF2-40B4-BE49-F238E27FC236}">
+                <a16:creationId xmlns:a16="http://schemas.microsoft.com/office/drawing/2014/main" id="{9C4BB02F-F554-4C45-935F-DFEBA8B1E270}"/>
+              </a:ext>
+            </a:extLst>
+          </p:cNvPr>
+          <p:cNvSpPr>
+            <a:spLocks noGrp="1"/>
+          </p:cNvSpPr>
+          <p:nvPr>
+            <p:ph type="ftr" idx="11"/>
+          </p:nvPr>
+        </p:nvSpPr>
+        <p:spPr/>
+        <p:txBody>
+          <a:bodyPr/>
+          <a:lstStyle/>
+          <a:p>
+            <a:pPr>
+              <a:defRPr/>
+            </a:pPr>
+            <a:r>
+              <a:rPr lang="en-US"/>
+              <a:t>(c) P Pawar - SUNY Korea, R Banerjee, P Fodor - SBU - CSE 216, Elsevier, Norbert zeh – dalhousi university</a:t>
+            </a:r>
+          </a:p>
+          <a:p>
+            <a:pPr>
+              <a:defRPr/>
+            </a:pPr>
+            <a:endParaRPr lang="en-US" altLang="en-US" dirty="0"/>
+          </a:p>
+        </p:txBody>
+      </p:sp>
+      <p:sp>
+        <p:nvSpPr>
+          <p:cNvPr id="4" name="Slide Number Placeholder 3">
+            <a:extLst>
+              <a:ext uri="{FF2B5EF4-FFF2-40B4-BE49-F238E27FC236}">
+                <a16:creationId xmlns:a16="http://schemas.microsoft.com/office/drawing/2014/main" id="{AA201C7D-6B96-454A-B20C-2C2F9A4CBECD}"/>
+              </a:ext>
+            </a:extLst>
+          </p:cNvPr>
+          <p:cNvSpPr>
+            <a:spLocks noGrp="1"/>
+          </p:cNvSpPr>
+          <p:nvPr>
+            <p:ph type="sldNum" idx="12"/>
+          </p:nvPr>
+        </p:nvSpPr>
+        <p:spPr/>
+        <p:txBody>
+          <a:bodyPr/>
+          <a:lstStyle/>
+          <a:p>
+            <a:pPr>
+              <a:defRPr/>
+            </a:pPr>
+            <a:fld id="{5ADDA12D-926A-4457-9E04-5FDF150FC22F}" type="slidenum">
+              <a:rPr lang="en-US" altLang="en-US" smtClean="0"/>
+              <a:pPr>
+                <a:defRPr/>
+              </a:pPr>
+              <a:t>40</a:t>
+            </a:fld>
+            <a:endParaRPr lang="en-US" altLang="en-US" dirty="0"/>
+          </a:p>
+        </p:txBody>
+      </p:sp>
+    </p:spTree>
+    <p:extLst>
+      <p:ext uri="{BB962C8B-B14F-4D97-AF65-F5344CB8AC3E}">
+        <p14:creationId xmlns:p14="http://schemas.microsoft.com/office/powerpoint/2010/main" val="956940683"/>
+      </p:ext>
+    </p:extLst>
+  </p:cSld>
+  <p:clrMapOvr>
+    <a:masterClrMapping/>
+  </p:clrMapOvr>
+  <p:transition spd="slow">
+    <p:cut/>
+  </p:transition>
+</p:sld>
+</file>
+
+<file path=ppt/slides/slide41.xml><?xml version="1.0" encoding="utf-8"?>
+<p:sld xmlns:a="http://schemas.openxmlformats.org/drawingml/2006/main" xmlns:r="http://schemas.openxmlformats.org/officeDocument/2006/relationships" xmlns:p="http://schemas.openxmlformats.org/presentationml/2006/main">
+  <p:cSld>
+    <p:spTree>
+      <p:nvGrpSpPr>
+        <p:cNvPr id="1" name=""/>
+        <p:cNvGrpSpPr/>
+        <p:nvPr/>
+      </p:nvGrpSpPr>
+      <p:grpSpPr>
+        <a:xfrm>
+          <a:off x="0" y="0"/>
+          <a:ext cx="0" cy="0"/>
+          <a:chOff x="0" y="0"/>
+          <a:chExt cx="0" cy="0"/>
+        </a:xfrm>
+      </p:grpSpPr>
+      <p:sp>
+        <p:nvSpPr>
+          <p:cNvPr id="63491" name="Shape 164">
+            <a:extLst>
+              <a:ext uri="{FF2B5EF4-FFF2-40B4-BE49-F238E27FC236}">
+                <a16:creationId xmlns:a16="http://schemas.microsoft.com/office/drawing/2014/main" id="{6C415BBE-8224-4DD8-87D4-C84B09DE47E1}"/>
+              </a:ext>
+            </a:extLst>
+          </p:cNvPr>
+          <p:cNvSpPr>
+            <a:spLocks noChangeArrowheads="1"/>
+          </p:cNvSpPr>
+          <p:nvPr/>
+        </p:nvSpPr>
+        <p:spPr bwMode="auto">
+          <a:xfrm>
+            <a:off x="0" y="6781800"/>
+            <a:ext cx="8991600" cy="76200"/>
+          </a:xfrm>
+          <a:prstGeom prst="rect">
+            <a:avLst/>
+          </a:prstGeom>
+          <a:solidFill>
+            <a:srgbClr val="B2B2B4"/>
+          </a:solidFill>
+          <a:ln>
+            <a:noFill/>
+          </a:ln>
+          <a:extLst>
+            <a:ext uri="{91240B29-F687-4F45-9708-019B960494DF}">
+              <a14:hiddenLine xmlns:a14="http://schemas.microsoft.com/office/drawing/2010/main" w="9525">
+                <a:solidFill>
+                  <a:srgbClr val="000000"/>
+                </a:solidFill>
+                <a:miter lim="800000"/>
+                <a:headEnd/>
+                <a:tailEnd/>
+              </a14:hiddenLine>
+            </a:ext>
+          </a:extLst>
+        </p:spPr>
+        <p:txBody>
+          <a:bodyPr lIns="0" tIns="0" rIns="0" bIns="0"/>
+          <a:lstStyle>
+            <a:lvl1pPr>
+              <a:defRPr sz="1400">
+                <a:solidFill>
+                  <a:srgbClr val="000000"/>
+                </a:solidFill>
+                <a:latin typeface="Arial" panose="020B0604020202020204" pitchFamily="34" charset="0"/>
+                <a:cs typeface="Arial" panose="020B0604020202020204" pitchFamily="34" charset="0"/>
+                <a:sym typeface="Arial" panose="020B0604020202020204" pitchFamily="34" charset="0"/>
+              </a:defRPr>
+            </a:lvl1pPr>
+            <a:lvl2pPr marL="742950" indent="-285750">
+              <a:defRPr sz="1400">
+                <a:solidFill>
+                  <a:srgbClr val="000000"/>
+                </a:solidFill>
+                <a:latin typeface="Arial" panose="020B0604020202020204" pitchFamily="34" charset="0"/>
+                <a:cs typeface="Arial" panose="020B0604020202020204" pitchFamily="34" charset="0"/>
+                <a:sym typeface="Arial" panose="020B0604020202020204" pitchFamily="34" charset="0"/>
+              </a:defRPr>
+            </a:lvl2pPr>
+            <a:lvl3pPr marL="1143000" indent="-228600">
+              <a:defRPr sz="1400">
+                <a:solidFill>
+                  <a:srgbClr val="000000"/>
+                </a:solidFill>
+                <a:latin typeface="Arial" panose="020B0604020202020204" pitchFamily="34" charset="0"/>
+                <a:cs typeface="Arial" panose="020B0604020202020204" pitchFamily="34" charset="0"/>
+                <a:sym typeface="Arial" panose="020B0604020202020204" pitchFamily="34" charset="0"/>
+              </a:defRPr>
+            </a:lvl3pPr>
+            <a:lvl4pPr marL="1600200" indent="-228600">
+              <a:defRPr sz="1400">
+                <a:solidFill>
+                  <a:srgbClr val="000000"/>
+                </a:solidFill>
+                <a:latin typeface="Arial" panose="020B0604020202020204" pitchFamily="34" charset="0"/>
+                <a:cs typeface="Arial" panose="020B0604020202020204" pitchFamily="34" charset="0"/>
+                <a:sym typeface="Arial" panose="020B0604020202020204" pitchFamily="34" charset="0"/>
+              </a:defRPr>
+            </a:lvl4pPr>
+            <a:lvl5pPr marL="2057400" indent="-228600">
+              <a:defRPr sz="1400">
+                <a:solidFill>
+                  <a:srgbClr val="000000"/>
+                </a:solidFill>
+                <a:latin typeface="Arial" panose="020B0604020202020204" pitchFamily="34" charset="0"/>
+                <a:cs typeface="Arial" panose="020B0604020202020204" pitchFamily="34" charset="0"/>
+                <a:sym typeface="Arial" panose="020B0604020202020204" pitchFamily="34" charset="0"/>
+              </a:defRPr>
+            </a:lvl5pPr>
+            <a:lvl6pPr marL="2514600" indent="-228600" eaLnBrk="0" fontAlgn="base" hangingPunct="0">
+              <a:spcBef>
+                <a:spcPct val="0"/>
+              </a:spcBef>
+              <a:spcAft>
+                <a:spcPct val="0"/>
+              </a:spcAft>
+              <a:defRPr sz="1400">
+                <a:solidFill>
+                  <a:srgbClr val="000000"/>
+                </a:solidFill>
+                <a:latin typeface="Arial" panose="020B0604020202020204" pitchFamily="34" charset="0"/>
+                <a:cs typeface="Arial" panose="020B0604020202020204" pitchFamily="34" charset="0"/>
+                <a:sym typeface="Arial" panose="020B0604020202020204" pitchFamily="34" charset="0"/>
+              </a:defRPr>
+            </a:lvl6pPr>
+            <a:lvl7pPr marL="2971800" indent="-228600" eaLnBrk="0" fontAlgn="base" hangingPunct="0">
+              <a:spcBef>
+                <a:spcPct val="0"/>
+              </a:spcBef>
+              <a:spcAft>
+                <a:spcPct val="0"/>
+              </a:spcAft>
+              <a:defRPr sz="1400">
+                <a:solidFill>
+                  <a:srgbClr val="000000"/>
+                </a:solidFill>
+                <a:latin typeface="Arial" panose="020B0604020202020204" pitchFamily="34" charset="0"/>
+                <a:cs typeface="Arial" panose="020B0604020202020204" pitchFamily="34" charset="0"/>
+                <a:sym typeface="Arial" panose="020B0604020202020204" pitchFamily="34" charset="0"/>
+              </a:defRPr>
+            </a:lvl7pPr>
+            <a:lvl8pPr marL="3429000" indent="-228600" eaLnBrk="0" fontAlgn="base" hangingPunct="0">
+              <a:spcBef>
+                <a:spcPct val="0"/>
+              </a:spcBef>
+              <a:spcAft>
+                <a:spcPct val="0"/>
+              </a:spcAft>
+              <a:defRPr sz="1400">
+                <a:solidFill>
+                  <a:srgbClr val="000000"/>
+                </a:solidFill>
+                <a:latin typeface="Arial" panose="020B0604020202020204" pitchFamily="34" charset="0"/>
+                <a:cs typeface="Arial" panose="020B0604020202020204" pitchFamily="34" charset="0"/>
+                <a:sym typeface="Arial" panose="020B0604020202020204" pitchFamily="34" charset="0"/>
+              </a:defRPr>
+            </a:lvl8pPr>
+            <a:lvl9pPr marL="3886200" indent="-228600" eaLnBrk="0" fontAlgn="base" hangingPunct="0">
+              <a:spcBef>
+                <a:spcPct val="0"/>
+              </a:spcBef>
+              <a:spcAft>
+                <a:spcPct val="0"/>
+              </a:spcAft>
+              <a:defRPr sz="1400">
+                <a:solidFill>
+                  <a:srgbClr val="000000"/>
+                </a:solidFill>
+                <a:latin typeface="Arial" panose="020B0604020202020204" pitchFamily="34" charset="0"/>
+                <a:cs typeface="Arial" panose="020B0604020202020204" pitchFamily="34" charset="0"/>
+                <a:sym typeface="Arial" panose="020B0604020202020204" pitchFamily="34" charset="0"/>
+              </a:defRPr>
+            </a:lvl9pPr>
+          </a:lstStyle>
+          <a:p>
+            <a:pPr eaLnBrk="1" hangingPunct="1"/>
+            <a:endParaRPr lang="en-US" altLang="en-US" sz="1200">
+              <a:latin typeface="Times New Roman" panose="02020603050405020304" pitchFamily="18" charset="0"/>
+              <a:cs typeface="Times New Roman" panose="02020603050405020304" pitchFamily="18" charset="0"/>
+              <a:sym typeface="Times New Roman" panose="02020603050405020304" pitchFamily="18" charset="0"/>
+            </a:endParaRPr>
+          </a:p>
+        </p:txBody>
+      </p:sp>
+      <p:sp>
+        <p:nvSpPr>
+          <p:cNvPr id="63492" name="Shape 165">
+            <a:extLst>
+              <a:ext uri="{FF2B5EF4-FFF2-40B4-BE49-F238E27FC236}">
+                <a16:creationId xmlns:a16="http://schemas.microsoft.com/office/drawing/2014/main" id="{FDAA7B4A-DF7F-43EF-97B4-FB84FF80C407}"/>
+              </a:ext>
+            </a:extLst>
+          </p:cNvPr>
+          <p:cNvSpPr>
+            <a:spLocks noChangeArrowheads="1"/>
+          </p:cNvSpPr>
+          <p:nvPr/>
+        </p:nvSpPr>
+        <p:spPr bwMode="auto">
+          <a:xfrm>
+            <a:off x="8001000" y="6781800"/>
+            <a:ext cx="1143000" cy="76200"/>
+          </a:xfrm>
+          <a:prstGeom prst="rect">
+            <a:avLst/>
+          </a:prstGeom>
+          <a:solidFill>
+            <a:srgbClr val="FF9900"/>
+          </a:solidFill>
+          <a:ln>
+            <a:noFill/>
+          </a:ln>
+          <a:extLst>
+            <a:ext uri="{91240B29-F687-4F45-9708-019B960494DF}">
+              <a14:hiddenLine xmlns:a14="http://schemas.microsoft.com/office/drawing/2010/main" w="9525">
+                <a:solidFill>
+                  <a:srgbClr val="000000"/>
+                </a:solidFill>
+                <a:miter lim="800000"/>
+                <a:headEnd/>
+                <a:tailEnd/>
+              </a14:hiddenLine>
+            </a:ext>
+          </a:extLst>
+        </p:spPr>
+        <p:txBody>
+          <a:bodyPr lIns="0" tIns="0" rIns="0" bIns="0"/>
+          <a:lstStyle>
+            <a:lvl1pPr>
+              <a:defRPr sz="1400">
+                <a:solidFill>
+                  <a:srgbClr val="000000"/>
+                </a:solidFill>
+                <a:latin typeface="Arial" panose="020B0604020202020204" pitchFamily="34" charset="0"/>
+                <a:cs typeface="Arial" panose="020B0604020202020204" pitchFamily="34" charset="0"/>
+                <a:sym typeface="Arial" panose="020B0604020202020204" pitchFamily="34" charset="0"/>
+              </a:defRPr>
+            </a:lvl1pPr>
+            <a:lvl2pPr marL="742950" indent="-285750">
+              <a:defRPr sz="1400">
+                <a:solidFill>
+                  <a:srgbClr val="000000"/>
+                </a:solidFill>
+                <a:latin typeface="Arial" panose="020B0604020202020204" pitchFamily="34" charset="0"/>
+                <a:cs typeface="Arial" panose="020B0604020202020204" pitchFamily="34" charset="0"/>
+                <a:sym typeface="Arial" panose="020B0604020202020204" pitchFamily="34" charset="0"/>
+              </a:defRPr>
+            </a:lvl2pPr>
+            <a:lvl3pPr marL="1143000" indent="-228600">
+              <a:defRPr sz="1400">
+                <a:solidFill>
+                  <a:srgbClr val="000000"/>
+                </a:solidFill>
+                <a:latin typeface="Arial" panose="020B0604020202020204" pitchFamily="34" charset="0"/>
+                <a:cs typeface="Arial" panose="020B0604020202020204" pitchFamily="34" charset="0"/>
+                <a:sym typeface="Arial" panose="020B0604020202020204" pitchFamily="34" charset="0"/>
+              </a:defRPr>
+            </a:lvl3pPr>
+            <a:lvl4pPr marL="1600200" indent="-228600">
+              <a:defRPr sz="1400">
+                <a:solidFill>
+                  <a:srgbClr val="000000"/>
+                </a:solidFill>
+                <a:latin typeface="Arial" panose="020B0604020202020204" pitchFamily="34" charset="0"/>
+                <a:cs typeface="Arial" panose="020B0604020202020204" pitchFamily="34" charset="0"/>
+                <a:sym typeface="Arial" panose="020B0604020202020204" pitchFamily="34" charset="0"/>
+              </a:defRPr>
+            </a:lvl4pPr>
+            <a:lvl5pPr marL="2057400" indent="-228600">
+              <a:defRPr sz="1400">
+                <a:solidFill>
+                  <a:srgbClr val="000000"/>
+                </a:solidFill>
+                <a:latin typeface="Arial" panose="020B0604020202020204" pitchFamily="34" charset="0"/>
+                <a:cs typeface="Arial" panose="020B0604020202020204" pitchFamily="34" charset="0"/>
+                <a:sym typeface="Arial" panose="020B0604020202020204" pitchFamily="34" charset="0"/>
+              </a:defRPr>
+            </a:lvl5pPr>
+            <a:lvl6pPr marL="2514600" indent="-228600" eaLnBrk="0" fontAlgn="base" hangingPunct="0">
+              <a:spcBef>
+                <a:spcPct val="0"/>
+              </a:spcBef>
+              <a:spcAft>
+                <a:spcPct val="0"/>
+              </a:spcAft>
+              <a:defRPr sz="1400">
+                <a:solidFill>
+                  <a:srgbClr val="000000"/>
+                </a:solidFill>
+                <a:latin typeface="Arial" panose="020B0604020202020204" pitchFamily="34" charset="0"/>
+                <a:cs typeface="Arial" panose="020B0604020202020204" pitchFamily="34" charset="0"/>
+                <a:sym typeface="Arial" panose="020B0604020202020204" pitchFamily="34" charset="0"/>
+              </a:defRPr>
+            </a:lvl6pPr>
+            <a:lvl7pPr marL="2971800" indent="-228600" eaLnBrk="0" fontAlgn="base" hangingPunct="0">
+              <a:spcBef>
+                <a:spcPct val="0"/>
+              </a:spcBef>
+              <a:spcAft>
+                <a:spcPct val="0"/>
+              </a:spcAft>
+              <a:defRPr sz="1400">
+                <a:solidFill>
+                  <a:srgbClr val="000000"/>
+                </a:solidFill>
+                <a:latin typeface="Arial" panose="020B0604020202020204" pitchFamily="34" charset="0"/>
+                <a:cs typeface="Arial" panose="020B0604020202020204" pitchFamily="34" charset="0"/>
+                <a:sym typeface="Arial" panose="020B0604020202020204" pitchFamily="34" charset="0"/>
+              </a:defRPr>
+            </a:lvl7pPr>
+            <a:lvl8pPr marL="3429000" indent="-228600" eaLnBrk="0" fontAlgn="base" hangingPunct="0">
+              <a:spcBef>
+                <a:spcPct val="0"/>
+              </a:spcBef>
+              <a:spcAft>
+                <a:spcPct val="0"/>
+              </a:spcAft>
+              <a:defRPr sz="1400">
+                <a:solidFill>
+                  <a:srgbClr val="000000"/>
+                </a:solidFill>
+                <a:latin typeface="Arial" panose="020B0604020202020204" pitchFamily="34" charset="0"/>
+                <a:cs typeface="Arial" panose="020B0604020202020204" pitchFamily="34" charset="0"/>
+                <a:sym typeface="Arial" panose="020B0604020202020204" pitchFamily="34" charset="0"/>
+              </a:defRPr>
+            </a:lvl8pPr>
+            <a:lvl9pPr marL="3886200" indent="-228600" eaLnBrk="0" fontAlgn="base" hangingPunct="0">
+              <a:spcBef>
+                <a:spcPct val="0"/>
+              </a:spcBef>
+              <a:spcAft>
+                <a:spcPct val="0"/>
+              </a:spcAft>
+              <a:defRPr sz="1400">
+                <a:solidFill>
+                  <a:srgbClr val="000000"/>
+                </a:solidFill>
+                <a:latin typeface="Arial" panose="020B0604020202020204" pitchFamily="34" charset="0"/>
+                <a:cs typeface="Arial" panose="020B0604020202020204" pitchFamily="34" charset="0"/>
+                <a:sym typeface="Arial" panose="020B0604020202020204" pitchFamily="34" charset="0"/>
+              </a:defRPr>
+            </a:lvl9pPr>
+          </a:lstStyle>
+          <a:p>
+            <a:pPr eaLnBrk="1" hangingPunct="1"/>
+            <a:endParaRPr lang="en-US" altLang="en-US" sz="1200">
+              <a:latin typeface="Times New Roman" panose="02020603050405020304" pitchFamily="18" charset="0"/>
+              <a:cs typeface="Times New Roman" panose="02020603050405020304" pitchFamily="18" charset="0"/>
+              <a:sym typeface="Times New Roman" panose="02020603050405020304" pitchFamily="18" charset="0"/>
+            </a:endParaRPr>
+          </a:p>
+        </p:txBody>
+      </p:sp>
+      <p:sp>
+        <p:nvSpPr>
+          <p:cNvPr id="63496" name="Shape 170">
+            <a:extLst>
+              <a:ext uri="{FF2B5EF4-FFF2-40B4-BE49-F238E27FC236}">
+                <a16:creationId xmlns:a16="http://schemas.microsoft.com/office/drawing/2014/main" id="{D690FE6D-881C-4EC4-AA9E-72C7514ADB47}"/>
+              </a:ext>
+            </a:extLst>
+          </p:cNvPr>
+          <p:cNvSpPr txBox="1">
+            <a:spLocks noGrp="1"/>
+          </p:cNvSpPr>
+          <p:nvPr>
+            <p:ph type="title"/>
+          </p:nvPr>
+        </p:nvSpPr>
+        <p:spPr>
+          <a:xfrm>
+            <a:off x="635000" y="556260"/>
+            <a:ext cx="8509000" cy="1143000"/>
+          </a:xfrm>
+        </p:spPr>
+        <p:txBody>
+          <a:bodyPr lIns="50800" tIns="50800" rIns="132075" bIns="50800"/>
+          <a:lstStyle/>
+          <a:p>
+            <a:pPr marL="38100" indent="0">
+              <a:spcBef>
+                <a:spcPct val="0"/>
+              </a:spcBef>
+              <a:spcAft>
+                <a:spcPct val="0"/>
+              </a:spcAft>
+              <a:buClr>
+                <a:srgbClr val="000000"/>
+              </a:buClr>
+              <a:buSzPct val="25000"/>
+            </a:pPr>
+            <a:r>
+              <a:rPr lang="en-US" altLang="en-US" dirty="0">
+                <a:solidFill>
+                  <a:srgbClr val="000000"/>
+                </a:solidFill>
+                <a:latin typeface="Arial Black" panose="020B0A04020102020204" pitchFamily="34" charset="0"/>
+                <a:cs typeface="Arial" panose="020B0604020202020204" pitchFamily="34" charset="0"/>
+                <a:sym typeface="Arial Black" panose="020B0A04020102020204" pitchFamily="34" charset="0"/>
+              </a:rPr>
+              <a:t>Various Data Types</a:t>
+            </a:r>
+            <a:br>
+              <a:rPr lang="en-US" altLang="en-US" dirty="0">
+                <a:solidFill>
+                  <a:srgbClr val="000000"/>
+                </a:solidFill>
+                <a:latin typeface="Arial Black" panose="020B0A04020102020204" pitchFamily="34" charset="0"/>
+                <a:cs typeface="Arial" panose="020B0604020202020204" pitchFamily="34" charset="0"/>
+                <a:sym typeface="Arial Black" panose="020B0A04020102020204" pitchFamily="34" charset="0"/>
+              </a:rPr>
+            </a:br>
+            <a:r>
+              <a:rPr lang="en-US" altLang="en-US" dirty="0">
+                <a:solidFill>
+                  <a:srgbClr val="000000"/>
+                </a:solidFill>
+                <a:latin typeface="Arial Black" panose="020B0A04020102020204" pitchFamily="34" charset="0"/>
+                <a:cs typeface="Arial" panose="020B0604020202020204" pitchFamily="34" charset="0"/>
+                <a:sym typeface="Arial Black" panose="020B0A04020102020204" pitchFamily="34" charset="0"/>
+              </a:rPr>
+              <a:t>Multi-dimensional Arrays</a:t>
+            </a:r>
+          </a:p>
+        </p:txBody>
+      </p:sp>
+      <p:sp>
+        <p:nvSpPr>
+          <p:cNvPr id="63497" name="Rectangle 9">
+            <a:extLst>
+              <a:ext uri="{FF2B5EF4-FFF2-40B4-BE49-F238E27FC236}">
+                <a16:creationId xmlns:a16="http://schemas.microsoft.com/office/drawing/2014/main" id="{F263ED7B-EF77-4AE3-BEA7-887BB0B67D1B}"/>
+              </a:ext>
+            </a:extLst>
+          </p:cNvPr>
+          <p:cNvSpPr txBox="1">
+            <a:spLocks noGrp="1"/>
+          </p:cNvSpPr>
+          <p:nvPr>
+            <p:ph type="body" idx="1"/>
+          </p:nvPr>
+        </p:nvSpPr>
+        <p:spPr>
+          <a:xfrm>
+            <a:off x="635000" y="4933655"/>
+            <a:ext cx="8247062" cy="1511984"/>
+          </a:xfrm>
+        </p:spPr>
+        <p:txBody>
+          <a:bodyPr>
+            <a:normAutofit/>
+          </a:bodyPr>
+          <a:lstStyle/>
+          <a:p>
+            <a:r>
+              <a:rPr lang="en-US" sz="2400" dirty="0"/>
+              <a:t>Commonly, arrays are one-dimensional. But the data type of each array element can again be an array! </a:t>
+            </a:r>
+          </a:p>
+          <a:p>
+            <a:r>
+              <a:rPr lang="en-US" sz="2400" dirty="0"/>
+              <a:t>So we can have multi-dimensional arrays.</a:t>
+            </a:r>
+            <a:endParaRPr lang="en-US" altLang="en-US" sz="2400" dirty="0">
+              <a:solidFill>
+                <a:srgbClr val="000000"/>
+              </a:solidFill>
+              <a:latin typeface="Times New Roman" panose="02020603050405020304" pitchFamily="18" charset="0"/>
+              <a:cs typeface="Times New Roman" panose="02020603050405020304" pitchFamily="18" charset="0"/>
+              <a:sym typeface="Times New Roman" panose="02020603050405020304" pitchFamily="18" charset="0"/>
+            </a:endParaRPr>
+          </a:p>
+          <a:p>
+            <a:pPr marL="730250" lvl="1" indent="-133350">
+              <a:spcBef>
+                <a:spcPct val="0"/>
+              </a:spcBef>
+              <a:spcAft>
+                <a:spcPct val="0"/>
+              </a:spcAft>
+              <a:buClr>
+                <a:srgbClr val="000000"/>
+              </a:buClr>
+              <a:buSzTx/>
+              <a:buFont typeface="Times New Roman" panose="02020603050405020304" pitchFamily="18" charset="0"/>
+              <a:buNone/>
+            </a:pPr>
+            <a:endParaRPr lang="en-US" altLang="en-US" sz="1600" b="1" dirty="0">
+              <a:solidFill>
+                <a:srgbClr val="000000"/>
+              </a:solidFill>
+              <a:latin typeface="Courier New" panose="02070309020205020404" pitchFamily="49" charset="0"/>
+              <a:ea typeface="Times New Roman" panose="02020603050405020304" pitchFamily="18" charset="0"/>
+              <a:cs typeface="Courier New" panose="02070309020205020404" pitchFamily="49" charset="0"/>
+              <a:sym typeface="Times New Roman" panose="02020603050405020304" pitchFamily="18" charset="0"/>
+            </a:endParaRPr>
+          </a:p>
+          <a:p>
+            <a:pPr marL="730250" lvl="1" indent="-133350">
+              <a:spcAft>
+                <a:spcPct val="0"/>
+              </a:spcAft>
+              <a:buClr>
+                <a:srgbClr val="000000"/>
+              </a:buClr>
+              <a:buSzTx/>
+              <a:buFont typeface="Times New Roman" panose="02020603050405020304" pitchFamily="18" charset="0"/>
+              <a:buChar char="–"/>
+            </a:pPr>
+            <a:endParaRPr lang="en-US" altLang="en-US" dirty="0">
+              <a:solidFill>
+                <a:srgbClr val="000000"/>
+              </a:solidFill>
+              <a:latin typeface="Times New Roman" panose="02020603050405020304" pitchFamily="18" charset="0"/>
+              <a:cs typeface="Times New Roman" panose="02020603050405020304" pitchFamily="18" charset="0"/>
+              <a:sym typeface="Times New Roman" panose="02020603050405020304" pitchFamily="18" charset="0"/>
+            </a:endParaRPr>
+          </a:p>
+        </p:txBody>
+      </p:sp>
+      <p:pic>
+        <p:nvPicPr>
+          <p:cNvPr id="2" name="Picture 1">
+            <a:extLst>
+              <a:ext uri="{FF2B5EF4-FFF2-40B4-BE49-F238E27FC236}">
+                <a16:creationId xmlns:a16="http://schemas.microsoft.com/office/drawing/2014/main" id="{0E0D9A68-46A4-4103-80CF-2949ABCB4A35}"/>
+              </a:ext>
+            </a:extLst>
+          </p:cNvPr>
+          <p:cNvPicPr>
+            <a:picLocks noChangeAspect="1"/>
+          </p:cNvPicPr>
+          <p:nvPr/>
+        </p:nvPicPr>
+        <p:blipFill>
+          <a:blip r:embed="rId3"/>
+          <a:stretch>
+            <a:fillRect/>
+          </a:stretch>
+        </p:blipFill>
+        <p:spPr>
+          <a:xfrm>
+            <a:off x="800100" y="1892470"/>
+            <a:ext cx="7391400" cy="2847975"/>
+          </a:xfrm>
+          <a:prstGeom prst="rect">
+            <a:avLst/>
+          </a:prstGeom>
+        </p:spPr>
+      </p:pic>
+      <p:sp>
+        <p:nvSpPr>
+          <p:cNvPr id="3" name="Date Placeholder 2">
+            <a:extLst>
+              <a:ext uri="{FF2B5EF4-FFF2-40B4-BE49-F238E27FC236}">
+                <a16:creationId xmlns:a16="http://schemas.microsoft.com/office/drawing/2014/main" id="{66ABE1AA-C85F-40FE-A0F3-B1DE1FFCD8F0}"/>
+              </a:ext>
+            </a:extLst>
+          </p:cNvPr>
+          <p:cNvSpPr>
+            <a:spLocks noGrp="1"/>
+          </p:cNvSpPr>
+          <p:nvPr>
+            <p:ph type="dt" idx="10"/>
+          </p:nvPr>
+        </p:nvSpPr>
+        <p:spPr/>
+        <p:txBody>
+          <a:bodyPr/>
+          <a:lstStyle/>
+          <a:p>
+            <a:pPr>
+              <a:defRPr/>
+            </a:pPr>
+            <a:endParaRPr lang="en-US" altLang="en-US" dirty="0"/>
+          </a:p>
+        </p:txBody>
+      </p:sp>
+      <p:sp>
+        <p:nvSpPr>
+          <p:cNvPr id="4" name="Footer Placeholder 3">
+            <a:extLst>
+              <a:ext uri="{FF2B5EF4-FFF2-40B4-BE49-F238E27FC236}">
+                <a16:creationId xmlns:a16="http://schemas.microsoft.com/office/drawing/2014/main" id="{16E0B47B-9BD1-4AC0-85F0-FBFC62988BAE}"/>
+              </a:ext>
+            </a:extLst>
+          </p:cNvPr>
+          <p:cNvSpPr>
+            <a:spLocks noGrp="1"/>
+          </p:cNvSpPr>
+          <p:nvPr>
+            <p:ph type="ftr" idx="11"/>
+          </p:nvPr>
+        </p:nvSpPr>
+        <p:spPr/>
+        <p:txBody>
+          <a:bodyPr/>
+          <a:lstStyle/>
+          <a:p>
+            <a:pPr>
+              <a:defRPr/>
+            </a:pPr>
+            <a:r>
+              <a:rPr lang="en-US"/>
+              <a:t>(c) P Pawar - SUNY Korea, R Banerjee, P Fodor - SBU - CSE 216, Elsevier, Norbert zeh – dalhousi university</a:t>
+            </a:r>
+          </a:p>
+          <a:p>
+            <a:pPr>
+              <a:defRPr/>
+            </a:pPr>
+            <a:endParaRPr lang="en-US" altLang="en-US" dirty="0"/>
+          </a:p>
+        </p:txBody>
+      </p:sp>
+      <p:sp>
+        <p:nvSpPr>
+          <p:cNvPr id="5" name="Slide Number Placeholder 4">
+            <a:extLst>
+              <a:ext uri="{FF2B5EF4-FFF2-40B4-BE49-F238E27FC236}">
+                <a16:creationId xmlns:a16="http://schemas.microsoft.com/office/drawing/2014/main" id="{031AAB39-F938-4928-B1F8-7EDAB1AE5445}"/>
+              </a:ext>
+            </a:extLst>
+          </p:cNvPr>
+          <p:cNvSpPr>
+            <a:spLocks noGrp="1"/>
+          </p:cNvSpPr>
+          <p:nvPr>
+            <p:ph type="sldNum" idx="12"/>
+          </p:nvPr>
+        </p:nvSpPr>
+        <p:spPr/>
+        <p:txBody>
+          <a:bodyPr/>
+          <a:lstStyle/>
+          <a:p>
+            <a:pPr>
+              <a:defRPr/>
+            </a:pPr>
+            <a:fld id="{5ADDA12D-926A-4457-9E04-5FDF150FC22F}" type="slidenum">
+              <a:rPr lang="en-US" altLang="en-US" smtClean="0"/>
+              <a:pPr>
+                <a:defRPr/>
+              </a:pPr>
+              <a:t>41</a:t>
+            </a:fld>
+            <a:endParaRPr lang="en-US" altLang="en-US" dirty="0"/>
+          </a:p>
+        </p:txBody>
+      </p:sp>
+    </p:spTree>
+    <p:extLst>
+      <p:ext uri="{BB962C8B-B14F-4D97-AF65-F5344CB8AC3E}">
+        <p14:creationId xmlns:p14="http://schemas.microsoft.com/office/powerpoint/2010/main" val="1616586837"/>
+      </p:ext>
+    </p:extLst>
+  </p:cSld>
+  <p:clrMapOvr>
+    <a:masterClrMapping/>
+  </p:clrMapOvr>
+  <p:transition spd="slow">
+    <p:cut/>
+  </p:transition>
+</p:sld>
+</file>
+
+<file path=ppt/slides/slide42.xml><?xml version="1.0" encoding="utf-8"?>
+<p:sld xmlns:a="http://schemas.openxmlformats.org/drawingml/2006/main" xmlns:r="http://schemas.openxmlformats.org/officeDocument/2006/relationships" xmlns:p="http://schemas.openxmlformats.org/presentationml/2006/main">
+  <p:cSld>
+    <p:spTree>
+      <p:nvGrpSpPr>
+        <p:cNvPr id="1" name=""/>
+        <p:cNvGrpSpPr/>
+        <p:nvPr/>
+      </p:nvGrpSpPr>
+      <p:grpSpPr>
+        <a:xfrm>
+          <a:off x="0" y="0"/>
+          <a:ext cx="0" cy="0"/>
+          <a:chOff x="0" y="0"/>
+          <a:chExt cx="0" cy="0"/>
+        </a:xfrm>
+      </p:grpSpPr>
+      <p:sp>
+        <p:nvSpPr>
+          <p:cNvPr id="63491" name="Shape 164">
+            <a:extLst>
+              <a:ext uri="{FF2B5EF4-FFF2-40B4-BE49-F238E27FC236}">
+                <a16:creationId xmlns:a16="http://schemas.microsoft.com/office/drawing/2014/main" id="{6C415BBE-8224-4DD8-87D4-C84B09DE47E1}"/>
+              </a:ext>
+            </a:extLst>
+          </p:cNvPr>
+          <p:cNvSpPr>
+            <a:spLocks noChangeArrowheads="1"/>
+          </p:cNvSpPr>
+          <p:nvPr/>
+        </p:nvSpPr>
+        <p:spPr bwMode="auto">
+          <a:xfrm>
+            <a:off x="0" y="6781800"/>
+            <a:ext cx="8991600" cy="76200"/>
+          </a:xfrm>
+          <a:prstGeom prst="rect">
+            <a:avLst/>
+          </a:prstGeom>
+          <a:solidFill>
+            <a:srgbClr val="B2B2B4"/>
+          </a:solidFill>
+          <a:ln>
+            <a:noFill/>
+          </a:ln>
+          <a:extLst>
+            <a:ext uri="{91240B29-F687-4F45-9708-019B960494DF}">
+              <a14:hiddenLine xmlns:a14="http://schemas.microsoft.com/office/drawing/2010/main" w="9525">
+                <a:solidFill>
+                  <a:srgbClr val="000000"/>
+                </a:solidFill>
+                <a:miter lim="800000"/>
+                <a:headEnd/>
+                <a:tailEnd/>
+              </a14:hiddenLine>
+            </a:ext>
+          </a:extLst>
+        </p:spPr>
+        <p:txBody>
+          <a:bodyPr lIns="0" tIns="0" rIns="0" bIns="0"/>
+          <a:lstStyle>
+            <a:lvl1pPr>
+              <a:defRPr sz="1400">
+                <a:solidFill>
+                  <a:srgbClr val="000000"/>
+                </a:solidFill>
+                <a:latin typeface="Arial" panose="020B0604020202020204" pitchFamily="34" charset="0"/>
+                <a:cs typeface="Arial" panose="020B0604020202020204" pitchFamily="34" charset="0"/>
+                <a:sym typeface="Arial" panose="020B0604020202020204" pitchFamily="34" charset="0"/>
+              </a:defRPr>
+            </a:lvl1pPr>
+            <a:lvl2pPr marL="742950" indent="-285750">
+              <a:defRPr sz="1400">
+                <a:solidFill>
+                  <a:srgbClr val="000000"/>
+                </a:solidFill>
+                <a:latin typeface="Arial" panose="020B0604020202020204" pitchFamily="34" charset="0"/>
+                <a:cs typeface="Arial" panose="020B0604020202020204" pitchFamily="34" charset="0"/>
+                <a:sym typeface="Arial" panose="020B0604020202020204" pitchFamily="34" charset="0"/>
+              </a:defRPr>
+            </a:lvl2pPr>
+            <a:lvl3pPr marL="1143000" indent="-228600">
+              <a:defRPr sz="1400">
+                <a:solidFill>
+                  <a:srgbClr val="000000"/>
+                </a:solidFill>
+                <a:latin typeface="Arial" panose="020B0604020202020204" pitchFamily="34" charset="0"/>
+                <a:cs typeface="Arial" panose="020B0604020202020204" pitchFamily="34" charset="0"/>
+                <a:sym typeface="Arial" panose="020B0604020202020204" pitchFamily="34" charset="0"/>
+              </a:defRPr>
+            </a:lvl3pPr>
+            <a:lvl4pPr marL="1600200" indent="-228600">
+              <a:defRPr sz="1400">
+                <a:solidFill>
+                  <a:srgbClr val="000000"/>
+                </a:solidFill>
+                <a:latin typeface="Arial" panose="020B0604020202020204" pitchFamily="34" charset="0"/>
+                <a:cs typeface="Arial" panose="020B0604020202020204" pitchFamily="34" charset="0"/>
+                <a:sym typeface="Arial" panose="020B0604020202020204" pitchFamily="34" charset="0"/>
+              </a:defRPr>
+            </a:lvl4pPr>
+            <a:lvl5pPr marL="2057400" indent="-228600">
+              <a:defRPr sz="1400">
+                <a:solidFill>
+                  <a:srgbClr val="000000"/>
+                </a:solidFill>
+                <a:latin typeface="Arial" panose="020B0604020202020204" pitchFamily="34" charset="0"/>
+                <a:cs typeface="Arial" panose="020B0604020202020204" pitchFamily="34" charset="0"/>
+                <a:sym typeface="Arial" panose="020B0604020202020204" pitchFamily="34" charset="0"/>
+              </a:defRPr>
+            </a:lvl5pPr>
+            <a:lvl6pPr marL="2514600" indent="-228600" eaLnBrk="0" fontAlgn="base" hangingPunct="0">
+              <a:spcBef>
+                <a:spcPct val="0"/>
+              </a:spcBef>
+              <a:spcAft>
+                <a:spcPct val="0"/>
+              </a:spcAft>
+              <a:defRPr sz="1400">
+                <a:solidFill>
+                  <a:srgbClr val="000000"/>
+                </a:solidFill>
+                <a:latin typeface="Arial" panose="020B0604020202020204" pitchFamily="34" charset="0"/>
+                <a:cs typeface="Arial" panose="020B0604020202020204" pitchFamily="34" charset="0"/>
+                <a:sym typeface="Arial" panose="020B0604020202020204" pitchFamily="34" charset="0"/>
+              </a:defRPr>
+            </a:lvl6pPr>
+            <a:lvl7pPr marL="2971800" indent="-228600" eaLnBrk="0" fontAlgn="base" hangingPunct="0">
+              <a:spcBef>
+                <a:spcPct val="0"/>
+              </a:spcBef>
+              <a:spcAft>
+                <a:spcPct val="0"/>
+              </a:spcAft>
+              <a:defRPr sz="1400">
+                <a:solidFill>
+                  <a:srgbClr val="000000"/>
+                </a:solidFill>
+                <a:latin typeface="Arial" panose="020B0604020202020204" pitchFamily="34" charset="0"/>
+                <a:cs typeface="Arial" panose="020B0604020202020204" pitchFamily="34" charset="0"/>
+                <a:sym typeface="Arial" panose="020B0604020202020204" pitchFamily="34" charset="0"/>
+              </a:defRPr>
+            </a:lvl7pPr>
+            <a:lvl8pPr marL="3429000" indent="-228600" eaLnBrk="0" fontAlgn="base" hangingPunct="0">
+              <a:spcBef>
+                <a:spcPct val="0"/>
+              </a:spcBef>
+              <a:spcAft>
+                <a:spcPct val="0"/>
+              </a:spcAft>
+              <a:defRPr sz="1400">
+                <a:solidFill>
+                  <a:srgbClr val="000000"/>
+                </a:solidFill>
+                <a:latin typeface="Arial" panose="020B0604020202020204" pitchFamily="34" charset="0"/>
+                <a:cs typeface="Arial" panose="020B0604020202020204" pitchFamily="34" charset="0"/>
+                <a:sym typeface="Arial" panose="020B0604020202020204" pitchFamily="34" charset="0"/>
+              </a:defRPr>
+            </a:lvl8pPr>
+            <a:lvl9pPr marL="3886200" indent="-228600" eaLnBrk="0" fontAlgn="base" hangingPunct="0">
+              <a:spcBef>
+                <a:spcPct val="0"/>
+              </a:spcBef>
+              <a:spcAft>
+                <a:spcPct val="0"/>
+              </a:spcAft>
+              <a:defRPr sz="1400">
+                <a:solidFill>
+                  <a:srgbClr val="000000"/>
+                </a:solidFill>
+                <a:latin typeface="Arial" panose="020B0604020202020204" pitchFamily="34" charset="0"/>
+                <a:cs typeface="Arial" panose="020B0604020202020204" pitchFamily="34" charset="0"/>
+                <a:sym typeface="Arial" panose="020B0604020202020204" pitchFamily="34" charset="0"/>
+              </a:defRPr>
+            </a:lvl9pPr>
+          </a:lstStyle>
+          <a:p>
+            <a:pPr eaLnBrk="1" hangingPunct="1"/>
+            <a:endParaRPr lang="en-US" altLang="en-US" sz="1200">
+              <a:latin typeface="Times New Roman" panose="02020603050405020304" pitchFamily="18" charset="0"/>
+              <a:cs typeface="Times New Roman" panose="02020603050405020304" pitchFamily="18" charset="0"/>
+              <a:sym typeface="Times New Roman" panose="02020603050405020304" pitchFamily="18" charset="0"/>
+            </a:endParaRPr>
+          </a:p>
+        </p:txBody>
+      </p:sp>
+      <p:sp>
+        <p:nvSpPr>
+          <p:cNvPr id="63492" name="Shape 165">
+            <a:extLst>
+              <a:ext uri="{FF2B5EF4-FFF2-40B4-BE49-F238E27FC236}">
+                <a16:creationId xmlns:a16="http://schemas.microsoft.com/office/drawing/2014/main" id="{FDAA7B4A-DF7F-43EF-97B4-FB84FF80C407}"/>
+              </a:ext>
+            </a:extLst>
+          </p:cNvPr>
+          <p:cNvSpPr>
+            <a:spLocks noChangeArrowheads="1"/>
+          </p:cNvSpPr>
+          <p:nvPr/>
+        </p:nvSpPr>
+        <p:spPr bwMode="auto">
+          <a:xfrm>
+            <a:off x="8001000" y="6781800"/>
+            <a:ext cx="1143000" cy="76200"/>
+          </a:xfrm>
+          <a:prstGeom prst="rect">
+            <a:avLst/>
+          </a:prstGeom>
+          <a:solidFill>
+            <a:srgbClr val="FF9900"/>
+          </a:solidFill>
+          <a:ln>
+            <a:noFill/>
+          </a:ln>
+          <a:extLst>
+            <a:ext uri="{91240B29-F687-4F45-9708-019B960494DF}">
+              <a14:hiddenLine xmlns:a14="http://schemas.microsoft.com/office/drawing/2010/main" w="9525">
+                <a:solidFill>
+                  <a:srgbClr val="000000"/>
+                </a:solidFill>
+                <a:miter lim="800000"/>
+                <a:headEnd/>
+                <a:tailEnd/>
+              </a14:hiddenLine>
+            </a:ext>
+          </a:extLst>
+        </p:spPr>
+        <p:txBody>
+          <a:bodyPr lIns="0" tIns="0" rIns="0" bIns="0"/>
+          <a:lstStyle>
+            <a:lvl1pPr>
+              <a:defRPr sz="1400">
+                <a:solidFill>
+                  <a:srgbClr val="000000"/>
+                </a:solidFill>
+                <a:latin typeface="Arial" panose="020B0604020202020204" pitchFamily="34" charset="0"/>
+                <a:cs typeface="Arial" panose="020B0604020202020204" pitchFamily="34" charset="0"/>
+                <a:sym typeface="Arial" panose="020B0604020202020204" pitchFamily="34" charset="0"/>
+              </a:defRPr>
+            </a:lvl1pPr>
+            <a:lvl2pPr marL="742950" indent="-285750">
+              <a:defRPr sz="1400">
+                <a:solidFill>
+                  <a:srgbClr val="000000"/>
+                </a:solidFill>
+                <a:latin typeface="Arial" panose="020B0604020202020204" pitchFamily="34" charset="0"/>
+                <a:cs typeface="Arial" panose="020B0604020202020204" pitchFamily="34" charset="0"/>
+                <a:sym typeface="Arial" panose="020B0604020202020204" pitchFamily="34" charset="0"/>
+              </a:defRPr>
+            </a:lvl2pPr>
+            <a:lvl3pPr marL="1143000" indent="-228600">
+              <a:defRPr sz="1400">
+                <a:solidFill>
+                  <a:srgbClr val="000000"/>
+                </a:solidFill>
+                <a:latin typeface="Arial" panose="020B0604020202020204" pitchFamily="34" charset="0"/>
+                <a:cs typeface="Arial" panose="020B0604020202020204" pitchFamily="34" charset="0"/>
+                <a:sym typeface="Arial" panose="020B0604020202020204" pitchFamily="34" charset="0"/>
+              </a:defRPr>
+            </a:lvl3pPr>
+            <a:lvl4pPr marL="1600200" indent="-228600">
+              <a:defRPr sz="1400">
+                <a:solidFill>
+                  <a:srgbClr val="000000"/>
+                </a:solidFill>
+                <a:latin typeface="Arial" panose="020B0604020202020204" pitchFamily="34" charset="0"/>
+                <a:cs typeface="Arial" panose="020B0604020202020204" pitchFamily="34" charset="0"/>
+                <a:sym typeface="Arial" panose="020B0604020202020204" pitchFamily="34" charset="0"/>
+              </a:defRPr>
+            </a:lvl4pPr>
+            <a:lvl5pPr marL="2057400" indent="-228600">
+              <a:defRPr sz="1400">
+                <a:solidFill>
+                  <a:srgbClr val="000000"/>
+                </a:solidFill>
+                <a:latin typeface="Arial" panose="020B0604020202020204" pitchFamily="34" charset="0"/>
+                <a:cs typeface="Arial" panose="020B0604020202020204" pitchFamily="34" charset="0"/>
+                <a:sym typeface="Arial" panose="020B0604020202020204" pitchFamily="34" charset="0"/>
+              </a:defRPr>
+            </a:lvl5pPr>
+            <a:lvl6pPr marL="2514600" indent="-228600" eaLnBrk="0" fontAlgn="base" hangingPunct="0">
+              <a:spcBef>
+                <a:spcPct val="0"/>
+              </a:spcBef>
+              <a:spcAft>
+                <a:spcPct val="0"/>
+              </a:spcAft>
+              <a:defRPr sz="1400">
+                <a:solidFill>
+                  <a:srgbClr val="000000"/>
+                </a:solidFill>
+                <a:latin typeface="Arial" panose="020B0604020202020204" pitchFamily="34" charset="0"/>
+                <a:cs typeface="Arial" panose="020B0604020202020204" pitchFamily="34" charset="0"/>
+                <a:sym typeface="Arial" panose="020B0604020202020204" pitchFamily="34" charset="0"/>
+              </a:defRPr>
+            </a:lvl6pPr>
+            <a:lvl7pPr marL="2971800" indent="-228600" eaLnBrk="0" fontAlgn="base" hangingPunct="0">
+              <a:spcBef>
+                <a:spcPct val="0"/>
+              </a:spcBef>
+              <a:spcAft>
+                <a:spcPct val="0"/>
+              </a:spcAft>
+              <a:defRPr sz="1400">
+                <a:solidFill>
+                  <a:srgbClr val="000000"/>
+                </a:solidFill>
+                <a:latin typeface="Arial" panose="020B0604020202020204" pitchFamily="34" charset="0"/>
+                <a:cs typeface="Arial" panose="020B0604020202020204" pitchFamily="34" charset="0"/>
+                <a:sym typeface="Arial" panose="020B0604020202020204" pitchFamily="34" charset="0"/>
+              </a:defRPr>
+            </a:lvl7pPr>
+            <a:lvl8pPr marL="3429000" indent="-228600" eaLnBrk="0" fontAlgn="base" hangingPunct="0">
+              <a:spcBef>
+                <a:spcPct val="0"/>
+              </a:spcBef>
+              <a:spcAft>
+                <a:spcPct val="0"/>
+              </a:spcAft>
+              <a:defRPr sz="1400">
+                <a:solidFill>
+                  <a:srgbClr val="000000"/>
+                </a:solidFill>
+                <a:latin typeface="Arial" panose="020B0604020202020204" pitchFamily="34" charset="0"/>
+                <a:cs typeface="Arial" panose="020B0604020202020204" pitchFamily="34" charset="0"/>
+                <a:sym typeface="Arial" panose="020B0604020202020204" pitchFamily="34" charset="0"/>
+              </a:defRPr>
+            </a:lvl8pPr>
+            <a:lvl9pPr marL="3886200" indent="-228600" eaLnBrk="0" fontAlgn="base" hangingPunct="0">
+              <a:spcBef>
+                <a:spcPct val="0"/>
+              </a:spcBef>
+              <a:spcAft>
+                <a:spcPct val="0"/>
+              </a:spcAft>
+              <a:defRPr sz="1400">
+                <a:solidFill>
+                  <a:srgbClr val="000000"/>
+                </a:solidFill>
+                <a:latin typeface="Arial" panose="020B0604020202020204" pitchFamily="34" charset="0"/>
+                <a:cs typeface="Arial" panose="020B0604020202020204" pitchFamily="34" charset="0"/>
+                <a:sym typeface="Arial" panose="020B0604020202020204" pitchFamily="34" charset="0"/>
+              </a:defRPr>
+            </a:lvl9pPr>
+          </a:lstStyle>
+          <a:p>
+            <a:pPr eaLnBrk="1" hangingPunct="1"/>
+            <a:endParaRPr lang="en-US" altLang="en-US" sz="1200">
+              <a:latin typeface="Times New Roman" panose="02020603050405020304" pitchFamily="18" charset="0"/>
+              <a:cs typeface="Times New Roman" panose="02020603050405020304" pitchFamily="18" charset="0"/>
+              <a:sym typeface="Times New Roman" panose="02020603050405020304" pitchFamily="18" charset="0"/>
+            </a:endParaRPr>
+          </a:p>
+        </p:txBody>
+      </p:sp>
+      <p:sp>
+        <p:nvSpPr>
+          <p:cNvPr id="63496" name="Shape 170">
+            <a:extLst>
+              <a:ext uri="{FF2B5EF4-FFF2-40B4-BE49-F238E27FC236}">
+                <a16:creationId xmlns:a16="http://schemas.microsoft.com/office/drawing/2014/main" id="{D690FE6D-881C-4EC4-AA9E-72C7514ADB47}"/>
+              </a:ext>
+            </a:extLst>
+          </p:cNvPr>
+          <p:cNvSpPr txBox="1">
+            <a:spLocks noGrp="1"/>
+          </p:cNvSpPr>
+          <p:nvPr>
+            <p:ph type="title"/>
+          </p:nvPr>
+        </p:nvSpPr>
+        <p:spPr>
+          <a:xfrm>
+            <a:off x="635000" y="556260"/>
+            <a:ext cx="8509000" cy="1143000"/>
+          </a:xfrm>
+        </p:spPr>
+        <p:txBody>
+          <a:bodyPr lIns="50800" tIns="50800" rIns="132075" bIns="50800"/>
+          <a:lstStyle/>
+          <a:p>
+            <a:pPr marL="38100" indent="0">
+              <a:spcBef>
+                <a:spcPct val="0"/>
+              </a:spcBef>
+              <a:spcAft>
+                <a:spcPct val="0"/>
+              </a:spcAft>
+              <a:buClr>
+                <a:srgbClr val="000000"/>
+              </a:buClr>
+              <a:buSzPct val="25000"/>
+            </a:pPr>
+            <a:r>
+              <a:rPr lang="en-US" altLang="en-US" dirty="0">
+                <a:solidFill>
+                  <a:srgbClr val="000000"/>
+                </a:solidFill>
+                <a:latin typeface="Arial Black" panose="020B0A04020102020204" pitchFamily="34" charset="0"/>
+                <a:cs typeface="Arial" panose="020B0604020202020204" pitchFamily="34" charset="0"/>
+                <a:sym typeface="Arial Black" panose="020B0A04020102020204" pitchFamily="34" charset="0"/>
+              </a:rPr>
+              <a:t>Various Data Types</a:t>
+            </a:r>
+            <a:br>
+              <a:rPr lang="en-US" altLang="en-US" dirty="0">
+                <a:solidFill>
+                  <a:srgbClr val="000000"/>
+                </a:solidFill>
+                <a:latin typeface="Arial Black" panose="020B0A04020102020204" pitchFamily="34" charset="0"/>
+                <a:cs typeface="Arial" panose="020B0604020202020204" pitchFamily="34" charset="0"/>
+                <a:sym typeface="Arial Black" panose="020B0A04020102020204" pitchFamily="34" charset="0"/>
+              </a:rPr>
+            </a:br>
+            <a:r>
+              <a:rPr lang="en-US" altLang="en-US" dirty="0">
+                <a:solidFill>
+                  <a:srgbClr val="000000"/>
+                </a:solidFill>
+                <a:latin typeface="Arial Black" panose="020B0A04020102020204" pitchFamily="34" charset="0"/>
+                <a:cs typeface="Arial" panose="020B0604020202020204" pitchFamily="34" charset="0"/>
+                <a:sym typeface="Arial Black" panose="020B0A04020102020204" pitchFamily="34" charset="0"/>
+              </a:rPr>
+              <a:t>Memory Allocation of Arrays</a:t>
+            </a:r>
+          </a:p>
+        </p:txBody>
+      </p:sp>
+      <p:sp>
+        <p:nvSpPr>
+          <p:cNvPr id="63497" name="Rectangle 9">
+            <a:extLst>
+              <a:ext uri="{FF2B5EF4-FFF2-40B4-BE49-F238E27FC236}">
+                <a16:creationId xmlns:a16="http://schemas.microsoft.com/office/drawing/2014/main" id="{F263ED7B-EF77-4AE3-BEA7-887BB0B67D1B}"/>
+              </a:ext>
+            </a:extLst>
+          </p:cNvPr>
+          <p:cNvSpPr txBox="1">
+            <a:spLocks noGrp="1"/>
+          </p:cNvSpPr>
+          <p:nvPr>
+            <p:ph type="body" idx="1"/>
+          </p:nvPr>
+        </p:nvSpPr>
+        <p:spPr>
+          <a:xfrm>
+            <a:off x="635000" y="2011680"/>
+            <a:ext cx="8247062" cy="4433959"/>
+          </a:xfrm>
+        </p:spPr>
+        <p:txBody>
+          <a:bodyPr>
+            <a:normAutofit/>
+          </a:bodyPr>
+          <a:lstStyle/>
+          <a:p>
+            <a:r>
+              <a:rPr lang="en-US" sz="2400" dirty="0"/>
+              <a:t>If the shape of an array is known at compile time, and if the array can exist throughout the execution of the program, then the compiler can allocate space for the array in static global memory.</a:t>
+            </a:r>
+          </a:p>
+          <a:p>
+            <a:r>
+              <a:rPr lang="en-US" sz="2400" dirty="0"/>
+              <a:t>If the shape of the array is known at compile time, but the array should not exist throughout the execution of the program, then space can be allocated in the subroutine’s stack frame at run time, i.e., we have stack allocation.</a:t>
+            </a:r>
+          </a:p>
+          <a:p>
+            <a:r>
+              <a:rPr lang="en-US" sz="2400" dirty="0"/>
+              <a:t>Finally, if the shape is also not known at compile time, then the array is allocated memory in the heap, i.e., we have heap allocation.</a:t>
+            </a:r>
+            <a:endParaRPr lang="en-US" altLang="en-US" sz="1600" b="1" dirty="0">
+              <a:solidFill>
+                <a:srgbClr val="000000"/>
+              </a:solidFill>
+              <a:latin typeface="Courier New" panose="02070309020205020404" pitchFamily="49" charset="0"/>
+              <a:ea typeface="Times New Roman" panose="02020603050405020304" pitchFamily="18" charset="0"/>
+              <a:cs typeface="Courier New" panose="02070309020205020404" pitchFamily="49" charset="0"/>
+              <a:sym typeface="Times New Roman" panose="02020603050405020304" pitchFamily="18" charset="0"/>
+            </a:endParaRPr>
+          </a:p>
+          <a:p>
+            <a:pPr marL="730250" lvl="1" indent="-133350">
+              <a:spcAft>
+                <a:spcPct val="0"/>
+              </a:spcAft>
+              <a:buClr>
+                <a:srgbClr val="000000"/>
+              </a:buClr>
+              <a:buSzTx/>
+              <a:buFont typeface="Times New Roman" panose="02020603050405020304" pitchFamily="18" charset="0"/>
+              <a:buChar char="–"/>
+            </a:pPr>
+            <a:endParaRPr lang="en-US" altLang="en-US" dirty="0">
+              <a:solidFill>
+                <a:srgbClr val="000000"/>
+              </a:solidFill>
+              <a:latin typeface="Times New Roman" panose="02020603050405020304" pitchFamily="18" charset="0"/>
+              <a:cs typeface="Times New Roman" panose="02020603050405020304" pitchFamily="18" charset="0"/>
+              <a:sym typeface="Times New Roman" panose="02020603050405020304" pitchFamily="18" charset="0"/>
+            </a:endParaRPr>
+          </a:p>
+        </p:txBody>
+      </p:sp>
+      <p:sp>
+        <p:nvSpPr>
+          <p:cNvPr id="2" name="Date Placeholder 1">
+            <a:extLst>
+              <a:ext uri="{FF2B5EF4-FFF2-40B4-BE49-F238E27FC236}">
+                <a16:creationId xmlns:a16="http://schemas.microsoft.com/office/drawing/2014/main" id="{B741B908-EE06-4D6C-9153-DB2F4CC943F6}"/>
+              </a:ext>
+            </a:extLst>
+          </p:cNvPr>
+          <p:cNvSpPr>
+            <a:spLocks noGrp="1"/>
+          </p:cNvSpPr>
+          <p:nvPr>
+            <p:ph type="dt" idx="10"/>
+          </p:nvPr>
+        </p:nvSpPr>
+        <p:spPr/>
+        <p:txBody>
+          <a:bodyPr/>
+          <a:lstStyle/>
+          <a:p>
+            <a:pPr>
+              <a:defRPr/>
+            </a:pPr>
+            <a:endParaRPr lang="en-US" altLang="en-US" dirty="0"/>
+          </a:p>
+        </p:txBody>
+      </p:sp>
+      <p:sp>
+        <p:nvSpPr>
+          <p:cNvPr id="3" name="Footer Placeholder 2">
+            <a:extLst>
+              <a:ext uri="{FF2B5EF4-FFF2-40B4-BE49-F238E27FC236}">
+                <a16:creationId xmlns:a16="http://schemas.microsoft.com/office/drawing/2014/main" id="{CB3082DC-48EF-4257-B036-6B7AE9A4CAD3}"/>
+              </a:ext>
+            </a:extLst>
+          </p:cNvPr>
+          <p:cNvSpPr>
+            <a:spLocks noGrp="1"/>
+          </p:cNvSpPr>
+          <p:nvPr>
+            <p:ph type="ftr" idx="11"/>
+          </p:nvPr>
+        </p:nvSpPr>
+        <p:spPr/>
+        <p:txBody>
+          <a:bodyPr/>
+          <a:lstStyle/>
+          <a:p>
+            <a:pPr>
+              <a:defRPr/>
+            </a:pPr>
+            <a:r>
+              <a:rPr lang="en-US"/>
+              <a:t>(c) P Pawar - SUNY Korea, R Banerjee, P Fodor - SBU - CSE 216, Elsevier, Norbert zeh – dalhousi university</a:t>
+            </a:r>
+          </a:p>
+          <a:p>
+            <a:pPr>
+              <a:defRPr/>
+            </a:pPr>
+            <a:endParaRPr lang="en-US" altLang="en-US" dirty="0"/>
+          </a:p>
+        </p:txBody>
+      </p:sp>
+      <p:sp>
+        <p:nvSpPr>
+          <p:cNvPr id="4" name="Slide Number Placeholder 3">
+            <a:extLst>
+              <a:ext uri="{FF2B5EF4-FFF2-40B4-BE49-F238E27FC236}">
+                <a16:creationId xmlns:a16="http://schemas.microsoft.com/office/drawing/2014/main" id="{9E2D0F95-69FE-4307-BF50-B35B3FAE8259}"/>
+              </a:ext>
+            </a:extLst>
+          </p:cNvPr>
+          <p:cNvSpPr>
+            <a:spLocks noGrp="1"/>
+          </p:cNvSpPr>
+          <p:nvPr>
+            <p:ph type="sldNum" idx="12"/>
+          </p:nvPr>
+        </p:nvSpPr>
+        <p:spPr/>
+        <p:txBody>
+          <a:bodyPr/>
+          <a:lstStyle/>
+          <a:p>
+            <a:pPr>
+              <a:defRPr/>
+            </a:pPr>
+            <a:fld id="{5ADDA12D-926A-4457-9E04-5FDF150FC22F}" type="slidenum">
+              <a:rPr lang="en-US" altLang="en-US" smtClean="0"/>
+              <a:pPr>
+                <a:defRPr/>
+              </a:pPr>
+              <a:t>42</a:t>
+            </a:fld>
+            <a:endParaRPr lang="en-US" altLang="en-US" dirty="0"/>
+          </a:p>
+        </p:txBody>
+      </p:sp>
+    </p:spTree>
+    <p:extLst>
+      <p:ext uri="{BB962C8B-B14F-4D97-AF65-F5344CB8AC3E}">
+        <p14:creationId xmlns:p14="http://schemas.microsoft.com/office/powerpoint/2010/main" val="2790276080"/>
+      </p:ext>
+    </p:extLst>
+  </p:cSld>
+  <p:clrMapOvr>
+    <a:masterClrMapping/>
+  </p:clrMapOvr>
+  <p:transition spd="slow">
+    <p:cut/>
+  </p:transition>
+</p:sld>
+</file>
+
+<file path=ppt/slides/slide43.xml><?xml version="1.0" encoding="utf-8"?>
+<p:sld xmlns:a="http://schemas.openxmlformats.org/drawingml/2006/main" xmlns:r="http://schemas.openxmlformats.org/officeDocument/2006/relationships" xmlns:p="http://schemas.openxmlformats.org/presentationml/2006/main">
+  <p:cSld>
+    <p:spTree>
+      <p:nvGrpSpPr>
+        <p:cNvPr id="1" name=""/>
+        <p:cNvGrpSpPr/>
+        <p:nvPr/>
+      </p:nvGrpSpPr>
+      <p:grpSpPr>
+        <a:xfrm>
+          <a:off x="0" y="0"/>
+          <a:ext cx="0" cy="0"/>
+          <a:chOff x="0" y="0"/>
+          <a:chExt cx="0" cy="0"/>
+        </a:xfrm>
+      </p:grpSpPr>
+      <p:sp>
+        <p:nvSpPr>
+          <p:cNvPr id="63491" name="Shape 164">
+            <a:extLst>
+              <a:ext uri="{FF2B5EF4-FFF2-40B4-BE49-F238E27FC236}">
+                <a16:creationId xmlns:a16="http://schemas.microsoft.com/office/drawing/2014/main" id="{6C415BBE-8224-4DD8-87D4-C84B09DE47E1}"/>
+              </a:ext>
+            </a:extLst>
+          </p:cNvPr>
+          <p:cNvSpPr>
+            <a:spLocks noChangeArrowheads="1"/>
+          </p:cNvSpPr>
+          <p:nvPr/>
+        </p:nvSpPr>
+        <p:spPr bwMode="auto">
+          <a:xfrm>
+            <a:off x="0" y="6781800"/>
+            <a:ext cx="8991600" cy="76200"/>
+          </a:xfrm>
+          <a:prstGeom prst="rect">
+            <a:avLst/>
+          </a:prstGeom>
+          <a:solidFill>
+            <a:srgbClr val="B2B2B4"/>
+          </a:solidFill>
+          <a:ln>
+            <a:noFill/>
+          </a:ln>
+          <a:extLst>
+            <a:ext uri="{91240B29-F687-4F45-9708-019B960494DF}">
+              <a14:hiddenLine xmlns:a14="http://schemas.microsoft.com/office/drawing/2010/main" w="9525">
+                <a:solidFill>
+                  <a:srgbClr val="000000"/>
+                </a:solidFill>
+                <a:miter lim="800000"/>
+                <a:headEnd/>
+                <a:tailEnd/>
+              </a14:hiddenLine>
+            </a:ext>
+          </a:extLst>
+        </p:spPr>
+        <p:txBody>
+          <a:bodyPr lIns="0" tIns="0" rIns="0" bIns="0"/>
+          <a:lstStyle>
+            <a:lvl1pPr>
+              <a:defRPr sz="1400">
+                <a:solidFill>
+                  <a:srgbClr val="000000"/>
+                </a:solidFill>
+                <a:latin typeface="Arial" panose="020B0604020202020204" pitchFamily="34" charset="0"/>
+                <a:cs typeface="Arial" panose="020B0604020202020204" pitchFamily="34" charset="0"/>
+                <a:sym typeface="Arial" panose="020B0604020202020204" pitchFamily="34" charset="0"/>
+              </a:defRPr>
+            </a:lvl1pPr>
+            <a:lvl2pPr marL="742950" indent="-285750">
+              <a:defRPr sz="1400">
+                <a:solidFill>
+                  <a:srgbClr val="000000"/>
+                </a:solidFill>
+                <a:latin typeface="Arial" panose="020B0604020202020204" pitchFamily="34" charset="0"/>
+                <a:cs typeface="Arial" panose="020B0604020202020204" pitchFamily="34" charset="0"/>
+                <a:sym typeface="Arial" panose="020B0604020202020204" pitchFamily="34" charset="0"/>
+              </a:defRPr>
+            </a:lvl2pPr>
+            <a:lvl3pPr marL="1143000" indent="-228600">
+              <a:defRPr sz="1400">
+                <a:solidFill>
+                  <a:srgbClr val="000000"/>
+                </a:solidFill>
+                <a:latin typeface="Arial" panose="020B0604020202020204" pitchFamily="34" charset="0"/>
+                <a:cs typeface="Arial" panose="020B0604020202020204" pitchFamily="34" charset="0"/>
+                <a:sym typeface="Arial" panose="020B0604020202020204" pitchFamily="34" charset="0"/>
+              </a:defRPr>
+            </a:lvl3pPr>
+            <a:lvl4pPr marL="1600200" indent="-228600">
+              <a:defRPr sz="1400">
+                <a:solidFill>
+                  <a:srgbClr val="000000"/>
+                </a:solidFill>
+                <a:latin typeface="Arial" panose="020B0604020202020204" pitchFamily="34" charset="0"/>
+                <a:cs typeface="Arial" panose="020B0604020202020204" pitchFamily="34" charset="0"/>
+                <a:sym typeface="Arial" panose="020B0604020202020204" pitchFamily="34" charset="0"/>
+              </a:defRPr>
+            </a:lvl4pPr>
+            <a:lvl5pPr marL="2057400" indent="-228600">
+              <a:defRPr sz="1400">
+                <a:solidFill>
+                  <a:srgbClr val="000000"/>
+                </a:solidFill>
+                <a:latin typeface="Arial" panose="020B0604020202020204" pitchFamily="34" charset="0"/>
+                <a:cs typeface="Arial" panose="020B0604020202020204" pitchFamily="34" charset="0"/>
+                <a:sym typeface="Arial" panose="020B0604020202020204" pitchFamily="34" charset="0"/>
+              </a:defRPr>
+            </a:lvl5pPr>
+            <a:lvl6pPr marL="2514600" indent="-228600" eaLnBrk="0" fontAlgn="base" hangingPunct="0">
+              <a:spcBef>
+                <a:spcPct val="0"/>
+              </a:spcBef>
+              <a:spcAft>
+                <a:spcPct val="0"/>
+              </a:spcAft>
+              <a:defRPr sz="1400">
+                <a:solidFill>
+                  <a:srgbClr val="000000"/>
+                </a:solidFill>
+                <a:latin typeface="Arial" panose="020B0604020202020204" pitchFamily="34" charset="0"/>
+                <a:cs typeface="Arial" panose="020B0604020202020204" pitchFamily="34" charset="0"/>
+                <a:sym typeface="Arial" panose="020B0604020202020204" pitchFamily="34" charset="0"/>
+              </a:defRPr>
+            </a:lvl6pPr>
+            <a:lvl7pPr marL="2971800" indent="-228600" eaLnBrk="0" fontAlgn="base" hangingPunct="0">
+              <a:spcBef>
+                <a:spcPct val="0"/>
+              </a:spcBef>
+              <a:spcAft>
+                <a:spcPct val="0"/>
+              </a:spcAft>
+              <a:defRPr sz="1400">
+                <a:solidFill>
+                  <a:srgbClr val="000000"/>
+                </a:solidFill>
+                <a:latin typeface="Arial" panose="020B0604020202020204" pitchFamily="34" charset="0"/>
+                <a:cs typeface="Arial" panose="020B0604020202020204" pitchFamily="34" charset="0"/>
+                <a:sym typeface="Arial" panose="020B0604020202020204" pitchFamily="34" charset="0"/>
+              </a:defRPr>
+            </a:lvl7pPr>
+            <a:lvl8pPr marL="3429000" indent="-228600" eaLnBrk="0" fontAlgn="base" hangingPunct="0">
+              <a:spcBef>
+                <a:spcPct val="0"/>
+              </a:spcBef>
+              <a:spcAft>
+                <a:spcPct val="0"/>
+              </a:spcAft>
+              <a:defRPr sz="1400">
+                <a:solidFill>
+                  <a:srgbClr val="000000"/>
+                </a:solidFill>
+                <a:latin typeface="Arial" panose="020B0604020202020204" pitchFamily="34" charset="0"/>
+                <a:cs typeface="Arial" panose="020B0604020202020204" pitchFamily="34" charset="0"/>
+                <a:sym typeface="Arial" panose="020B0604020202020204" pitchFamily="34" charset="0"/>
+              </a:defRPr>
+            </a:lvl8pPr>
+            <a:lvl9pPr marL="3886200" indent="-228600" eaLnBrk="0" fontAlgn="base" hangingPunct="0">
+              <a:spcBef>
+                <a:spcPct val="0"/>
+              </a:spcBef>
+              <a:spcAft>
+                <a:spcPct val="0"/>
+              </a:spcAft>
+              <a:defRPr sz="1400">
+                <a:solidFill>
+                  <a:srgbClr val="000000"/>
+                </a:solidFill>
+                <a:latin typeface="Arial" panose="020B0604020202020204" pitchFamily="34" charset="0"/>
+                <a:cs typeface="Arial" panose="020B0604020202020204" pitchFamily="34" charset="0"/>
+                <a:sym typeface="Arial" panose="020B0604020202020204" pitchFamily="34" charset="0"/>
+              </a:defRPr>
+            </a:lvl9pPr>
+          </a:lstStyle>
+          <a:p>
+            <a:pPr eaLnBrk="1" hangingPunct="1"/>
+            <a:endParaRPr lang="en-US" altLang="en-US" sz="1200">
+              <a:latin typeface="Times New Roman" panose="02020603050405020304" pitchFamily="18" charset="0"/>
+              <a:cs typeface="Times New Roman" panose="02020603050405020304" pitchFamily="18" charset="0"/>
+              <a:sym typeface="Times New Roman" panose="02020603050405020304" pitchFamily="18" charset="0"/>
+            </a:endParaRPr>
+          </a:p>
+        </p:txBody>
+      </p:sp>
+      <p:sp>
+        <p:nvSpPr>
+          <p:cNvPr id="63492" name="Shape 165">
+            <a:extLst>
+              <a:ext uri="{FF2B5EF4-FFF2-40B4-BE49-F238E27FC236}">
+                <a16:creationId xmlns:a16="http://schemas.microsoft.com/office/drawing/2014/main" id="{FDAA7B4A-DF7F-43EF-97B4-FB84FF80C407}"/>
+              </a:ext>
+            </a:extLst>
+          </p:cNvPr>
+          <p:cNvSpPr>
+            <a:spLocks noChangeArrowheads="1"/>
+          </p:cNvSpPr>
+          <p:nvPr/>
+        </p:nvSpPr>
+        <p:spPr bwMode="auto">
+          <a:xfrm>
+            <a:off x="8001000" y="6781800"/>
+            <a:ext cx="1143000" cy="76200"/>
+          </a:xfrm>
+          <a:prstGeom prst="rect">
+            <a:avLst/>
+          </a:prstGeom>
+          <a:solidFill>
+            <a:srgbClr val="FF9900"/>
+          </a:solidFill>
+          <a:ln>
+            <a:noFill/>
+          </a:ln>
+          <a:extLst>
+            <a:ext uri="{91240B29-F687-4F45-9708-019B960494DF}">
+              <a14:hiddenLine xmlns:a14="http://schemas.microsoft.com/office/drawing/2010/main" w="9525">
+                <a:solidFill>
+                  <a:srgbClr val="000000"/>
+                </a:solidFill>
+                <a:miter lim="800000"/>
+                <a:headEnd/>
+                <a:tailEnd/>
+              </a14:hiddenLine>
+            </a:ext>
+          </a:extLst>
+        </p:spPr>
+        <p:txBody>
+          <a:bodyPr lIns="0" tIns="0" rIns="0" bIns="0"/>
+          <a:lstStyle>
+            <a:lvl1pPr>
+              <a:defRPr sz="1400">
+                <a:solidFill>
+                  <a:srgbClr val="000000"/>
+                </a:solidFill>
+                <a:latin typeface="Arial" panose="020B0604020202020204" pitchFamily="34" charset="0"/>
+                <a:cs typeface="Arial" panose="020B0604020202020204" pitchFamily="34" charset="0"/>
+                <a:sym typeface="Arial" panose="020B0604020202020204" pitchFamily="34" charset="0"/>
+              </a:defRPr>
+            </a:lvl1pPr>
+            <a:lvl2pPr marL="742950" indent="-285750">
+              <a:defRPr sz="1400">
+                <a:solidFill>
+                  <a:srgbClr val="000000"/>
+                </a:solidFill>
+                <a:latin typeface="Arial" panose="020B0604020202020204" pitchFamily="34" charset="0"/>
+                <a:cs typeface="Arial" panose="020B0604020202020204" pitchFamily="34" charset="0"/>
+                <a:sym typeface="Arial" panose="020B0604020202020204" pitchFamily="34" charset="0"/>
+              </a:defRPr>
+            </a:lvl2pPr>
+            <a:lvl3pPr marL="1143000" indent="-228600">
+              <a:defRPr sz="1400">
+                <a:solidFill>
+                  <a:srgbClr val="000000"/>
+                </a:solidFill>
+                <a:latin typeface="Arial" panose="020B0604020202020204" pitchFamily="34" charset="0"/>
+                <a:cs typeface="Arial" panose="020B0604020202020204" pitchFamily="34" charset="0"/>
+                <a:sym typeface="Arial" panose="020B0604020202020204" pitchFamily="34" charset="0"/>
+              </a:defRPr>
+            </a:lvl3pPr>
+            <a:lvl4pPr marL="1600200" indent="-228600">
+              <a:defRPr sz="1400">
+                <a:solidFill>
+                  <a:srgbClr val="000000"/>
+                </a:solidFill>
+                <a:latin typeface="Arial" panose="020B0604020202020204" pitchFamily="34" charset="0"/>
+                <a:cs typeface="Arial" panose="020B0604020202020204" pitchFamily="34" charset="0"/>
+                <a:sym typeface="Arial" panose="020B0604020202020204" pitchFamily="34" charset="0"/>
+              </a:defRPr>
+            </a:lvl4pPr>
+            <a:lvl5pPr marL="2057400" indent="-228600">
+              <a:defRPr sz="1400">
+                <a:solidFill>
+                  <a:srgbClr val="000000"/>
+                </a:solidFill>
+                <a:latin typeface="Arial" panose="020B0604020202020204" pitchFamily="34" charset="0"/>
+                <a:cs typeface="Arial" panose="020B0604020202020204" pitchFamily="34" charset="0"/>
+                <a:sym typeface="Arial" panose="020B0604020202020204" pitchFamily="34" charset="0"/>
+              </a:defRPr>
+            </a:lvl5pPr>
+            <a:lvl6pPr marL="2514600" indent="-228600" eaLnBrk="0" fontAlgn="base" hangingPunct="0">
+              <a:spcBef>
+                <a:spcPct val="0"/>
+              </a:spcBef>
+              <a:spcAft>
+                <a:spcPct val="0"/>
+              </a:spcAft>
+              <a:defRPr sz="1400">
+                <a:solidFill>
+                  <a:srgbClr val="000000"/>
+                </a:solidFill>
+                <a:latin typeface="Arial" panose="020B0604020202020204" pitchFamily="34" charset="0"/>
+                <a:cs typeface="Arial" panose="020B0604020202020204" pitchFamily="34" charset="0"/>
+                <a:sym typeface="Arial" panose="020B0604020202020204" pitchFamily="34" charset="0"/>
+              </a:defRPr>
+            </a:lvl6pPr>
+            <a:lvl7pPr marL="2971800" indent="-228600" eaLnBrk="0" fontAlgn="base" hangingPunct="0">
+              <a:spcBef>
+                <a:spcPct val="0"/>
+              </a:spcBef>
+              <a:spcAft>
+                <a:spcPct val="0"/>
+              </a:spcAft>
+              <a:defRPr sz="1400">
+                <a:solidFill>
+                  <a:srgbClr val="000000"/>
+                </a:solidFill>
+                <a:latin typeface="Arial" panose="020B0604020202020204" pitchFamily="34" charset="0"/>
+                <a:cs typeface="Arial" panose="020B0604020202020204" pitchFamily="34" charset="0"/>
+                <a:sym typeface="Arial" panose="020B0604020202020204" pitchFamily="34" charset="0"/>
+              </a:defRPr>
+            </a:lvl7pPr>
+            <a:lvl8pPr marL="3429000" indent="-228600" eaLnBrk="0" fontAlgn="base" hangingPunct="0">
+              <a:spcBef>
+                <a:spcPct val="0"/>
+              </a:spcBef>
+              <a:spcAft>
+                <a:spcPct val="0"/>
+              </a:spcAft>
+              <a:defRPr sz="1400">
+                <a:solidFill>
+                  <a:srgbClr val="000000"/>
+                </a:solidFill>
+                <a:latin typeface="Arial" panose="020B0604020202020204" pitchFamily="34" charset="0"/>
+                <a:cs typeface="Arial" panose="020B0604020202020204" pitchFamily="34" charset="0"/>
+                <a:sym typeface="Arial" panose="020B0604020202020204" pitchFamily="34" charset="0"/>
+              </a:defRPr>
+            </a:lvl8pPr>
+            <a:lvl9pPr marL="3886200" indent="-228600" eaLnBrk="0" fontAlgn="base" hangingPunct="0">
+              <a:spcBef>
+                <a:spcPct val="0"/>
+              </a:spcBef>
+              <a:spcAft>
+                <a:spcPct val="0"/>
+              </a:spcAft>
+              <a:defRPr sz="1400">
+                <a:solidFill>
+                  <a:srgbClr val="000000"/>
+                </a:solidFill>
+                <a:latin typeface="Arial" panose="020B0604020202020204" pitchFamily="34" charset="0"/>
+                <a:cs typeface="Arial" panose="020B0604020202020204" pitchFamily="34" charset="0"/>
+                <a:sym typeface="Arial" panose="020B0604020202020204" pitchFamily="34" charset="0"/>
+              </a:defRPr>
+            </a:lvl9pPr>
+          </a:lstStyle>
+          <a:p>
+            <a:pPr eaLnBrk="1" hangingPunct="1"/>
+            <a:endParaRPr lang="en-US" altLang="en-US" sz="1200">
+              <a:latin typeface="Times New Roman" panose="02020603050405020304" pitchFamily="18" charset="0"/>
+              <a:cs typeface="Times New Roman" panose="02020603050405020304" pitchFamily="18" charset="0"/>
+              <a:sym typeface="Times New Roman" panose="02020603050405020304" pitchFamily="18" charset="0"/>
+            </a:endParaRPr>
+          </a:p>
+        </p:txBody>
+      </p:sp>
+      <p:sp>
+        <p:nvSpPr>
+          <p:cNvPr id="63496" name="Shape 170">
+            <a:extLst>
+              <a:ext uri="{FF2B5EF4-FFF2-40B4-BE49-F238E27FC236}">
+                <a16:creationId xmlns:a16="http://schemas.microsoft.com/office/drawing/2014/main" id="{D690FE6D-881C-4EC4-AA9E-72C7514ADB47}"/>
+              </a:ext>
+            </a:extLst>
+          </p:cNvPr>
+          <p:cNvSpPr txBox="1">
+            <a:spLocks noGrp="1"/>
+          </p:cNvSpPr>
+          <p:nvPr>
+            <p:ph type="title"/>
+          </p:nvPr>
+        </p:nvSpPr>
+        <p:spPr>
+          <a:xfrm>
+            <a:off x="635000" y="556260"/>
+            <a:ext cx="8509000" cy="1143000"/>
+          </a:xfrm>
+        </p:spPr>
+        <p:txBody>
+          <a:bodyPr lIns="50800" tIns="50800" rIns="132075" bIns="50800"/>
+          <a:lstStyle/>
+          <a:p>
+            <a:pPr marL="38100" indent="0">
+              <a:spcBef>
+                <a:spcPct val="0"/>
+              </a:spcBef>
+              <a:spcAft>
+                <a:spcPct val="0"/>
+              </a:spcAft>
+              <a:buClr>
+                <a:srgbClr val="000000"/>
+              </a:buClr>
+              <a:buSzPct val="25000"/>
+            </a:pPr>
+            <a:r>
+              <a:rPr lang="en-US" altLang="en-US" dirty="0">
+                <a:solidFill>
+                  <a:srgbClr val="000000"/>
+                </a:solidFill>
+                <a:latin typeface="Arial Black" panose="020B0A04020102020204" pitchFamily="34" charset="0"/>
+                <a:cs typeface="Arial" panose="020B0604020202020204" pitchFamily="34" charset="0"/>
+                <a:sym typeface="Arial Black" panose="020B0A04020102020204" pitchFamily="34" charset="0"/>
+              </a:rPr>
+              <a:t>Various Data Types</a:t>
+            </a:r>
+            <a:br>
+              <a:rPr lang="en-US" altLang="en-US" dirty="0">
+                <a:solidFill>
+                  <a:srgbClr val="000000"/>
+                </a:solidFill>
+                <a:latin typeface="Arial Black" panose="020B0A04020102020204" pitchFamily="34" charset="0"/>
+                <a:cs typeface="Arial" panose="020B0604020202020204" pitchFamily="34" charset="0"/>
+                <a:sym typeface="Arial Black" panose="020B0A04020102020204" pitchFamily="34" charset="0"/>
+              </a:rPr>
+            </a:br>
+            <a:r>
+              <a:rPr lang="en-US" altLang="en-US" dirty="0">
+                <a:solidFill>
+                  <a:srgbClr val="000000"/>
+                </a:solidFill>
+                <a:latin typeface="Arial Black" panose="020B0A04020102020204" pitchFamily="34" charset="0"/>
+                <a:cs typeface="Arial" panose="020B0604020202020204" pitchFamily="34" charset="0"/>
+                <a:sym typeface="Arial Black" panose="020B0A04020102020204" pitchFamily="34" charset="0"/>
+              </a:rPr>
+              <a:t>Array Indexing</a:t>
+            </a:r>
+          </a:p>
+        </p:txBody>
+      </p:sp>
+      <p:sp>
+        <p:nvSpPr>
+          <p:cNvPr id="63497" name="Rectangle 9">
+            <a:extLst>
+              <a:ext uri="{FF2B5EF4-FFF2-40B4-BE49-F238E27FC236}">
+                <a16:creationId xmlns:a16="http://schemas.microsoft.com/office/drawing/2014/main" id="{F263ED7B-EF77-4AE3-BEA7-887BB0B67D1B}"/>
+              </a:ext>
+            </a:extLst>
+          </p:cNvPr>
+          <p:cNvSpPr txBox="1">
+            <a:spLocks noGrp="1"/>
+          </p:cNvSpPr>
+          <p:nvPr>
+            <p:ph type="body" idx="1"/>
+          </p:nvPr>
+        </p:nvSpPr>
+        <p:spPr>
+          <a:xfrm>
+            <a:off x="635000" y="2011680"/>
+            <a:ext cx="8247062" cy="4433959"/>
+          </a:xfrm>
+        </p:spPr>
+        <p:txBody>
+          <a:bodyPr>
+            <a:normAutofit/>
+          </a:bodyPr>
+          <a:lstStyle/>
+          <a:p>
+            <a:r>
+              <a:rPr lang="en-US" sz="2400" dirty="0"/>
+              <a:t>Most programming languages require array indices to be non-negative integers. That is, the “index” is implicitly the integer data type.</a:t>
+            </a:r>
+          </a:p>
+          <a:p>
+            <a:r>
+              <a:rPr lang="en-US" sz="2400" dirty="0"/>
+              <a:t>Some languages provide bound checking, and raise an exception when you try to access elements outside the bounds of the array (e.g. Java).</a:t>
+            </a:r>
+          </a:p>
+          <a:p>
+            <a:r>
+              <a:rPr lang="en-US" sz="2400" dirty="0"/>
+              <a:t>Other languages, like C, don’t perform such checks, so the responsibility lies with the programmer.</a:t>
+            </a:r>
+            <a:endParaRPr lang="en-US" altLang="en-US" dirty="0">
+              <a:solidFill>
+                <a:srgbClr val="000000"/>
+              </a:solidFill>
+              <a:latin typeface="Times New Roman" panose="02020603050405020304" pitchFamily="18" charset="0"/>
+              <a:cs typeface="Times New Roman" panose="02020603050405020304" pitchFamily="18" charset="0"/>
+              <a:sym typeface="Times New Roman" panose="02020603050405020304" pitchFamily="18" charset="0"/>
+            </a:endParaRPr>
+          </a:p>
+        </p:txBody>
+      </p:sp>
+      <p:sp>
+        <p:nvSpPr>
+          <p:cNvPr id="2" name="Date Placeholder 1">
+            <a:extLst>
+              <a:ext uri="{FF2B5EF4-FFF2-40B4-BE49-F238E27FC236}">
+                <a16:creationId xmlns:a16="http://schemas.microsoft.com/office/drawing/2014/main" id="{5B3F9A61-1984-4AF4-AC52-FC8692A66546}"/>
+              </a:ext>
+            </a:extLst>
+          </p:cNvPr>
+          <p:cNvSpPr>
+            <a:spLocks noGrp="1"/>
+          </p:cNvSpPr>
+          <p:nvPr>
+            <p:ph type="dt" idx="10"/>
+          </p:nvPr>
+        </p:nvSpPr>
+        <p:spPr/>
+        <p:txBody>
+          <a:bodyPr/>
+          <a:lstStyle/>
+          <a:p>
+            <a:pPr>
+              <a:defRPr/>
+            </a:pPr>
+            <a:endParaRPr lang="en-US" altLang="en-US" dirty="0"/>
+          </a:p>
+        </p:txBody>
+      </p:sp>
+      <p:sp>
+        <p:nvSpPr>
+          <p:cNvPr id="3" name="Footer Placeholder 2">
+            <a:extLst>
+              <a:ext uri="{FF2B5EF4-FFF2-40B4-BE49-F238E27FC236}">
+                <a16:creationId xmlns:a16="http://schemas.microsoft.com/office/drawing/2014/main" id="{E7D63CCD-B51D-4DC8-B607-847864D73228}"/>
+              </a:ext>
+            </a:extLst>
+          </p:cNvPr>
+          <p:cNvSpPr>
+            <a:spLocks noGrp="1"/>
+          </p:cNvSpPr>
+          <p:nvPr>
+            <p:ph type="ftr" idx="11"/>
+          </p:nvPr>
+        </p:nvSpPr>
+        <p:spPr/>
+        <p:txBody>
+          <a:bodyPr/>
+          <a:lstStyle/>
+          <a:p>
+            <a:pPr>
+              <a:defRPr/>
+            </a:pPr>
+            <a:r>
+              <a:rPr lang="en-US"/>
+              <a:t>(c) P Pawar - SUNY Korea, R Banerjee, P Fodor - SBU - CSE 216, Elsevier, Norbert zeh – dalhousi university</a:t>
+            </a:r>
+          </a:p>
+          <a:p>
+            <a:pPr>
+              <a:defRPr/>
+            </a:pPr>
+            <a:endParaRPr lang="en-US" altLang="en-US" dirty="0"/>
+          </a:p>
+        </p:txBody>
+      </p:sp>
+      <p:sp>
+        <p:nvSpPr>
+          <p:cNvPr id="4" name="Slide Number Placeholder 3">
+            <a:extLst>
+              <a:ext uri="{FF2B5EF4-FFF2-40B4-BE49-F238E27FC236}">
+                <a16:creationId xmlns:a16="http://schemas.microsoft.com/office/drawing/2014/main" id="{5A609EFE-CAE1-4263-8BC0-F3D731ECD1CE}"/>
+              </a:ext>
+            </a:extLst>
+          </p:cNvPr>
+          <p:cNvSpPr>
+            <a:spLocks noGrp="1"/>
+          </p:cNvSpPr>
+          <p:nvPr>
+            <p:ph type="sldNum" idx="12"/>
+          </p:nvPr>
+        </p:nvSpPr>
+        <p:spPr/>
+        <p:txBody>
+          <a:bodyPr/>
+          <a:lstStyle/>
+          <a:p>
+            <a:pPr>
+              <a:defRPr/>
+            </a:pPr>
+            <a:fld id="{5ADDA12D-926A-4457-9E04-5FDF150FC22F}" type="slidenum">
+              <a:rPr lang="en-US" altLang="en-US" smtClean="0"/>
+              <a:pPr>
+                <a:defRPr/>
+              </a:pPr>
+              <a:t>43</a:t>
+            </a:fld>
+            <a:endParaRPr lang="en-US" altLang="en-US" dirty="0"/>
+          </a:p>
+        </p:txBody>
+      </p:sp>
+    </p:spTree>
+    <p:extLst>
+      <p:ext uri="{BB962C8B-B14F-4D97-AF65-F5344CB8AC3E}">
+        <p14:creationId xmlns:p14="http://schemas.microsoft.com/office/powerpoint/2010/main" val="2534298539"/>
+      </p:ext>
+    </p:extLst>
+  </p:cSld>
+  <p:clrMapOvr>
+    <a:masterClrMapping/>
+  </p:clrMapOvr>
+  <p:transition spd="slow">
+    <p:cut/>
+  </p:transition>
+</p:sld>
+</file>
+
+<file path=ppt/slides/slide44.xml><?xml version="1.0" encoding="utf-8"?>
+<p:sld xmlns:a="http://schemas.openxmlformats.org/drawingml/2006/main" xmlns:r="http://schemas.openxmlformats.org/officeDocument/2006/relationships" xmlns:p="http://schemas.openxmlformats.org/presentationml/2006/main">
+  <p:cSld>
+    <p:spTree>
+      <p:nvGrpSpPr>
+        <p:cNvPr id="1" name=""/>
+        <p:cNvGrpSpPr/>
+        <p:nvPr/>
+      </p:nvGrpSpPr>
+      <p:grpSpPr>
+        <a:xfrm>
+          <a:off x="0" y="0"/>
+          <a:ext cx="0" cy="0"/>
+          <a:chOff x="0" y="0"/>
+          <a:chExt cx="0" cy="0"/>
+        </a:xfrm>
+      </p:grpSpPr>
+      <p:sp>
+        <p:nvSpPr>
+          <p:cNvPr id="63491" name="Shape 164">
+            <a:extLst>
+              <a:ext uri="{FF2B5EF4-FFF2-40B4-BE49-F238E27FC236}">
+                <a16:creationId xmlns:a16="http://schemas.microsoft.com/office/drawing/2014/main" id="{6C415BBE-8224-4DD8-87D4-C84B09DE47E1}"/>
+              </a:ext>
+            </a:extLst>
+          </p:cNvPr>
+          <p:cNvSpPr>
+            <a:spLocks noChangeArrowheads="1"/>
+          </p:cNvSpPr>
+          <p:nvPr/>
+        </p:nvSpPr>
+        <p:spPr bwMode="auto">
+          <a:xfrm>
+            <a:off x="0" y="6781800"/>
+            <a:ext cx="8991600" cy="76200"/>
+          </a:xfrm>
+          <a:prstGeom prst="rect">
+            <a:avLst/>
+          </a:prstGeom>
+          <a:solidFill>
+            <a:srgbClr val="B2B2B4"/>
+          </a:solidFill>
+          <a:ln>
+            <a:noFill/>
+          </a:ln>
+          <a:extLst>
+            <a:ext uri="{91240B29-F687-4F45-9708-019B960494DF}">
+              <a14:hiddenLine xmlns:a14="http://schemas.microsoft.com/office/drawing/2010/main" w="9525">
+                <a:solidFill>
+                  <a:srgbClr val="000000"/>
+                </a:solidFill>
+                <a:miter lim="800000"/>
+                <a:headEnd/>
+                <a:tailEnd/>
+              </a14:hiddenLine>
+            </a:ext>
+          </a:extLst>
+        </p:spPr>
+        <p:txBody>
+          <a:bodyPr lIns="0" tIns="0" rIns="0" bIns="0"/>
+          <a:lstStyle>
+            <a:lvl1pPr>
+              <a:defRPr sz="1400">
+                <a:solidFill>
+                  <a:srgbClr val="000000"/>
+                </a:solidFill>
+                <a:latin typeface="Arial" panose="020B0604020202020204" pitchFamily="34" charset="0"/>
+                <a:cs typeface="Arial" panose="020B0604020202020204" pitchFamily="34" charset="0"/>
+                <a:sym typeface="Arial" panose="020B0604020202020204" pitchFamily="34" charset="0"/>
+              </a:defRPr>
+            </a:lvl1pPr>
+            <a:lvl2pPr marL="742950" indent="-285750">
+              <a:defRPr sz="1400">
+                <a:solidFill>
+                  <a:srgbClr val="000000"/>
+                </a:solidFill>
+                <a:latin typeface="Arial" panose="020B0604020202020204" pitchFamily="34" charset="0"/>
+                <a:cs typeface="Arial" panose="020B0604020202020204" pitchFamily="34" charset="0"/>
+                <a:sym typeface="Arial" panose="020B0604020202020204" pitchFamily="34" charset="0"/>
+              </a:defRPr>
+            </a:lvl2pPr>
+            <a:lvl3pPr marL="1143000" indent="-228600">
+              <a:defRPr sz="1400">
+                <a:solidFill>
+                  <a:srgbClr val="000000"/>
+                </a:solidFill>
+                <a:latin typeface="Arial" panose="020B0604020202020204" pitchFamily="34" charset="0"/>
+                <a:cs typeface="Arial" panose="020B0604020202020204" pitchFamily="34" charset="0"/>
+                <a:sym typeface="Arial" panose="020B0604020202020204" pitchFamily="34" charset="0"/>
+              </a:defRPr>
+            </a:lvl3pPr>
+            <a:lvl4pPr marL="1600200" indent="-228600">
+              <a:defRPr sz="1400">
+                <a:solidFill>
+                  <a:srgbClr val="000000"/>
+                </a:solidFill>
+                <a:latin typeface="Arial" panose="020B0604020202020204" pitchFamily="34" charset="0"/>
+                <a:cs typeface="Arial" panose="020B0604020202020204" pitchFamily="34" charset="0"/>
+                <a:sym typeface="Arial" panose="020B0604020202020204" pitchFamily="34" charset="0"/>
+              </a:defRPr>
+            </a:lvl4pPr>
+            <a:lvl5pPr marL="2057400" indent="-228600">
+              <a:defRPr sz="1400">
+                <a:solidFill>
+                  <a:srgbClr val="000000"/>
+                </a:solidFill>
+                <a:latin typeface="Arial" panose="020B0604020202020204" pitchFamily="34" charset="0"/>
+                <a:cs typeface="Arial" panose="020B0604020202020204" pitchFamily="34" charset="0"/>
+                <a:sym typeface="Arial" panose="020B0604020202020204" pitchFamily="34" charset="0"/>
+              </a:defRPr>
+            </a:lvl5pPr>
+            <a:lvl6pPr marL="2514600" indent="-228600" eaLnBrk="0" fontAlgn="base" hangingPunct="0">
+              <a:spcBef>
+                <a:spcPct val="0"/>
+              </a:spcBef>
+              <a:spcAft>
+                <a:spcPct val="0"/>
+              </a:spcAft>
+              <a:defRPr sz="1400">
+                <a:solidFill>
+                  <a:srgbClr val="000000"/>
+                </a:solidFill>
+                <a:latin typeface="Arial" panose="020B0604020202020204" pitchFamily="34" charset="0"/>
+                <a:cs typeface="Arial" panose="020B0604020202020204" pitchFamily="34" charset="0"/>
+                <a:sym typeface="Arial" panose="020B0604020202020204" pitchFamily="34" charset="0"/>
+              </a:defRPr>
+            </a:lvl6pPr>
+            <a:lvl7pPr marL="2971800" indent="-228600" eaLnBrk="0" fontAlgn="base" hangingPunct="0">
+              <a:spcBef>
+                <a:spcPct val="0"/>
+              </a:spcBef>
+              <a:spcAft>
+                <a:spcPct val="0"/>
+              </a:spcAft>
+              <a:defRPr sz="1400">
+                <a:solidFill>
+                  <a:srgbClr val="000000"/>
+                </a:solidFill>
+                <a:latin typeface="Arial" panose="020B0604020202020204" pitchFamily="34" charset="0"/>
+                <a:cs typeface="Arial" panose="020B0604020202020204" pitchFamily="34" charset="0"/>
+                <a:sym typeface="Arial" panose="020B0604020202020204" pitchFamily="34" charset="0"/>
+              </a:defRPr>
+            </a:lvl7pPr>
+            <a:lvl8pPr marL="3429000" indent="-228600" eaLnBrk="0" fontAlgn="base" hangingPunct="0">
+              <a:spcBef>
+                <a:spcPct val="0"/>
+              </a:spcBef>
+              <a:spcAft>
+                <a:spcPct val="0"/>
+              </a:spcAft>
+              <a:defRPr sz="1400">
+                <a:solidFill>
+                  <a:srgbClr val="000000"/>
+                </a:solidFill>
+                <a:latin typeface="Arial" panose="020B0604020202020204" pitchFamily="34" charset="0"/>
+                <a:cs typeface="Arial" panose="020B0604020202020204" pitchFamily="34" charset="0"/>
+                <a:sym typeface="Arial" panose="020B0604020202020204" pitchFamily="34" charset="0"/>
+              </a:defRPr>
+            </a:lvl8pPr>
+            <a:lvl9pPr marL="3886200" indent="-228600" eaLnBrk="0" fontAlgn="base" hangingPunct="0">
+              <a:spcBef>
+                <a:spcPct val="0"/>
+              </a:spcBef>
+              <a:spcAft>
+                <a:spcPct val="0"/>
+              </a:spcAft>
+              <a:defRPr sz="1400">
+                <a:solidFill>
+                  <a:srgbClr val="000000"/>
+                </a:solidFill>
+                <a:latin typeface="Arial" panose="020B0604020202020204" pitchFamily="34" charset="0"/>
+                <a:cs typeface="Arial" panose="020B0604020202020204" pitchFamily="34" charset="0"/>
+                <a:sym typeface="Arial" panose="020B0604020202020204" pitchFamily="34" charset="0"/>
+              </a:defRPr>
+            </a:lvl9pPr>
+          </a:lstStyle>
+          <a:p>
+            <a:pPr eaLnBrk="1" hangingPunct="1"/>
+            <a:endParaRPr lang="en-US" altLang="en-US" sz="1200">
+              <a:latin typeface="Times New Roman" panose="02020603050405020304" pitchFamily="18" charset="0"/>
+              <a:cs typeface="Times New Roman" panose="02020603050405020304" pitchFamily="18" charset="0"/>
+              <a:sym typeface="Times New Roman" panose="02020603050405020304" pitchFamily="18" charset="0"/>
+            </a:endParaRPr>
+          </a:p>
+        </p:txBody>
+      </p:sp>
+      <p:sp>
+        <p:nvSpPr>
+          <p:cNvPr id="63492" name="Shape 165">
+            <a:extLst>
+              <a:ext uri="{FF2B5EF4-FFF2-40B4-BE49-F238E27FC236}">
+                <a16:creationId xmlns:a16="http://schemas.microsoft.com/office/drawing/2014/main" id="{FDAA7B4A-DF7F-43EF-97B4-FB84FF80C407}"/>
+              </a:ext>
+            </a:extLst>
+          </p:cNvPr>
+          <p:cNvSpPr>
+            <a:spLocks noChangeArrowheads="1"/>
+          </p:cNvSpPr>
+          <p:nvPr/>
+        </p:nvSpPr>
+        <p:spPr bwMode="auto">
+          <a:xfrm>
+            <a:off x="8001000" y="6781800"/>
+            <a:ext cx="1143000" cy="76200"/>
+          </a:xfrm>
+          <a:prstGeom prst="rect">
+            <a:avLst/>
+          </a:prstGeom>
+          <a:solidFill>
+            <a:srgbClr val="FF9900"/>
+          </a:solidFill>
+          <a:ln>
+            <a:noFill/>
+          </a:ln>
+          <a:extLst>
+            <a:ext uri="{91240B29-F687-4F45-9708-019B960494DF}">
+              <a14:hiddenLine xmlns:a14="http://schemas.microsoft.com/office/drawing/2010/main" w="9525">
+                <a:solidFill>
+                  <a:srgbClr val="000000"/>
+                </a:solidFill>
+                <a:miter lim="800000"/>
+                <a:headEnd/>
+                <a:tailEnd/>
+              </a14:hiddenLine>
+            </a:ext>
+          </a:extLst>
+        </p:spPr>
+        <p:txBody>
+          <a:bodyPr lIns="0" tIns="0" rIns="0" bIns="0"/>
+          <a:lstStyle>
+            <a:lvl1pPr>
+              <a:defRPr sz="1400">
+                <a:solidFill>
+                  <a:srgbClr val="000000"/>
+                </a:solidFill>
+                <a:latin typeface="Arial" panose="020B0604020202020204" pitchFamily="34" charset="0"/>
+                <a:cs typeface="Arial" panose="020B0604020202020204" pitchFamily="34" charset="0"/>
+                <a:sym typeface="Arial" panose="020B0604020202020204" pitchFamily="34" charset="0"/>
+              </a:defRPr>
+            </a:lvl1pPr>
+            <a:lvl2pPr marL="742950" indent="-285750">
+              <a:defRPr sz="1400">
+                <a:solidFill>
+                  <a:srgbClr val="000000"/>
+                </a:solidFill>
+                <a:latin typeface="Arial" panose="020B0604020202020204" pitchFamily="34" charset="0"/>
+                <a:cs typeface="Arial" panose="020B0604020202020204" pitchFamily="34" charset="0"/>
+                <a:sym typeface="Arial" panose="020B0604020202020204" pitchFamily="34" charset="0"/>
+              </a:defRPr>
+            </a:lvl2pPr>
+            <a:lvl3pPr marL="1143000" indent="-228600">
+              <a:defRPr sz="1400">
+                <a:solidFill>
+                  <a:srgbClr val="000000"/>
+                </a:solidFill>
+                <a:latin typeface="Arial" panose="020B0604020202020204" pitchFamily="34" charset="0"/>
+                <a:cs typeface="Arial" panose="020B0604020202020204" pitchFamily="34" charset="0"/>
+                <a:sym typeface="Arial" panose="020B0604020202020204" pitchFamily="34" charset="0"/>
+              </a:defRPr>
+            </a:lvl3pPr>
+            <a:lvl4pPr marL="1600200" indent="-228600">
+              <a:defRPr sz="1400">
+                <a:solidFill>
+                  <a:srgbClr val="000000"/>
+                </a:solidFill>
+                <a:latin typeface="Arial" panose="020B0604020202020204" pitchFamily="34" charset="0"/>
+                <a:cs typeface="Arial" panose="020B0604020202020204" pitchFamily="34" charset="0"/>
+                <a:sym typeface="Arial" panose="020B0604020202020204" pitchFamily="34" charset="0"/>
+              </a:defRPr>
+            </a:lvl4pPr>
+            <a:lvl5pPr marL="2057400" indent="-228600">
+              <a:defRPr sz="1400">
+                <a:solidFill>
+                  <a:srgbClr val="000000"/>
+                </a:solidFill>
+                <a:latin typeface="Arial" panose="020B0604020202020204" pitchFamily="34" charset="0"/>
+                <a:cs typeface="Arial" panose="020B0604020202020204" pitchFamily="34" charset="0"/>
+                <a:sym typeface="Arial" panose="020B0604020202020204" pitchFamily="34" charset="0"/>
+              </a:defRPr>
+            </a:lvl5pPr>
+            <a:lvl6pPr marL="2514600" indent="-228600" eaLnBrk="0" fontAlgn="base" hangingPunct="0">
+              <a:spcBef>
+                <a:spcPct val="0"/>
+              </a:spcBef>
+              <a:spcAft>
+                <a:spcPct val="0"/>
+              </a:spcAft>
+              <a:defRPr sz="1400">
+                <a:solidFill>
+                  <a:srgbClr val="000000"/>
+                </a:solidFill>
+                <a:latin typeface="Arial" panose="020B0604020202020204" pitchFamily="34" charset="0"/>
+                <a:cs typeface="Arial" panose="020B0604020202020204" pitchFamily="34" charset="0"/>
+                <a:sym typeface="Arial" panose="020B0604020202020204" pitchFamily="34" charset="0"/>
+              </a:defRPr>
+            </a:lvl6pPr>
+            <a:lvl7pPr marL="2971800" indent="-228600" eaLnBrk="0" fontAlgn="base" hangingPunct="0">
+              <a:spcBef>
+                <a:spcPct val="0"/>
+              </a:spcBef>
+              <a:spcAft>
+                <a:spcPct val="0"/>
+              </a:spcAft>
+              <a:defRPr sz="1400">
+                <a:solidFill>
+                  <a:srgbClr val="000000"/>
+                </a:solidFill>
+                <a:latin typeface="Arial" panose="020B0604020202020204" pitchFamily="34" charset="0"/>
+                <a:cs typeface="Arial" panose="020B0604020202020204" pitchFamily="34" charset="0"/>
+                <a:sym typeface="Arial" panose="020B0604020202020204" pitchFamily="34" charset="0"/>
+              </a:defRPr>
+            </a:lvl7pPr>
+            <a:lvl8pPr marL="3429000" indent="-228600" eaLnBrk="0" fontAlgn="base" hangingPunct="0">
+              <a:spcBef>
+                <a:spcPct val="0"/>
+              </a:spcBef>
+              <a:spcAft>
+                <a:spcPct val="0"/>
+              </a:spcAft>
+              <a:defRPr sz="1400">
+                <a:solidFill>
+                  <a:srgbClr val="000000"/>
+                </a:solidFill>
+                <a:latin typeface="Arial" panose="020B0604020202020204" pitchFamily="34" charset="0"/>
+                <a:cs typeface="Arial" panose="020B0604020202020204" pitchFamily="34" charset="0"/>
+                <a:sym typeface="Arial" panose="020B0604020202020204" pitchFamily="34" charset="0"/>
+              </a:defRPr>
+            </a:lvl8pPr>
+            <a:lvl9pPr marL="3886200" indent="-228600" eaLnBrk="0" fontAlgn="base" hangingPunct="0">
+              <a:spcBef>
+                <a:spcPct val="0"/>
+              </a:spcBef>
+              <a:spcAft>
+                <a:spcPct val="0"/>
+              </a:spcAft>
+              <a:defRPr sz="1400">
+                <a:solidFill>
+                  <a:srgbClr val="000000"/>
+                </a:solidFill>
+                <a:latin typeface="Arial" panose="020B0604020202020204" pitchFamily="34" charset="0"/>
+                <a:cs typeface="Arial" panose="020B0604020202020204" pitchFamily="34" charset="0"/>
+                <a:sym typeface="Arial" panose="020B0604020202020204" pitchFamily="34" charset="0"/>
+              </a:defRPr>
+            </a:lvl9pPr>
+          </a:lstStyle>
+          <a:p>
+            <a:pPr eaLnBrk="1" hangingPunct="1"/>
+            <a:endParaRPr lang="en-US" altLang="en-US" sz="1200">
+              <a:latin typeface="Times New Roman" panose="02020603050405020304" pitchFamily="18" charset="0"/>
+              <a:cs typeface="Times New Roman" panose="02020603050405020304" pitchFamily="18" charset="0"/>
+              <a:sym typeface="Times New Roman" panose="02020603050405020304" pitchFamily="18" charset="0"/>
+            </a:endParaRPr>
+          </a:p>
+        </p:txBody>
+      </p:sp>
+      <p:sp>
+        <p:nvSpPr>
+          <p:cNvPr id="63496" name="Shape 170">
+            <a:extLst>
+              <a:ext uri="{FF2B5EF4-FFF2-40B4-BE49-F238E27FC236}">
+                <a16:creationId xmlns:a16="http://schemas.microsoft.com/office/drawing/2014/main" id="{D690FE6D-881C-4EC4-AA9E-72C7514ADB47}"/>
+              </a:ext>
+            </a:extLst>
+          </p:cNvPr>
+          <p:cNvSpPr txBox="1">
+            <a:spLocks noGrp="1"/>
+          </p:cNvSpPr>
+          <p:nvPr>
+            <p:ph type="title"/>
+          </p:nvPr>
+        </p:nvSpPr>
+        <p:spPr>
+          <a:xfrm>
+            <a:off x="635000" y="556260"/>
+            <a:ext cx="8509000" cy="1143000"/>
+          </a:xfrm>
+        </p:spPr>
+        <p:txBody>
+          <a:bodyPr lIns="50800" tIns="50800" rIns="132075" bIns="50800"/>
+          <a:lstStyle/>
+          <a:p>
+            <a:pPr marL="38100" indent="0">
+              <a:spcBef>
+                <a:spcPct val="0"/>
+              </a:spcBef>
+              <a:spcAft>
+                <a:spcPct val="0"/>
+              </a:spcAft>
+              <a:buClr>
+                <a:srgbClr val="000000"/>
+              </a:buClr>
+              <a:buSzPct val="25000"/>
+            </a:pPr>
+            <a:r>
+              <a:rPr lang="en-US" altLang="en-US" dirty="0">
+                <a:solidFill>
+                  <a:srgbClr val="000000"/>
+                </a:solidFill>
+                <a:latin typeface="Arial Black" panose="020B0A04020102020204" pitchFamily="34" charset="0"/>
+                <a:cs typeface="Arial" panose="020B0604020202020204" pitchFamily="34" charset="0"/>
+                <a:sym typeface="Arial Black" panose="020B0A04020102020204" pitchFamily="34" charset="0"/>
+              </a:rPr>
+              <a:t>Various Data Types</a:t>
+            </a:r>
+            <a:br>
+              <a:rPr lang="en-US" altLang="en-US" dirty="0">
+                <a:solidFill>
+                  <a:srgbClr val="000000"/>
+                </a:solidFill>
+                <a:latin typeface="Arial Black" panose="020B0A04020102020204" pitchFamily="34" charset="0"/>
+                <a:cs typeface="Arial" panose="020B0604020202020204" pitchFamily="34" charset="0"/>
+                <a:sym typeface="Arial Black" panose="020B0A04020102020204" pitchFamily="34" charset="0"/>
+              </a:rPr>
+            </a:br>
+            <a:r>
+              <a:rPr lang="en-US" altLang="en-US" dirty="0">
+                <a:solidFill>
+                  <a:srgbClr val="000000"/>
+                </a:solidFill>
+                <a:latin typeface="Arial Black" panose="020B0A04020102020204" pitchFamily="34" charset="0"/>
+                <a:cs typeface="Arial" panose="020B0604020202020204" pitchFamily="34" charset="0"/>
+                <a:sym typeface="Arial Black" panose="020B0A04020102020204" pitchFamily="34" charset="0"/>
+              </a:rPr>
+              <a:t>Array Indexing</a:t>
+            </a:r>
+          </a:p>
+        </p:txBody>
+      </p:sp>
+      <p:sp>
+        <p:nvSpPr>
+          <p:cNvPr id="63497" name="Rectangle 9">
+            <a:extLst>
+              <a:ext uri="{FF2B5EF4-FFF2-40B4-BE49-F238E27FC236}">
+                <a16:creationId xmlns:a16="http://schemas.microsoft.com/office/drawing/2014/main" id="{F263ED7B-EF77-4AE3-BEA7-887BB0B67D1B}"/>
+              </a:ext>
+            </a:extLst>
+          </p:cNvPr>
+          <p:cNvSpPr txBox="1">
+            <a:spLocks noGrp="1"/>
+          </p:cNvSpPr>
+          <p:nvPr>
+            <p:ph type="body" idx="1"/>
+          </p:nvPr>
+        </p:nvSpPr>
+        <p:spPr>
+          <a:xfrm>
+            <a:off x="635000" y="2011680"/>
+            <a:ext cx="8247062" cy="4433959"/>
+          </a:xfrm>
+        </p:spPr>
+        <p:txBody>
+          <a:bodyPr>
+            <a:normAutofit/>
+          </a:bodyPr>
+          <a:lstStyle/>
+          <a:p>
+            <a:r>
+              <a:rPr lang="en-US" sz="2400" dirty="0"/>
+              <a:t>Often, it is useful to get to a subsection of the array.</a:t>
+            </a:r>
+          </a:p>
+          <a:p>
+            <a:r>
+              <a:rPr lang="en-US" sz="2400" dirty="0"/>
+              <a:t>In some programming languages, this is verbose.</a:t>
+            </a:r>
+          </a:p>
+          <a:p>
+            <a:r>
+              <a:rPr lang="en-US" sz="2400" dirty="0" err="1"/>
+              <a:t>thers</a:t>
+            </a:r>
+            <a:r>
+              <a:rPr lang="en-US" sz="2400" dirty="0"/>
+              <a:t>, like Python, offer easy slicing-and-dicing operations:</a:t>
+            </a:r>
+          </a:p>
+          <a:p>
+            <a:pPr marL="215901" indent="0">
+              <a:buNone/>
+            </a:pPr>
+            <a:endParaRPr lang="en-US" sz="2400" dirty="0"/>
+          </a:p>
+          <a:p>
+            <a:pPr marL="215901" indent="0">
+              <a:buNone/>
+            </a:pPr>
+            <a:r>
+              <a:rPr lang="en-US" sz="1800" dirty="0">
+                <a:latin typeface="Courier New" panose="02070309020205020404" pitchFamily="49" charset="0"/>
+                <a:cs typeface="Courier New" panose="02070309020205020404" pitchFamily="49" charset="0"/>
+              </a:rPr>
+              <a:t>a[</a:t>
+            </a:r>
+            <a:r>
+              <a:rPr lang="en-US" sz="1800" dirty="0" err="1">
+                <a:latin typeface="Courier New" panose="02070309020205020404" pitchFamily="49" charset="0"/>
+                <a:cs typeface="Courier New" panose="02070309020205020404" pitchFamily="49" charset="0"/>
+              </a:rPr>
+              <a:t>start:end</a:t>
+            </a:r>
+            <a:r>
+              <a:rPr lang="en-US" sz="1800" dirty="0">
+                <a:latin typeface="Courier New" panose="02070309020205020404" pitchFamily="49" charset="0"/>
+                <a:cs typeface="Courier New" panose="02070309020205020404" pitchFamily="49" charset="0"/>
+              </a:rPr>
+              <a:t>] # items start through end-1</a:t>
+            </a:r>
+          </a:p>
+          <a:p>
+            <a:pPr marL="215901" indent="0">
+              <a:buNone/>
+            </a:pPr>
+            <a:r>
+              <a:rPr lang="en-US" sz="1800" dirty="0">
+                <a:latin typeface="Courier New" panose="02070309020205020404" pitchFamily="49" charset="0"/>
+                <a:cs typeface="Courier New" panose="02070309020205020404" pitchFamily="49" charset="0"/>
+              </a:rPr>
+              <a:t>a[start:] # items start through the rest</a:t>
+            </a:r>
+          </a:p>
+          <a:p>
+            <a:pPr marL="215901" indent="0">
+              <a:buNone/>
+            </a:pPr>
+            <a:r>
+              <a:rPr lang="en-US" sz="1800" dirty="0">
+                <a:latin typeface="Courier New" panose="02070309020205020404" pitchFamily="49" charset="0"/>
+                <a:cs typeface="Courier New" panose="02070309020205020404" pitchFamily="49" charset="0"/>
+              </a:rPr>
+              <a:t># of the array</a:t>
+            </a:r>
+          </a:p>
+          <a:p>
+            <a:pPr marL="215901" indent="0">
+              <a:buNone/>
+            </a:pPr>
+            <a:r>
+              <a:rPr lang="en-US" sz="1800" dirty="0">
+                <a:latin typeface="Courier New" panose="02070309020205020404" pitchFamily="49" charset="0"/>
+                <a:cs typeface="Courier New" panose="02070309020205020404" pitchFamily="49" charset="0"/>
+              </a:rPr>
+              <a:t>a[:end] # items from the beginning all</a:t>
+            </a:r>
+          </a:p>
+          <a:p>
+            <a:pPr marL="215901" indent="0">
+              <a:buNone/>
+            </a:pPr>
+            <a:r>
+              <a:rPr lang="en-US" sz="1800" dirty="0">
+                <a:latin typeface="Courier New" panose="02070309020205020404" pitchFamily="49" charset="0"/>
+                <a:cs typeface="Courier New" panose="02070309020205020404" pitchFamily="49" charset="0"/>
+              </a:rPr>
+              <a:t># the way to end-1</a:t>
+            </a:r>
+            <a:endParaRPr lang="en-US" altLang="en-US" sz="2000" dirty="0">
+              <a:solidFill>
+                <a:srgbClr val="000000"/>
+              </a:solidFill>
+              <a:latin typeface="Courier New" panose="02070309020205020404" pitchFamily="49" charset="0"/>
+              <a:cs typeface="Courier New" panose="02070309020205020404" pitchFamily="49" charset="0"/>
+              <a:sym typeface="Times New Roman" panose="02020603050405020304" pitchFamily="18" charset="0"/>
+            </a:endParaRPr>
+          </a:p>
+        </p:txBody>
+      </p:sp>
+      <p:sp>
+        <p:nvSpPr>
+          <p:cNvPr id="2" name="Date Placeholder 1">
+            <a:extLst>
+              <a:ext uri="{FF2B5EF4-FFF2-40B4-BE49-F238E27FC236}">
+                <a16:creationId xmlns:a16="http://schemas.microsoft.com/office/drawing/2014/main" id="{D2D6D32F-CAE9-4B82-9203-8AE264DF9737}"/>
+              </a:ext>
+            </a:extLst>
+          </p:cNvPr>
+          <p:cNvSpPr>
+            <a:spLocks noGrp="1"/>
+          </p:cNvSpPr>
+          <p:nvPr>
+            <p:ph type="dt" idx="10"/>
+          </p:nvPr>
+        </p:nvSpPr>
+        <p:spPr/>
+        <p:txBody>
+          <a:bodyPr/>
+          <a:lstStyle/>
+          <a:p>
+            <a:pPr>
+              <a:defRPr/>
+            </a:pPr>
+            <a:endParaRPr lang="en-US" altLang="en-US" dirty="0"/>
+          </a:p>
+        </p:txBody>
+      </p:sp>
+      <p:sp>
+        <p:nvSpPr>
+          <p:cNvPr id="3" name="Footer Placeholder 2">
+            <a:extLst>
+              <a:ext uri="{FF2B5EF4-FFF2-40B4-BE49-F238E27FC236}">
+                <a16:creationId xmlns:a16="http://schemas.microsoft.com/office/drawing/2014/main" id="{395F11E0-5064-4210-99E3-7FF19D88C2FD}"/>
+              </a:ext>
+            </a:extLst>
+          </p:cNvPr>
+          <p:cNvSpPr>
+            <a:spLocks noGrp="1"/>
+          </p:cNvSpPr>
+          <p:nvPr>
+            <p:ph type="ftr" idx="11"/>
+          </p:nvPr>
+        </p:nvSpPr>
+        <p:spPr/>
+        <p:txBody>
+          <a:bodyPr/>
+          <a:lstStyle/>
+          <a:p>
+            <a:pPr>
+              <a:defRPr/>
+            </a:pPr>
+            <a:r>
+              <a:rPr lang="en-US"/>
+              <a:t>(c) P Pawar - SUNY Korea, R Banerjee, P Fodor - SBU - CSE 216, Elsevier, Norbert zeh – dalhousi university</a:t>
+            </a:r>
+          </a:p>
+          <a:p>
+            <a:pPr>
+              <a:defRPr/>
+            </a:pPr>
+            <a:endParaRPr lang="en-US" altLang="en-US" dirty="0"/>
+          </a:p>
+        </p:txBody>
+      </p:sp>
+      <p:sp>
+        <p:nvSpPr>
+          <p:cNvPr id="4" name="Slide Number Placeholder 3">
+            <a:extLst>
+              <a:ext uri="{FF2B5EF4-FFF2-40B4-BE49-F238E27FC236}">
+                <a16:creationId xmlns:a16="http://schemas.microsoft.com/office/drawing/2014/main" id="{E802CDC8-E35E-41A6-A758-27D12BA7A205}"/>
+              </a:ext>
+            </a:extLst>
+          </p:cNvPr>
+          <p:cNvSpPr>
+            <a:spLocks noGrp="1"/>
+          </p:cNvSpPr>
+          <p:nvPr>
+            <p:ph type="sldNum" idx="12"/>
+          </p:nvPr>
+        </p:nvSpPr>
+        <p:spPr/>
+        <p:txBody>
+          <a:bodyPr/>
+          <a:lstStyle/>
+          <a:p>
+            <a:pPr>
+              <a:defRPr/>
+            </a:pPr>
+            <a:fld id="{5ADDA12D-926A-4457-9E04-5FDF150FC22F}" type="slidenum">
+              <a:rPr lang="en-US" altLang="en-US" smtClean="0"/>
+              <a:pPr>
+                <a:defRPr/>
+              </a:pPr>
+              <a:t>44</a:t>
+            </a:fld>
+            <a:endParaRPr lang="en-US" altLang="en-US" dirty="0"/>
+          </a:p>
+        </p:txBody>
+      </p:sp>
+    </p:spTree>
+    <p:extLst>
+      <p:ext uri="{BB962C8B-B14F-4D97-AF65-F5344CB8AC3E}">
+        <p14:creationId xmlns:p14="http://schemas.microsoft.com/office/powerpoint/2010/main" val="1369633164"/>
+      </p:ext>
+    </p:extLst>
+  </p:cSld>
+  <p:clrMapOvr>
+    <a:masterClrMapping/>
+  </p:clrMapOvr>
+  <p:transition spd="slow">
+    <p:cut/>
+  </p:transition>
+</p:sld>
+</file>
+
+<file path=ppt/slides/slide45.xml><?xml version="1.0" encoding="utf-8"?>
+<p:sld xmlns:a="http://schemas.openxmlformats.org/drawingml/2006/main" xmlns:r="http://schemas.openxmlformats.org/officeDocument/2006/relationships" xmlns:p="http://schemas.openxmlformats.org/presentationml/2006/main">
+  <p:cSld>
+    <p:spTree>
+      <p:nvGrpSpPr>
+        <p:cNvPr id="1" name=""/>
+        <p:cNvGrpSpPr/>
+        <p:nvPr/>
+      </p:nvGrpSpPr>
+      <p:grpSpPr>
+        <a:xfrm>
+          <a:off x="0" y="0"/>
+          <a:ext cx="0" cy="0"/>
+          <a:chOff x="0" y="0"/>
+          <a:chExt cx="0" cy="0"/>
+        </a:xfrm>
+      </p:grpSpPr>
+      <p:sp>
+        <p:nvSpPr>
+          <p:cNvPr id="2" name="Title 1">
+            <a:extLst>
+              <a:ext uri="{FF2B5EF4-FFF2-40B4-BE49-F238E27FC236}">
+                <a16:creationId xmlns:a16="http://schemas.microsoft.com/office/drawing/2014/main" id="{F48B2CC6-6371-4E8C-A36A-17E6FA1EE6C2}"/>
+              </a:ext>
+            </a:extLst>
+          </p:cNvPr>
+          <p:cNvSpPr>
+            <a:spLocks noGrp="1"/>
+          </p:cNvSpPr>
+          <p:nvPr>
+            <p:ph type="title"/>
+          </p:nvPr>
+        </p:nvSpPr>
+        <p:spPr>
+          <a:xfrm>
+            <a:off x="1123092" y="2462770"/>
+            <a:ext cx="7772400" cy="1092199"/>
+          </a:xfrm>
+        </p:spPr>
+        <p:txBody>
+          <a:bodyPr/>
+          <a:lstStyle/>
+          <a:p>
+            <a:r>
+              <a:rPr lang="en-US" dirty="0"/>
+              <a:t>Questions? </a:t>
+            </a:r>
+          </a:p>
+        </p:txBody>
+      </p:sp>
+      <p:sp>
+        <p:nvSpPr>
+          <p:cNvPr id="6" name="Date Placeholder 5">
+            <a:extLst>
+              <a:ext uri="{FF2B5EF4-FFF2-40B4-BE49-F238E27FC236}">
+                <a16:creationId xmlns:a16="http://schemas.microsoft.com/office/drawing/2014/main" id="{08EED3D6-6A76-4FA6-B77B-BFC02FF09D20}"/>
+              </a:ext>
+            </a:extLst>
+          </p:cNvPr>
+          <p:cNvSpPr>
+            <a:spLocks noGrp="1"/>
+          </p:cNvSpPr>
+          <p:nvPr>
+            <p:ph type="dt" idx="10"/>
+          </p:nvPr>
+        </p:nvSpPr>
+        <p:spPr/>
+        <p:txBody>
+          <a:bodyPr/>
+          <a:lstStyle/>
+          <a:p>
+            <a:pPr>
+              <a:defRPr/>
+            </a:pPr>
+            <a:endParaRPr lang="en-US" altLang="en-US" dirty="0"/>
+          </a:p>
+        </p:txBody>
+      </p:sp>
+      <p:sp>
+        <p:nvSpPr>
+          <p:cNvPr id="7" name="Footer Placeholder 6">
+            <a:extLst>
+              <a:ext uri="{FF2B5EF4-FFF2-40B4-BE49-F238E27FC236}">
+                <a16:creationId xmlns:a16="http://schemas.microsoft.com/office/drawing/2014/main" id="{3BCEE1E5-6C8D-4C0E-BAEB-7E8E0EC4F506}"/>
+              </a:ext>
+            </a:extLst>
+          </p:cNvPr>
+          <p:cNvSpPr>
+            <a:spLocks noGrp="1"/>
+          </p:cNvSpPr>
+          <p:nvPr>
+            <p:ph type="ftr" idx="11"/>
+          </p:nvPr>
+        </p:nvSpPr>
+        <p:spPr/>
+        <p:txBody>
+          <a:bodyPr/>
+          <a:lstStyle/>
+          <a:p>
+            <a:pPr>
+              <a:defRPr/>
+            </a:pPr>
+            <a:r>
+              <a:rPr lang="en-US"/>
+              <a:t>(c) P Pawar - SUNY Korea, R Banerjee, P Fodor - SBU - CSE 216, Elsevier, Norbert zeh – dalhousi university</a:t>
+            </a:r>
+          </a:p>
+          <a:p>
+            <a:pPr>
+              <a:defRPr/>
+            </a:pPr>
+            <a:endParaRPr lang="en-US" altLang="en-US" dirty="0"/>
+          </a:p>
+        </p:txBody>
+      </p:sp>
+      <p:sp>
+        <p:nvSpPr>
+          <p:cNvPr id="8" name="Slide Number Placeholder 7">
+            <a:extLst>
+              <a:ext uri="{FF2B5EF4-FFF2-40B4-BE49-F238E27FC236}">
+                <a16:creationId xmlns:a16="http://schemas.microsoft.com/office/drawing/2014/main" id="{70185586-BD22-4703-8524-08BDF3657DBB}"/>
+              </a:ext>
+            </a:extLst>
+          </p:cNvPr>
+          <p:cNvSpPr>
+            <a:spLocks noGrp="1"/>
+          </p:cNvSpPr>
+          <p:nvPr>
+            <p:ph type="sldNum" idx="12"/>
+          </p:nvPr>
+        </p:nvSpPr>
+        <p:spPr/>
+        <p:txBody>
+          <a:bodyPr/>
+          <a:lstStyle/>
+          <a:p>
+            <a:pPr>
+              <a:defRPr/>
+            </a:pPr>
+            <a:fld id="{5ADDA12D-926A-4457-9E04-5FDF150FC22F}" type="slidenum">
+              <a:rPr lang="en-US" altLang="en-US" smtClean="0"/>
+              <a:pPr>
+                <a:defRPr/>
+              </a:pPr>
+              <a:t>45</a:t>
+            </a:fld>
+            <a:endParaRPr lang="en-US" altLang="en-US" dirty="0"/>
+          </a:p>
+        </p:txBody>
+      </p:sp>
+    </p:spTree>
+    <p:extLst>
+      <p:ext uri="{BB962C8B-B14F-4D97-AF65-F5344CB8AC3E}">
+        <p14:creationId xmlns:p14="http://schemas.microsoft.com/office/powerpoint/2010/main" val="2682049090"/>
+      </p:ext>
+    </p:extLst>
+  </p:cSld>
+  <p:clrMapOvr>
+    <a:masterClrMapping/>
+  </p:clrMapOvr>
 </p:sld>
 </file>
 
@@ -27685,6 +34872,106 @@
               </a:rPr>
               <a:t>Custom operations for built-in and custom types</a:t>
             </a:r>
+          </a:p>
+        </p:txBody>
+      </p:sp>
+      <p:sp>
+        <p:nvSpPr>
+          <p:cNvPr id="2" name="Date Placeholder 1">
+            <a:extLst>
+              <a:ext uri="{FF2B5EF4-FFF2-40B4-BE49-F238E27FC236}">
+                <a16:creationId xmlns:a16="http://schemas.microsoft.com/office/drawing/2014/main" id="{8D2FB16E-46B4-4A7D-BDBA-FFB989F8733D}"/>
+              </a:ext>
+            </a:extLst>
+          </p:cNvPr>
+          <p:cNvSpPr>
+            <a:spLocks noGrp="1"/>
+          </p:cNvSpPr>
+          <p:nvPr>
+            <p:ph type="dt" idx="10"/>
+          </p:nvPr>
+        </p:nvSpPr>
+        <p:spPr/>
+        <p:txBody>
+          <a:bodyPr/>
+          <a:lstStyle/>
+          <a:p>
+            <a:pPr>
+              <a:defRPr/>
+            </a:pPr>
+            <a:endParaRPr lang="en-US" altLang="en-US" dirty="0"/>
+          </a:p>
+        </p:txBody>
+      </p:sp>
+      <p:sp>
+        <p:nvSpPr>
+          <p:cNvPr id="3" name="Footer Placeholder 2">
+            <a:extLst>
+              <a:ext uri="{FF2B5EF4-FFF2-40B4-BE49-F238E27FC236}">
+                <a16:creationId xmlns:a16="http://schemas.microsoft.com/office/drawing/2014/main" id="{8D5D9E2C-D9BB-4E9B-BC6B-5528D3EF2E1D}"/>
+              </a:ext>
+            </a:extLst>
+          </p:cNvPr>
+          <p:cNvSpPr>
+            <a:spLocks noGrp="1"/>
+          </p:cNvSpPr>
+          <p:nvPr>
+            <p:ph type="ftr" idx="11"/>
+          </p:nvPr>
+        </p:nvSpPr>
+        <p:spPr/>
+        <p:txBody>
+          <a:bodyPr/>
+          <a:lstStyle/>
+          <a:p>
+            <a:pPr>
+              <a:defRPr/>
+            </a:pPr>
+            <a:r>
+              <a:rPr lang="en-US"/>
+              <a:t>(c) P Pawar - SUNY Korea, R Banerjee, P Fodor - SBU - CSE 216, Elsevier, Norbert zeh – dalhousi university</a:t>
+            </a:r>
+          </a:p>
+          <a:p>
+            <a:pPr>
+              <a:defRPr/>
+            </a:pPr>
+            <a:endParaRPr lang="en-US" altLang="en-US" dirty="0"/>
+          </a:p>
+        </p:txBody>
+      </p:sp>
+      <p:sp>
+        <p:nvSpPr>
+          <p:cNvPr id="4" name="Slide Number Placeholder 3">
+            <a:extLst>
+              <a:ext uri="{FF2B5EF4-FFF2-40B4-BE49-F238E27FC236}">
+                <a16:creationId xmlns:a16="http://schemas.microsoft.com/office/drawing/2014/main" id="{E865AACF-CDE1-44AC-A9F4-AA00E076CFE8}"/>
+              </a:ext>
+            </a:extLst>
+          </p:cNvPr>
+          <p:cNvSpPr>
+            <a:spLocks noGrp="1"/>
+          </p:cNvSpPr>
+          <p:nvPr>
+            <p:ph type="sldNum" idx="12"/>
+          </p:nvPr>
+        </p:nvSpPr>
+        <p:spPr/>
+        <p:txBody>
+          <a:bodyPr/>
+          <a:lstStyle/>
+          <a:p>
+            <a:pPr>
+              <a:defRPr/>
+            </a:pPr>
+            <a:fld id="{5ADDA12D-926A-4457-9E04-5FDF150FC22F}" type="slidenum">
+              <a:rPr lang="en-US" altLang="en-US" smtClean="0"/>
+              <a:pPr>
+                <a:defRPr/>
+              </a:pPr>
+              <a:t>5</a:t>
+            </a:fld>
+            <a:endParaRPr lang="en-US" altLang="en-US" dirty="0"/>
           </a:p>
         </p:txBody>
       </p:sp>
@@ -27898,6 +35185,106 @@
               <a:cs typeface="Times New Roman" panose="02020603050405020304" pitchFamily="18" charset="0"/>
               <a:sym typeface="Times New Roman" panose="02020603050405020304" pitchFamily="18" charset="0"/>
             </a:endParaRPr>
+          </a:p>
+        </p:txBody>
+      </p:sp>
+      <p:sp>
+        <p:nvSpPr>
+          <p:cNvPr id="2" name="Date Placeholder 1">
+            <a:extLst>
+              <a:ext uri="{FF2B5EF4-FFF2-40B4-BE49-F238E27FC236}">
+                <a16:creationId xmlns:a16="http://schemas.microsoft.com/office/drawing/2014/main" id="{DB947D27-70C1-4488-9774-F512CFD35559}"/>
+              </a:ext>
+            </a:extLst>
+          </p:cNvPr>
+          <p:cNvSpPr>
+            <a:spLocks noGrp="1"/>
+          </p:cNvSpPr>
+          <p:nvPr>
+            <p:ph type="dt" idx="10"/>
+          </p:nvPr>
+        </p:nvSpPr>
+        <p:spPr/>
+        <p:txBody>
+          <a:bodyPr/>
+          <a:lstStyle/>
+          <a:p>
+            <a:pPr>
+              <a:defRPr/>
+            </a:pPr>
+            <a:endParaRPr lang="en-US" altLang="en-US" dirty="0"/>
+          </a:p>
+        </p:txBody>
+      </p:sp>
+      <p:sp>
+        <p:nvSpPr>
+          <p:cNvPr id="3" name="Footer Placeholder 2">
+            <a:extLst>
+              <a:ext uri="{FF2B5EF4-FFF2-40B4-BE49-F238E27FC236}">
+                <a16:creationId xmlns:a16="http://schemas.microsoft.com/office/drawing/2014/main" id="{A2A2313B-980B-4619-A02E-278459EDE06E}"/>
+              </a:ext>
+            </a:extLst>
+          </p:cNvPr>
+          <p:cNvSpPr>
+            <a:spLocks noGrp="1"/>
+          </p:cNvSpPr>
+          <p:nvPr>
+            <p:ph type="ftr" idx="11"/>
+          </p:nvPr>
+        </p:nvSpPr>
+        <p:spPr/>
+        <p:txBody>
+          <a:bodyPr/>
+          <a:lstStyle/>
+          <a:p>
+            <a:pPr>
+              <a:defRPr/>
+            </a:pPr>
+            <a:r>
+              <a:rPr lang="en-US"/>
+              <a:t>(c) P Pawar - SUNY Korea, R Banerjee, P Fodor - SBU - CSE 216, Elsevier, Norbert zeh – dalhousi university</a:t>
+            </a:r>
+          </a:p>
+          <a:p>
+            <a:pPr>
+              <a:defRPr/>
+            </a:pPr>
+            <a:endParaRPr lang="en-US" altLang="en-US" dirty="0"/>
+          </a:p>
+        </p:txBody>
+      </p:sp>
+      <p:sp>
+        <p:nvSpPr>
+          <p:cNvPr id="4" name="Slide Number Placeholder 3">
+            <a:extLst>
+              <a:ext uri="{FF2B5EF4-FFF2-40B4-BE49-F238E27FC236}">
+                <a16:creationId xmlns:a16="http://schemas.microsoft.com/office/drawing/2014/main" id="{58497C64-5EE9-4D27-9BE8-757D84DBAEB9}"/>
+              </a:ext>
+            </a:extLst>
+          </p:cNvPr>
+          <p:cNvSpPr>
+            <a:spLocks noGrp="1"/>
+          </p:cNvSpPr>
+          <p:nvPr>
+            <p:ph type="sldNum" idx="12"/>
+          </p:nvPr>
+        </p:nvSpPr>
+        <p:spPr/>
+        <p:txBody>
+          <a:bodyPr/>
+          <a:lstStyle/>
+          <a:p>
+            <a:pPr>
+              <a:defRPr/>
+            </a:pPr>
+            <a:fld id="{5ADDA12D-926A-4457-9E04-5FDF150FC22F}" type="slidenum">
+              <a:rPr lang="en-US" altLang="en-US" smtClean="0"/>
+              <a:pPr>
+                <a:defRPr/>
+              </a:pPr>
+              <a:t>6</a:t>
+            </a:fld>
+            <a:endParaRPr lang="en-US" altLang="en-US" dirty="0"/>
           </a:p>
         </p:txBody>
       </p:sp>
@@ -28055,6 +35442,106 @@
           </a:p>
         </p:txBody>
       </p:sp>
+      <p:sp>
+        <p:nvSpPr>
+          <p:cNvPr id="4" name="Date Placeholder 3">
+            <a:extLst>
+              <a:ext uri="{FF2B5EF4-FFF2-40B4-BE49-F238E27FC236}">
+                <a16:creationId xmlns:a16="http://schemas.microsoft.com/office/drawing/2014/main" id="{3E222DD7-CC0A-4837-B2E6-B7FC6F7A6EAB}"/>
+              </a:ext>
+            </a:extLst>
+          </p:cNvPr>
+          <p:cNvSpPr>
+            <a:spLocks noGrp="1"/>
+          </p:cNvSpPr>
+          <p:nvPr>
+            <p:ph type="dt" idx="10"/>
+          </p:nvPr>
+        </p:nvSpPr>
+        <p:spPr/>
+        <p:txBody>
+          <a:bodyPr/>
+          <a:lstStyle/>
+          <a:p>
+            <a:pPr>
+              <a:defRPr/>
+            </a:pPr>
+            <a:endParaRPr lang="en-US" altLang="en-US" dirty="0"/>
+          </a:p>
+        </p:txBody>
+      </p:sp>
+      <p:sp>
+        <p:nvSpPr>
+          <p:cNvPr id="5" name="Footer Placeholder 4">
+            <a:extLst>
+              <a:ext uri="{FF2B5EF4-FFF2-40B4-BE49-F238E27FC236}">
+                <a16:creationId xmlns:a16="http://schemas.microsoft.com/office/drawing/2014/main" id="{E02ADDE8-E28B-4A7D-8E9E-2BF6FCA86C0F}"/>
+              </a:ext>
+            </a:extLst>
+          </p:cNvPr>
+          <p:cNvSpPr>
+            <a:spLocks noGrp="1"/>
+          </p:cNvSpPr>
+          <p:nvPr>
+            <p:ph type="ftr" idx="11"/>
+          </p:nvPr>
+        </p:nvSpPr>
+        <p:spPr/>
+        <p:txBody>
+          <a:bodyPr/>
+          <a:lstStyle/>
+          <a:p>
+            <a:pPr>
+              <a:defRPr/>
+            </a:pPr>
+            <a:r>
+              <a:rPr lang="en-US"/>
+              <a:t>(c) P Pawar - SUNY Korea, R Banerjee, P Fodor - SBU - CSE 216, Elsevier, Norbert zeh – dalhousi university</a:t>
+            </a:r>
+          </a:p>
+          <a:p>
+            <a:pPr>
+              <a:defRPr/>
+            </a:pPr>
+            <a:endParaRPr lang="en-US" altLang="en-US" dirty="0"/>
+          </a:p>
+        </p:txBody>
+      </p:sp>
+      <p:sp>
+        <p:nvSpPr>
+          <p:cNvPr id="6" name="Slide Number Placeholder 5">
+            <a:extLst>
+              <a:ext uri="{FF2B5EF4-FFF2-40B4-BE49-F238E27FC236}">
+                <a16:creationId xmlns:a16="http://schemas.microsoft.com/office/drawing/2014/main" id="{2B150BED-F203-48CD-830A-530E0DD3FB98}"/>
+              </a:ext>
+            </a:extLst>
+          </p:cNvPr>
+          <p:cNvSpPr>
+            <a:spLocks noGrp="1"/>
+          </p:cNvSpPr>
+          <p:nvPr>
+            <p:ph type="sldNum" idx="12"/>
+          </p:nvPr>
+        </p:nvSpPr>
+        <p:spPr/>
+        <p:txBody>
+          <a:bodyPr/>
+          <a:lstStyle/>
+          <a:p>
+            <a:pPr>
+              <a:defRPr/>
+            </a:pPr>
+            <a:fld id="{5ADDA12D-926A-4457-9E04-5FDF150FC22F}" type="slidenum">
+              <a:rPr lang="en-US" altLang="en-US" smtClean="0"/>
+              <a:pPr>
+                <a:defRPr/>
+              </a:pPr>
+              <a:t>7</a:t>
+            </a:fld>
+            <a:endParaRPr lang="en-US" altLang="en-US" dirty="0"/>
+          </a:p>
+        </p:txBody>
+      </p:sp>
     </p:spTree>
     <p:extLst>
       <p:ext uri="{BB962C8B-B14F-4D97-AF65-F5344CB8AC3E}">
@@ -28183,6 +35670,106 @@
           </a:p>
         </p:txBody>
       </p:sp>
+      <p:sp>
+        <p:nvSpPr>
+          <p:cNvPr id="4" name="Date Placeholder 3">
+            <a:extLst>
+              <a:ext uri="{FF2B5EF4-FFF2-40B4-BE49-F238E27FC236}">
+                <a16:creationId xmlns:a16="http://schemas.microsoft.com/office/drawing/2014/main" id="{B7E7B4F9-6760-4E6E-861E-902F149ECC72}"/>
+              </a:ext>
+            </a:extLst>
+          </p:cNvPr>
+          <p:cNvSpPr>
+            <a:spLocks noGrp="1"/>
+          </p:cNvSpPr>
+          <p:nvPr>
+            <p:ph type="dt" idx="10"/>
+          </p:nvPr>
+        </p:nvSpPr>
+        <p:spPr/>
+        <p:txBody>
+          <a:bodyPr/>
+          <a:lstStyle/>
+          <a:p>
+            <a:pPr>
+              <a:defRPr/>
+            </a:pPr>
+            <a:endParaRPr lang="en-US" altLang="en-US" dirty="0"/>
+          </a:p>
+        </p:txBody>
+      </p:sp>
+      <p:sp>
+        <p:nvSpPr>
+          <p:cNvPr id="5" name="Footer Placeholder 4">
+            <a:extLst>
+              <a:ext uri="{FF2B5EF4-FFF2-40B4-BE49-F238E27FC236}">
+                <a16:creationId xmlns:a16="http://schemas.microsoft.com/office/drawing/2014/main" id="{A84387EA-1742-4C28-850B-93EF7F5C7098}"/>
+              </a:ext>
+            </a:extLst>
+          </p:cNvPr>
+          <p:cNvSpPr>
+            <a:spLocks noGrp="1"/>
+          </p:cNvSpPr>
+          <p:nvPr>
+            <p:ph type="ftr" idx="11"/>
+          </p:nvPr>
+        </p:nvSpPr>
+        <p:spPr/>
+        <p:txBody>
+          <a:bodyPr/>
+          <a:lstStyle/>
+          <a:p>
+            <a:pPr>
+              <a:defRPr/>
+            </a:pPr>
+            <a:r>
+              <a:rPr lang="en-US"/>
+              <a:t>(c) P Pawar - SUNY Korea, R Banerjee, P Fodor - SBU - CSE 216, Elsevier, Norbert zeh – dalhousi university</a:t>
+            </a:r>
+          </a:p>
+          <a:p>
+            <a:pPr>
+              <a:defRPr/>
+            </a:pPr>
+            <a:endParaRPr lang="en-US" altLang="en-US" dirty="0"/>
+          </a:p>
+        </p:txBody>
+      </p:sp>
+      <p:sp>
+        <p:nvSpPr>
+          <p:cNvPr id="6" name="Slide Number Placeholder 5">
+            <a:extLst>
+              <a:ext uri="{FF2B5EF4-FFF2-40B4-BE49-F238E27FC236}">
+                <a16:creationId xmlns:a16="http://schemas.microsoft.com/office/drawing/2014/main" id="{5D45949E-46C2-4CF5-B6C8-05C8C91C69EE}"/>
+              </a:ext>
+            </a:extLst>
+          </p:cNvPr>
+          <p:cNvSpPr>
+            <a:spLocks noGrp="1"/>
+          </p:cNvSpPr>
+          <p:nvPr>
+            <p:ph type="sldNum" idx="12"/>
+          </p:nvPr>
+        </p:nvSpPr>
+        <p:spPr/>
+        <p:txBody>
+          <a:bodyPr/>
+          <a:lstStyle/>
+          <a:p>
+            <a:pPr>
+              <a:defRPr/>
+            </a:pPr>
+            <a:fld id="{5ADDA12D-926A-4457-9E04-5FDF150FC22F}" type="slidenum">
+              <a:rPr lang="en-US" altLang="en-US" smtClean="0"/>
+              <a:pPr>
+                <a:defRPr/>
+              </a:pPr>
+              <a:t>8</a:t>
+            </a:fld>
+            <a:endParaRPr lang="en-US" altLang="en-US" dirty="0"/>
+          </a:p>
+        </p:txBody>
+      </p:sp>
     </p:spTree>
     <p:extLst>
       <p:ext uri="{BB962C8B-B14F-4D97-AF65-F5344CB8AC3E}">
@@ -29014,6 +36601,106 @@
               </a:rPr>
               <a:t>Strongly typed and type checking is performed at runtime (LISP, Smalltalk, Python, …)</a:t>
             </a:r>
+          </a:p>
+        </p:txBody>
+      </p:sp>
+      <p:sp>
+        <p:nvSpPr>
+          <p:cNvPr id="2" name="Date Placeholder 1">
+            <a:extLst>
+              <a:ext uri="{FF2B5EF4-FFF2-40B4-BE49-F238E27FC236}">
+                <a16:creationId xmlns:a16="http://schemas.microsoft.com/office/drawing/2014/main" id="{A76D962D-46BC-4D90-A754-23F73934A3E1}"/>
+              </a:ext>
+            </a:extLst>
+          </p:cNvPr>
+          <p:cNvSpPr>
+            <a:spLocks noGrp="1"/>
+          </p:cNvSpPr>
+          <p:nvPr>
+            <p:ph type="dt" idx="10"/>
+          </p:nvPr>
+        </p:nvSpPr>
+        <p:spPr/>
+        <p:txBody>
+          <a:bodyPr/>
+          <a:lstStyle/>
+          <a:p>
+            <a:pPr>
+              <a:defRPr/>
+            </a:pPr>
+            <a:endParaRPr lang="en-US" altLang="en-US" dirty="0"/>
+          </a:p>
+        </p:txBody>
+      </p:sp>
+      <p:sp>
+        <p:nvSpPr>
+          <p:cNvPr id="3" name="Footer Placeholder 2">
+            <a:extLst>
+              <a:ext uri="{FF2B5EF4-FFF2-40B4-BE49-F238E27FC236}">
+                <a16:creationId xmlns:a16="http://schemas.microsoft.com/office/drawing/2014/main" id="{FC574875-9B1A-4F9F-9AD9-074FECDBDF33}"/>
+              </a:ext>
+            </a:extLst>
+          </p:cNvPr>
+          <p:cNvSpPr>
+            <a:spLocks noGrp="1"/>
+          </p:cNvSpPr>
+          <p:nvPr>
+            <p:ph type="ftr" idx="11"/>
+          </p:nvPr>
+        </p:nvSpPr>
+        <p:spPr/>
+        <p:txBody>
+          <a:bodyPr/>
+          <a:lstStyle/>
+          <a:p>
+            <a:pPr>
+              <a:defRPr/>
+            </a:pPr>
+            <a:r>
+              <a:rPr lang="en-US"/>
+              <a:t>(c) P Pawar - SUNY Korea, R Banerjee, P Fodor - SBU - CSE 216, Elsevier, Norbert zeh – dalhousi university</a:t>
+            </a:r>
+          </a:p>
+          <a:p>
+            <a:pPr>
+              <a:defRPr/>
+            </a:pPr>
+            <a:endParaRPr lang="en-US" altLang="en-US" dirty="0"/>
+          </a:p>
+        </p:txBody>
+      </p:sp>
+      <p:sp>
+        <p:nvSpPr>
+          <p:cNvPr id="4" name="Slide Number Placeholder 3">
+            <a:extLst>
+              <a:ext uri="{FF2B5EF4-FFF2-40B4-BE49-F238E27FC236}">
+                <a16:creationId xmlns:a16="http://schemas.microsoft.com/office/drawing/2014/main" id="{210E4550-0AE5-4BC4-AA1B-1D541FE11B29}"/>
+              </a:ext>
+            </a:extLst>
+          </p:cNvPr>
+          <p:cNvSpPr>
+            <a:spLocks noGrp="1"/>
+          </p:cNvSpPr>
+          <p:nvPr>
+            <p:ph type="sldNum" idx="12"/>
+          </p:nvPr>
+        </p:nvSpPr>
+        <p:spPr/>
+        <p:txBody>
+          <a:bodyPr/>
+          <a:lstStyle/>
+          <a:p>
+            <a:pPr>
+              <a:defRPr/>
+            </a:pPr>
+            <a:fld id="{5ADDA12D-926A-4457-9E04-5FDF150FC22F}" type="slidenum">
+              <a:rPr lang="en-US" altLang="en-US" smtClean="0"/>
+              <a:pPr>
+                <a:defRPr/>
+              </a:pPr>
+              <a:t>9</a:t>
+            </a:fld>
+            <a:endParaRPr lang="en-US" altLang="en-US" dirty="0"/>
           </a:p>
         </p:txBody>
       </p:sp>
